--- a/2023/UNIT_4_5/Unit-5-Python-Text-TimeSeries.pptx
+++ b/2023/UNIT_4_5/Unit-5-Python-Text-TimeSeries.pptx
@@ -5,7 +5,7 @@
     <p:sldMasterId id="2147483659" r:id="rId1"/>
   </p:sldMasterIdLst>
   <p:notesMasterIdLst>
-    <p:notesMasterId r:id="rId29"/>
+    <p:notesMasterId r:id="rId31"/>
   </p:notesMasterIdLst>
   <p:sldIdLst>
     <p:sldId id="256" r:id="rId2"/>
@@ -23,18 +23,20 @@
     <p:sldId id="319" r:id="rId14"/>
     <p:sldId id="320" r:id="rId15"/>
     <p:sldId id="321" r:id="rId16"/>
-    <p:sldId id="322" r:id="rId17"/>
-    <p:sldId id="323" r:id="rId18"/>
-    <p:sldId id="332" r:id="rId19"/>
-    <p:sldId id="324" r:id="rId20"/>
-    <p:sldId id="325" r:id="rId21"/>
-    <p:sldId id="333" r:id="rId22"/>
-    <p:sldId id="334" r:id="rId23"/>
-    <p:sldId id="337" r:id="rId24"/>
-    <p:sldId id="335" r:id="rId25"/>
-    <p:sldId id="326" r:id="rId26"/>
-    <p:sldId id="336" r:id="rId27"/>
-    <p:sldId id="338" r:id="rId28"/>
+    <p:sldId id="346" r:id="rId17"/>
+    <p:sldId id="322" r:id="rId18"/>
+    <p:sldId id="323" r:id="rId19"/>
+    <p:sldId id="332" r:id="rId20"/>
+    <p:sldId id="324" r:id="rId21"/>
+    <p:sldId id="325" r:id="rId22"/>
+    <p:sldId id="333" r:id="rId23"/>
+    <p:sldId id="334" r:id="rId24"/>
+    <p:sldId id="337" r:id="rId25"/>
+    <p:sldId id="335" r:id="rId26"/>
+    <p:sldId id="326" r:id="rId27"/>
+    <p:sldId id="336" r:id="rId28"/>
+    <p:sldId id="338" r:id="rId29"/>
+    <p:sldId id="347" r:id="rId30"/>
   </p:sldIdLst>
   <p:sldSz cx="9144000" cy="6858000" type="screen4x3"/>
   <p:notesSz cx="9144000" cy="6858000"/>
@@ -2033,7 +2035,7 @@
           <a:p>
             <a:fld id="{9C7CBA4D-D1BF-4799-AFB6-DEAFC6EDC389}" type="datetime1">
               <a:rPr lang="en-US" smtClean="0"/>
-              <a:t>9/29/23</a:t>
+              <a:t>9/29/2023</a:t>
             </a:fld>
             <a:endParaRPr/>
           </a:p>
@@ -2834,7 +2836,7 @@
           <a:p>
             <a:fld id="{D2142BB5-71BA-4403-ACBC-AC0ADABE599D}" type="datetime1">
               <a:rPr lang="en-US" smtClean="0"/>
-              <a:t>9/29/23</a:t>
+              <a:t>9/29/2023</a:t>
             </a:fld>
             <a:endParaRPr/>
           </a:p>
@@ -3635,7 +3637,7 @@
           <a:p>
             <a:fld id="{E3162F0C-96E0-40FF-9E1B-9D227A4A314C}" type="datetime1">
               <a:rPr lang="en-US" smtClean="0"/>
-              <a:t>9/29/23</a:t>
+              <a:t>9/29/2023</a:t>
             </a:fld>
             <a:endParaRPr/>
           </a:p>
@@ -4436,7 +4438,7 @@
           <a:p>
             <a:fld id="{0C62BD34-D5E2-4C87-AA2A-F8D5808875C3}" type="datetime1">
               <a:rPr lang="en-US" smtClean="0"/>
-              <a:t>9/29/23</a:t>
+              <a:t>9/29/2023</a:t>
             </a:fld>
             <a:endParaRPr/>
           </a:p>
@@ -5246,7 +5248,7 @@
           <a:p>
             <a:fld id="{1599DCB5-5EA8-40ED-B6F6-94DEA97C34A4}" type="datetime1">
               <a:rPr lang="en-US" smtClean="0"/>
-              <a:t>9/29/23</a:t>
+              <a:t>9/29/2023</a:t>
             </a:fld>
             <a:endParaRPr/>
           </a:p>
@@ -6225,7 +6227,7 @@
           <a:p>
             <a:fld id="{52BE42F2-D6E8-4175-AB2C-D0ED52518F51}" type="datetime1">
               <a:rPr lang="en-US" smtClean="0"/>
-              <a:t>9/29/23</a:t>
+              <a:t>9/29/2023</a:t>
             </a:fld>
             <a:endParaRPr/>
           </a:p>
@@ -7542,7 +7544,7 @@
           <a:p>
             <a:fld id="{8E08C2CB-A4F7-4ED3-B68D-00B974296F17}" type="datetime1">
               <a:rPr lang="en-US" smtClean="0"/>
-              <a:t>9/29/23</a:t>
+              <a:t>9/29/2023</a:t>
             </a:fld>
             <a:endParaRPr/>
           </a:p>
@@ -8183,7 +8185,7 @@
           <a:p>
             <a:fld id="{215C33B7-3119-4F7E-9A47-39575B828DEA}" type="datetime1">
               <a:rPr lang="en-US" smtClean="0"/>
-              <a:t>9/29/23</a:t>
+              <a:t>9/29/2023</a:t>
             </a:fld>
             <a:endParaRPr/>
           </a:p>
@@ -8691,7 +8693,7 @@
           <a:p>
             <a:fld id="{06729030-588F-4AB5-8600-A0779876BA82}" type="datetime1">
               <a:rPr lang="en-US" smtClean="0"/>
-              <a:t>9/29/23</a:t>
+              <a:t>9/29/2023</a:t>
             </a:fld>
             <a:endParaRPr/>
           </a:p>
@@ -9670,7 +9672,7 @@
           <a:p>
             <a:fld id="{6E094DC0-DFD9-4438-AAB3-6F0EAD517DD1}" type="datetime1">
               <a:rPr lang="en-US" smtClean="0"/>
-              <a:t>9/29/23</a:t>
+              <a:t>9/29/2023</a:t>
             </a:fld>
             <a:endParaRPr/>
           </a:p>
@@ -10504,7 +10506,7 @@
           <a:p>
             <a:fld id="{E9E74B8F-DD15-4D57-890A-1843ABE3D877}" type="datetime1">
               <a:rPr lang="en-US" smtClean="0"/>
-              <a:t>9/29/23</a:t>
+              <a:t>9/29/2023</a:t>
             </a:fld>
             <a:endParaRPr/>
           </a:p>
@@ -11538,7 +11540,7 @@
           <a:p>
             <a:fld id="{010FDBE2-1077-4F25-BEBD-151DC496D77A}" type="datetime1">
               <a:rPr lang="en-US" smtClean="0"/>
-              <a:t>9/29/23</a:t>
+              <a:t>9/29/2023</a:t>
             </a:fld>
             <a:endParaRPr/>
           </a:p>
@@ -12912,7 +12914,7 @@
                   <a:schemeClr val="accent2"/>
                 </a:solidFill>
               </a:rPr>
-              <a:t>Unit-5 : Text &amp; Time Series Analysis using Python</a:t>
+              <a:t>Unit-5 : Time Series &amp; Text Analysis using Python</a:t>
             </a:r>
             <a:endParaRPr sz="4700" dirty="0">
               <a:solidFill>
@@ -13053,7 +13055,7 @@
           <a:p>
             <a:fld id="{0C62BD34-D5E2-4C87-AA2A-F8D5808875C3}" type="datetime1">
               <a:rPr lang="en-US" smtClean="0"/>
-              <a:t>9/29/23</a:t>
+              <a:t>9/29/2023</a:t>
             </a:fld>
             <a:endParaRPr lang="en-US"/>
           </a:p>
@@ -13214,7 +13216,7 @@
           <a:p>
             <a:fld id="{0C62BD34-D5E2-4C87-AA2A-F8D5808875C3}" type="datetime1">
               <a:rPr lang="en-US" smtClean="0"/>
-              <a:t>9/29/23</a:t>
+              <a:t>9/29/2023</a:t>
             </a:fld>
             <a:endParaRPr lang="en-US"/>
           </a:p>
@@ -13482,7 +13484,7 @@
           <a:p>
             <a:fld id="{0C62BD34-D5E2-4C87-AA2A-F8D5808875C3}" type="datetime1">
               <a:rPr lang="en-US" smtClean="0"/>
-              <a:t>9/29/23</a:t>
+              <a:t>9/29/2023</a:t>
             </a:fld>
             <a:endParaRPr lang="en-US"/>
           </a:p>
@@ -13678,17 +13680,6 @@
             </a:endParaRPr>
           </a:p>
           <a:p>
-            <a:r>
-              <a:rPr lang="en-US" sz="1800" dirty="0">
-                <a:effectLst/>
-                <a:latin typeface="Calibri" panose="020F0502020204030204" pitchFamily="34" charset="0"/>
-                <a:ea typeface="Calibri" panose="020F0502020204030204" pitchFamily="34" charset="0"/>
-                <a:cs typeface="Times New Roman" panose="02020603050405020304" pitchFamily="18" charset="0"/>
-              </a:rPr>
-              <a:t>If you are working with a lot of text, you will eventually want to know more about it. </a:t>
-            </a:r>
-          </a:p>
-          <a:p>
             <a:pPr marL="114300" indent="0">
               <a:buNone/>
             </a:pPr>
@@ -13849,7 +13840,25 @@
                 <a:ea typeface="Calibri" panose="020F0502020204030204" pitchFamily="34" charset="0"/>
                 <a:cs typeface="Times New Roman" panose="02020603050405020304" pitchFamily="18" charset="0"/>
               </a:rPr>
-              <a:t>What companies are products are mentioned?</a:t>
+              <a:t>What are the companies, products, </a:t>
+            </a:r>
+            <a:r>
+              <a:rPr lang="en-US" sz="1800" dirty="0" err="1">
+                <a:effectLst/>
+                <a:latin typeface="Calibri" panose="020F0502020204030204" pitchFamily="34" charset="0"/>
+                <a:ea typeface="Calibri" panose="020F0502020204030204" pitchFamily="34" charset="0"/>
+                <a:cs typeface="Times New Roman" panose="02020603050405020304" pitchFamily="18" charset="0"/>
+              </a:rPr>
+              <a:t>persons..etc</a:t>
+            </a:r>
+            <a:r>
+              <a:rPr lang="en-US" sz="1800" dirty="0">
+                <a:effectLst/>
+                <a:latin typeface="Calibri" panose="020F0502020204030204" pitchFamily="34" charset="0"/>
+                <a:ea typeface="Calibri" panose="020F0502020204030204" pitchFamily="34" charset="0"/>
+                <a:cs typeface="Times New Roman" panose="02020603050405020304" pitchFamily="18" charset="0"/>
+              </a:rPr>
+              <a:t> mentioned?</a:t>
             </a:r>
           </a:p>
           <a:p>
@@ -13911,7 +13920,7 @@
           <a:p>
             <a:fld id="{0C62BD34-D5E2-4C87-AA2A-F8D5808875C3}" type="datetime1">
               <a:rPr lang="en-US" smtClean="0"/>
-              <a:t>9/29/23</a:t>
+              <a:t>9/29/2023</a:t>
             </a:fld>
             <a:endParaRPr lang="en-US"/>
           </a:p>
@@ -14081,7 +14090,7 @@
           <a:p>
             <a:fld id="{0C62BD34-D5E2-4C87-AA2A-F8D5808875C3}" type="datetime1">
               <a:rPr lang="en-US" smtClean="0"/>
-              <a:t>9/29/23</a:t>
+              <a:t>9/29/2023</a:t>
             </a:fld>
             <a:endParaRPr lang="en-US"/>
           </a:p>
@@ -14681,7 +14690,7 @@
           <a:p>
             <a:fld id="{0C62BD34-D5E2-4C87-AA2A-F8D5808875C3}" type="datetime1">
               <a:rPr lang="en-US" smtClean="0"/>
-              <a:t>9/29/23</a:t>
+              <a:t>9/29/2023</a:t>
             </a:fld>
             <a:endParaRPr lang="en-US"/>
           </a:p>
@@ -14768,7 +14777,7 @@
         <p:spPr>
           <a:xfrm>
             <a:off x="472965" y="2472223"/>
-            <a:ext cx="8481848" cy="2062103"/>
+            <a:ext cx="8481848" cy="3539430"/>
           </a:xfrm>
           <a:prstGeom prst="rect">
             <a:avLst/>
@@ -14838,8 +14847,122 @@
                 <a:ea typeface="Calibri" panose="020F0502020204030204" pitchFamily="34" charset="0"/>
                 <a:cs typeface="Times New Roman" panose="02020603050405020304" pitchFamily="18" charset="0"/>
               </a:rPr>
-              <a:t>en_core_web_sm</a:t>
-            </a:r>
+              <a:t>en_core_web_</a:t>
+            </a:r>
+            <a:r>
+              <a:rPr lang="en-US" sz="3200" dirty="0" err="1">
+                <a:solidFill>
+                  <a:srgbClr val="00B0F0"/>
+                </a:solidFill>
+                <a:effectLst/>
+                <a:latin typeface="Calibri" panose="020F0502020204030204" pitchFamily="34" charset="0"/>
+                <a:ea typeface="Calibri" panose="020F0502020204030204" pitchFamily="34" charset="0"/>
+                <a:cs typeface="Times New Roman" panose="02020603050405020304" pitchFamily="18" charset="0"/>
+              </a:rPr>
+              <a:t>sm</a:t>
+            </a:r>
+            <a:endParaRPr lang="en-US" sz="3200" dirty="0">
+              <a:solidFill>
+                <a:srgbClr val="00B0F0"/>
+              </a:solidFill>
+              <a:effectLst/>
+              <a:latin typeface="Calibri" panose="020F0502020204030204" pitchFamily="34" charset="0"/>
+              <a:ea typeface="Calibri" panose="020F0502020204030204" pitchFamily="34" charset="0"/>
+              <a:cs typeface="Times New Roman" panose="02020603050405020304" pitchFamily="18" charset="0"/>
+            </a:endParaRPr>
+          </a:p>
+          <a:p>
+            <a:r>
+              <a:rPr lang="en-US" sz="3200" dirty="0">
+                <a:effectLst/>
+                <a:latin typeface="Calibri" panose="020F0502020204030204" pitchFamily="34" charset="0"/>
+                <a:ea typeface="Calibri" panose="020F0502020204030204" pitchFamily="34" charset="0"/>
+                <a:cs typeface="Times New Roman" panose="02020603050405020304" pitchFamily="18" charset="0"/>
+              </a:rPr>
+              <a:t>!python -m spacy download </a:t>
+            </a:r>
+            <a:r>
+              <a:rPr lang="en-US" sz="3200" dirty="0" err="1">
+                <a:solidFill>
+                  <a:srgbClr val="FF0000"/>
+                </a:solidFill>
+                <a:effectLst/>
+                <a:latin typeface="Calibri" panose="020F0502020204030204" pitchFamily="34" charset="0"/>
+                <a:ea typeface="Calibri" panose="020F0502020204030204" pitchFamily="34" charset="0"/>
+                <a:cs typeface="Times New Roman" panose="02020603050405020304" pitchFamily="18" charset="0"/>
+              </a:rPr>
+              <a:t>en_core_web_</a:t>
+            </a:r>
+            <a:r>
+              <a:rPr lang="en-US" sz="3200" dirty="0" err="1">
+                <a:solidFill>
+                  <a:srgbClr val="7030A0"/>
+                </a:solidFill>
+                <a:effectLst/>
+                <a:latin typeface="Calibri" panose="020F0502020204030204" pitchFamily="34" charset="0"/>
+                <a:ea typeface="Calibri" panose="020F0502020204030204" pitchFamily="34" charset="0"/>
+                <a:cs typeface="Times New Roman" panose="02020603050405020304" pitchFamily="18" charset="0"/>
+              </a:rPr>
+              <a:t>md</a:t>
+            </a:r>
+            <a:endParaRPr lang="en-IN" sz="3200" dirty="0">
+              <a:solidFill>
+                <a:srgbClr val="7030A0"/>
+              </a:solidFill>
+              <a:effectLst/>
+              <a:latin typeface="Calibri" panose="020F0502020204030204" pitchFamily="34" charset="0"/>
+              <a:ea typeface="Calibri" panose="020F0502020204030204" pitchFamily="34" charset="0"/>
+              <a:cs typeface="Times New Roman" panose="02020603050405020304" pitchFamily="18" charset="0"/>
+            </a:endParaRPr>
+          </a:p>
+          <a:p>
+            <a:r>
+              <a:rPr lang="en-US" sz="3200" dirty="0">
+                <a:effectLst/>
+                <a:latin typeface="Calibri" panose="020F0502020204030204" pitchFamily="34" charset="0"/>
+                <a:ea typeface="Calibri" panose="020F0502020204030204" pitchFamily="34" charset="0"/>
+                <a:cs typeface="Times New Roman" panose="02020603050405020304" pitchFamily="18" charset="0"/>
+              </a:rPr>
+              <a:t>!python -m spacy download </a:t>
+            </a:r>
+            <a:r>
+              <a:rPr lang="en-US" sz="3200" dirty="0" err="1">
+                <a:solidFill>
+                  <a:srgbClr val="FF0000"/>
+                </a:solidFill>
+                <a:effectLst/>
+                <a:latin typeface="Calibri" panose="020F0502020204030204" pitchFamily="34" charset="0"/>
+                <a:ea typeface="Calibri" panose="020F0502020204030204" pitchFamily="34" charset="0"/>
+                <a:cs typeface="Times New Roman" panose="02020603050405020304" pitchFamily="18" charset="0"/>
+              </a:rPr>
+              <a:t>en_core_web_</a:t>
+            </a:r>
+            <a:r>
+              <a:rPr lang="en-US" sz="3200" dirty="0" err="1">
+                <a:solidFill>
+                  <a:schemeClr val="accent1">
+                    <a:lumMod val="50000"/>
+                  </a:schemeClr>
+                </a:solidFill>
+                <a:latin typeface="Calibri" panose="020F0502020204030204" pitchFamily="34" charset="0"/>
+                <a:ea typeface="Calibri" panose="020F0502020204030204" pitchFamily="34" charset="0"/>
+                <a:cs typeface="Times New Roman" panose="02020603050405020304" pitchFamily="18" charset="0"/>
+              </a:rPr>
+              <a:t>lg</a:t>
+            </a:r>
+            <a:endParaRPr lang="en-IN" sz="3200" dirty="0">
+              <a:solidFill>
+                <a:schemeClr val="accent1">
+                  <a:lumMod val="50000"/>
+                </a:schemeClr>
+              </a:solidFill>
+              <a:effectLst/>
+              <a:latin typeface="Calibri" panose="020F0502020204030204" pitchFamily="34" charset="0"/>
+              <a:ea typeface="Calibri" panose="020F0502020204030204" pitchFamily="34" charset="0"/>
+              <a:cs typeface="Times New Roman" panose="02020603050405020304" pitchFamily="18" charset="0"/>
+            </a:endParaRPr>
+          </a:p>
+          <a:p>
             <a:endParaRPr lang="en-IN" sz="3200" dirty="0">
               <a:solidFill>
                 <a:srgbClr val="FF0000"/>
@@ -14887,7 +15010,7 @@
           <p:cNvPr id="2" name="Title 1">
             <a:extLst>
               <a:ext uri="{FF2B5EF4-FFF2-40B4-BE49-F238E27FC236}">
-                <a16:creationId xmlns:a16="http://schemas.microsoft.com/office/drawing/2014/main" id="{605DDB26-4E5E-5E05-2C74-CFCCCB0945D8}"/>
+                <a16:creationId xmlns:a16="http://schemas.microsoft.com/office/drawing/2014/main" id="{0531E1C5-247F-567B-B0A2-F74D4C940D57}"/>
               </a:ext>
             </a:extLst>
           </p:cNvPr>
@@ -14908,7 +15031,7 @@
                 <a:latin typeface="Calibri" panose="020F0502020204030204" pitchFamily="34" charset="0"/>
                 <a:cs typeface="Calibri" panose="020F0502020204030204" pitchFamily="34" charset="0"/>
               </a:rPr>
-              <a:t>Importing </a:t>
+              <a:t>Download </a:t>
             </a:r>
             <a:r>
               <a:rPr lang="en-US" dirty="0" err="1">
@@ -14921,140 +15044,6 @@
               <a:latin typeface="Calibri" panose="020F0502020204030204" pitchFamily="34" charset="0"/>
               <a:cs typeface="Calibri" panose="020F0502020204030204" pitchFamily="34" charset="0"/>
             </a:endParaRPr>
-          </a:p>
-        </p:txBody>
-      </p:sp>
-      <p:sp>
-        <p:nvSpPr>
-          <p:cNvPr id="3" name="Text Placeholder 2">
-            <a:extLst>
-              <a:ext uri="{FF2B5EF4-FFF2-40B4-BE49-F238E27FC236}">
-                <a16:creationId xmlns:a16="http://schemas.microsoft.com/office/drawing/2014/main" id="{7F8F2A5C-1157-A1D4-9D9F-D8A8B9C22C1D}"/>
-              </a:ext>
-            </a:extLst>
-          </p:cNvPr>
-          <p:cNvSpPr>
-            <a:spLocks noGrp="1"/>
-          </p:cNvSpPr>
-          <p:nvPr>
-            <p:ph type="body" idx="1"/>
-          </p:nvPr>
-        </p:nvSpPr>
-        <p:spPr/>
-        <p:txBody>
-          <a:bodyPr/>
-          <a:lstStyle/>
-          <a:p>
-            <a:pPr marL="114300" indent="0">
-              <a:buNone/>
-            </a:pPr>
-            <a:endParaRPr lang="en-US" sz="2800" dirty="0">
-              <a:effectLst/>
-              <a:latin typeface="Calibri" panose="020F0502020204030204" pitchFamily="34" charset="0"/>
-              <a:ea typeface="Calibri" panose="020F0502020204030204" pitchFamily="34" charset="0"/>
-              <a:cs typeface="Times New Roman" panose="02020603050405020304" pitchFamily="18" charset="0"/>
-            </a:endParaRPr>
-          </a:p>
-          <a:p>
-            <a:pPr marL="114300" indent="0">
-              <a:buNone/>
-            </a:pPr>
-            <a:endParaRPr lang="en-US" sz="2800" dirty="0">
-              <a:latin typeface="Calibri" panose="020F0502020204030204" pitchFamily="34" charset="0"/>
-              <a:ea typeface="Calibri" panose="020F0502020204030204" pitchFamily="34" charset="0"/>
-              <a:cs typeface="Times New Roman" panose="02020603050405020304" pitchFamily="18" charset="0"/>
-            </a:endParaRPr>
-          </a:p>
-          <a:p>
-            <a:pPr marL="114300" indent="0">
-              <a:buNone/>
-            </a:pPr>
-            <a:r>
-              <a:rPr lang="en-US" sz="2800" dirty="0">
-                <a:effectLst/>
-                <a:latin typeface="Calibri" panose="020F0502020204030204" pitchFamily="34" charset="0"/>
-                <a:ea typeface="Calibri" panose="020F0502020204030204" pitchFamily="34" charset="0"/>
-                <a:cs typeface="Times New Roman" panose="02020603050405020304" pitchFamily="18" charset="0"/>
-              </a:rPr>
-              <a:t>import spacy</a:t>
-            </a:r>
-            <a:endParaRPr lang="en-IN" sz="2800" dirty="0">
-              <a:effectLst/>
-              <a:latin typeface="Calibri" panose="020F0502020204030204" pitchFamily="34" charset="0"/>
-              <a:ea typeface="Calibri" panose="020F0502020204030204" pitchFamily="34" charset="0"/>
-              <a:cs typeface="Times New Roman" panose="02020603050405020304" pitchFamily="18" charset="0"/>
-            </a:endParaRPr>
-          </a:p>
-          <a:p>
-            <a:pPr marL="114300" indent="0">
-              <a:buNone/>
-            </a:pPr>
-            <a:r>
-              <a:rPr lang="en-US" sz="2800" dirty="0" err="1">
-                <a:effectLst/>
-                <a:latin typeface="Calibri" panose="020F0502020204030204" pitchFamily="34" charset="0"/>
-                <a:ea typeface="Calibri" panose="020F0502020204030204" pitchFamily="34" charset="0"/>
-                <a:cs typeface="Times New Roman" panose="02020603050405020304" pitchFamily="18" charset="0"/>
-              </a:rPr>
-              <a:t>text_engine</a:t>
-            </a:r>
-            <a:r>
-              <a:rPr lang="en-US" sz="2800" dirty="0">
-                <a:effectLst/>
-                <a:latin typeface="Calibri" panose="020F0502020204030204" pitchFamily="34" charset="0"/>
-                <a:ea typeface="Calibri" panose="020F0502020204030204" pitchFamily="34" charset="0"/>
-                <a:cs typeface="Times New Roman" panose="02020603050405020304" pitchFamily="18" charset="0"/>
-              </a:rPr>
-              <a:t> = </a:t>
-            </a:r>
-            <a:r>
-              <a:rPr lang="en-US" sz="2800" dirty="0" err="1">
-                <a:effectLst/>
-                <a:latin typeface="Calibri" panose="020F0502020204030204" pitchFamily="34" charset="0"/>
-                <a:ea typeface="Calibri" panose="020F0502020204030204" pitchFamily="34" charset="0"/>
-                <a:cs typeface="Times New Roman" panose="02020603050405020304" pitchFamily="18" charset="0"/>
-              </a:rPr>
-              <a:t>spacy.load</a:t>
-            </a:r>
-            <a:r>
-              <a:rPr lang="en-US" sz="2800" dirty="0">
-                <a:effectLst/>
-                <a:latin typeface="Calibri" panose="020F0502020204030204" pitchFamily="34" charset="0"/>
-                <a:ea typeface="Calibri" panose="020F0502020204030204" pitchFamily="34" charset="0"/>
-                <a:cs typeface="Times New Roman" panose="02020603050405020304" pitchFamily="18" charset="0"/>
-              </a:rPr>
-              <a:t>("</a:t>
-            </a:r>
-            <a:r>
-              <a:rPr lang="en-US" sz="2800" dirty="0" err="1">
-                <a:effectLst/>
-                <a:latin typeface="Calibri" panose="020F0502020204030204" pitchFamily="34" charset="0"/>
-                <a:ea typeface="Calibri" panose="020F0502020204030204" pitchFamily="34" charset="0"/>
-                <a:cs typeface="Times New Roman" panose="02020603050405020304" pitchFamily="18" charset="0"/>
-              </a:rPr>
-              <a:t>en_core_web_sm</a:t>
-            </a:r>
-            <a:r>
-              <a:rPr lang="en-US" sz="2800" dirty="0">
-                <a:effectLst/>
-                <a:latin typeface="Calibri" panose="020F0502020204030204" pitchFamily="34" charset="0"/>
-                <a:ea typeface="Calibri" panose="020F0502020204030204" pitchFamily="34" charset="0"/>
-                <a:cs typeface="Times New Roman" panose="02020603050405020304" pitchFamily="18" charset="0"/>
-              </a:rPr>
-              <a:t>")</a:t>
-            </a:r>
-            <a:endParaRPr lang="en-IN" sz="2800" dirty="0">
-              <a:effectLst/>
-              <a:latin typeface="Calibri" panose="020F0502020204030204" pitchFamily="34" charset="0"/>
-              <a:ea typeface="Calibri" panose="020F0502020204030204" pitchFamily="34" charset="0"/>
-              <a:cs typeface="Times New Roman" panose="02020603050405020304" pitchFamily="18" charset="0"/>
-            </a:endParaRPr>
-          </a:p>
-          <a:p>
-            <a:pPr marL="114300" indent="0">
-              <a:buNone/>
-            </a:pPr>
-            <a:endParaRPr lang="en-US" sz="2800" dirty="0"/>
           </a:p>
         </p:txBody>
       </p:sp>
@@ -15063,7 +15052,7 @@
           <p:cNvPr id="4" name="Date Placeholder 3">
             <a:extLst>
               <a:ext uri="{FF2B5EF4-FFF2-40B4-BE49-F238E27FC236}">
-                <a16:creationId xmlns:a16="http://schemas.microsoft.com/office/drawing/2014/main" id="{E8B86688-70CE-38BF-9189-145ABE66378D}"/>
+                <a16:creationId xmlns:a16="http://schemas.microsoft.com/office/drawing/2014/main" id="{F118DB1E-0812-E46C-4F3D-D2808D8A326D}"/>
               </a:ext>
             </a:extLst>
           </p:cNvPr>
@@ -15081,7 +15070,7 @@
           <a:p>
             <a:fld id="{0C62BD34-D5E2-4C87-AA2A-F8D5808875C3}" type="datetime1">
               <a:rPr lang="en-US" smtClean="0"/>
-              <a:t>9/29/23</a:t>
+              <a:t>9/29/2023</a:t>
             </a:fld>
             <a:endParaRPr lang="en-US"/>
           </a:p>
@@ -15092,7 +15081,7 @@
           <p:cNvPr id="5" name="Footer Placeholder 4">
             <a:extLst>
               <a:ext uri="{FF2B5EF4-FFF2-40B4-BE49-F238E27FC236}">
-                <a16:creationId xmlns:a16="http://schemas.microsoft.com/office/drawing/2014/main" id="{B8268056-A0EC-D84E-C743-F73D017BDFFF}"/>
+                <a16:creationId xmlns:a16="http://schemas.microsoft.com/office/drawing/2014/main" id="{9B118CE0-A282-FB75-5AB4-46CAA38D1E5C}"/>
               </a:ext>
             </a:extLst>
           </p:cNvPr>
@@ -15120,7 +15109,7 @@
           <p:cNvPr id="6" name="Slide Number Placeholder 5">
             <a:extLst>
               <a:ext uri="{FF2B5EF4-FFF2-40B4-BE49-F238E27FC236}">
-                <a16:creationId xmlns:a16="http://schemas.microsoft.com/office/drawing/2014/main" id="{601D25A8-63AE-7112-3603-CBB0E12BB3A3}"/>
+                <a16:creationId xmlns:a16="http://schemas.microsoft.com/office/drawing/2014/main" id="{BCAC0E8D-1F31-B5A7-BF73-6D34D941DB60}"/>
               </a:ext>
             </a:extLst>
           </p:cNvPr>
@@ -15153,10 +15142,223 @@
           </a:p>
         </p:txBody>
       </p:sp>
+      <p:sp>
+        <p:nvSpPr>
+          <p:cNvPr id="8" name="TextBox 7">
+            <a:extLst>
+              <a:ext uri="{FF2B5EF4-FFF2-40B4-BE49-F238E27FC236}">
+                <a16:creationId xmlns:a16="http://schemas.microsoft.com/office/drawing/2014/main" id="{EF903460-3E74-53BA-2932-FB0F8147B492}"/>
+              </a:ext>
+            </a:extLst>
+          </p:cNvPr>
+          <p:cNvSpPr txBox="1"/>
+          <p:nvPr/>
+        </p:nvSpPr>
+        <p:spPr>
+          <a:xfrm>
+            <a:off x="472965" y="2472223"/>
+            <a:ext cx="8481848" cy="3539430"/>
+          </a:xfrm>
+          <a:prstGeom prst="rect">
+            <a:avLst/>
+          </a:prstGeom>
+          <a:noFill/>
+        </p:spPr>
+        <p:txBody>
+          <a:bodyPr wrap="square">
+            <a:spAutoFit/>
+          </a:bodyPr>
+          <a:lstStyle/>
+          <a:p>
+            <a:r>
+              <a:rPr lang="en-US" sz="3200" dirty="0">
+                <a:effectLst/>
+                <a:latin typeface="Calibri" panose="020F0502020204030204" pitchFamily="34" charset="0"/>
+                <a:ea typeface="Calibri" panose="020F0502020204030204" pitchFamily="34" charset="0"/>
+                <a:cs typeface="Times New Roman" panose="02020603050405020304" pitchFamily="18" charset="0"/>
+              </a:rPr>
+              <a:t>!pip install -U </a:t>
+            </a:r>
+            <a:r>
+              <a:rPr lang="en-US" sz="3200" dirty="0">
+                <a:solidFill>
+                  <a:srgbClr val="FF0000"/>
+                </a:solidFill>
+                <a:effectLst/>
+                <a:latin typeface="Calibri" panose="020F0502020204030204" pitchFamily="34" charset="0"/>
+                <a:ea typeface="Calibri" panose="020F0502020204030204" pitchFamily="34" charset="0"/>
+                <a:cs typeface="Times New Roman" panose="02020603050405020304" pitchFamily="18" charset="0"/>
+              </a:rPr>
+              <a:t>spacy</a:t>
+            </a:r>
+          </a:p>
+          <a:p>
+            <a:endParaRPr lang="en-US" sz="3200" dirty="0">
+              <a:latin typeface="Calibri" panose="020F0502020204030204" pitchFamily="34" charset="0"/>
+              <a:ea typeface="Calibri" panose="020F0502020204030204" pitchFamily="34" charset="0"/>
+              <a:cs typeface="Times New Roman" panose="02020603050405020304" pitchFamily="18" charset="0"/>
+            </a:endParaRPr>
+          </a:p>
+          <a:p>
+            <a:endParaRPr lang="en-IN" sz="3200" dirty="0">
+              <a:effectLst/>
+              <a:latin typeface="Calibri" panose="020F0502020204030204" pitchFamily="34" charset="0"/>
+              <a:ea typeface="Calibri" panose="020F0502020204030204" pitchFamily="34" charset="0"/>
+              <a:cs typeface="Times New Roman" panose="02020603050405020304" pitchFamily="18" charset="0"/>
+            </a:endParaRPr>
+          </a:p>
+          <a:p>
+            <a:r>
+              <a:rPr lang="en-US" sz="3200" dirty="0">
+                <a:effectLst/>
+                <a:latin typeface="Calibri" panose="020F0502020204030204" pitchFamily="34" charset="0"/>
+                <a:ea typeface="Calibri" panose="020F0502020204030204" pitchFamily="34" charset="0"/>
+                <a:cs typeface="Times New Roman" panose="02020603050405020304" pitchFamily="18" charset="0"/>
+              </a:rPr>
+              <a:t>!python -m spacy download </a:t>
+            </a:r>
+            <a:r>
+              <a:rPr lang="en-US" sz="3200" dirty="0" err="1">
+                <a:solidFill>
+                  <a:srgbClr val="FF0000"/>
+                </a:solidFill>
+                <a:effectLst/>
+                <a:latin typeface="Calibri" panose="020F0502020204030204" pitchFamily="34" charset="0"/>
+                <a:ea typeface="Calibri" panose="020F0502020204030204" pitchFamily="34" charset="0"/>
+                <a:cs typeface="Times New Roman" panose="02020603050405020304" pitchFamily="18" charset="0"/>
+              </a:rPr>
+              <a:t>en_core_web_</a:t>
+            </a:r>
+            <a:r>
+              <a:rPr lang="en-US" sz="3200" dirty="0" err="1">
+                <a:solidFill>
+                  <a:srgbClr val="00B0F0"/>
+                </a:solidFill>
+                <a:effectLst/>
+                <a:latin typeface="Calibri" panose="020F0502020204030204" pitchFamily="34" charset="0"/>
+                <a:ea typeface="Calibri" panose="020F0502020204030204" pitchFamily="34" charset="0"/>
+                <a:cs typeface="Times New Roman" panose="02020603050405020304" pitchFamily="18" charset="0"/>
+              </a:rPr>
+              <a:t>sm</a:t>
+            </a:r>
+            <a:endParaRPr lang="en-US" sz="3200" dirty="0">
+              <a:solidFill>
+                <a:srgbClr val="00B0F0"/>
+              </a:solidFill>
+              <a:effectLst/>
+              <a:latin typeface="Calibri" panose="020F0502020204030204" pitchFamily="34" charset="0"/>
+              <a:ea typeface="Calibri" panose="020F0502020204030204" pitchFamily="34" charset="0"/>
+              <a:cs typeface="Times New Roman" panose="02020603050405020304" pitchFamily="18" charset="0"/>
+            </a:endParaRPr>
+          </a:p>
+          <a:p>
+            <a:r>
+              <a:rPr lang="en-US" sz="3200" strike="sngStrike" dirty="0">
+                <a:effectLst/>
+                <a:latin typeface="Calibri" panose="020F0502020204030204" pitchFamily="34" charset="0"/>
+                <a:ea typeface="Calibri" panose="020F0502020204030204" pitchFamily="34" charset="0"/>
+                <a:cs typeface="Times New Roman" panose="02020603050405020304" pitchFamily="18" charset="0"/>
+              </a:rPr>
+              <a:t>!python -m spacy download </a:t>
+            </a:r>
+            <a:r>
+              <a:rPr lang="en-US" sz="3200" strike="sngStrike" dirty="0" err="1">
+                <a:solidFill>
+                  <a:srgbClr val="FF0000"/>
+                </a:solidFill>
+                <a:effectLst/>
+                <a:latin typeface="Calibri" panose="020F0502020204030204" pitchFamily="34" charset="0"/>
+                <a:ea typeface="Calibri" panose="020F0502020204030204" pitchFamily="34" charset="0"/>
+                <a:cs typeface="Times New Roman" panose="02020603050405020304" pitchFamily="18" charset="0"/>
+              </a:rPr>
+              <a:t>en_core_web_</a:t>
+            </a:r>
+            <a:r>
+              <a:rPr lang="en-US" sz="3200" strike="sngStrike" dirty="0" err="1">
+                <a:solidFill>
+                  <a:srgbClr val="7030A0"/>
+                </a:solidFill>
+                <a:effectLst/>
+                <a:latin typeface="Calibri" panose="020F0502020204030204" pitchFamily="34" charset="0"/>
+                <a:ea typeface="Calibri" panose="020F0502020204030204" pitchFamily="34" charset="0"/>
+                <a:cs typeface="Times New Roman" panose="02020603050405020304" pitchFamily="18" charset="0"/>
+              </a:rPr>
+              <a:t>md</a:t>
+            </a:r>
+            <a:endParaRPr lang="en-IN" sz="3200" strike="sngStrike" dirty="0">
+              <a:solidFill>
+                <a:srgbClr val="7030A0"/>
+              </a:solidFill>
+              <a:effectLst/>
+              <a:latin typeface="Calibri" panose="020F0502020204030204" pitchFamily="34" charset="0"/>
+              <a:ea typeface="Calibri" panose="020F0502020204030204" pitchFamily="34" charset="0"/>
+              <a:cs typeface="Times New Roman" panose="02020603050405020304" pitchFamily="18" charset="0"/>
+            </a:endParaRPr>
+          </a:p>
+          <a:p>
+            <a:r>
+              <a:rPr lang="en-US" sz="3200" strike="sngStrike" dirty="0">
+                <a:effectLst/>
+                <a:latin typeface="Calibri" panose="020F0502020204030204" pitchFamily="34" charset="0"/>
+                <a:ea typeface="Calibri" panose="020F0502020204030204" pitchFamily="34" charset="0"/>
+                <a:cs typeface="Times New Roman" panose="02020603050405020304" pitchFamily="18" charset="0"/>
+              </a:rPr>
+              <a:t>!python -m spacy download </a:t>
+            </a:r>
+            <a:r>
+              <a:rPr lang="en-US" sz="3200" strike="sngStrike" dirty="0" err="1">
+                <a:solidFill>
+                  <a:srgbClr val="FF0000"/>
+                </a:solidFill>
+                <a:effectLst/>
+                <a:latin typeface="Calibri" panose="020F0502020204030204" pitchFamily="34" charset="0"/>
+                <a:ea typeface="Calibri" panose="020F0502020204030204" pitchFamily="34" charset="0"/>
+                <a:cs typeface="Times New Roman" panose="02020603050405020304" pitchFamily="18" charset="0"/>
+              </a:rPr>
+              <a:t>en_core_web_</a:t>
+            </a:r>
+            <a:r>
+              <a:rPr lang="en-US" sz="3200" strike="sngStrike" dirty="0" err="1">
+                <a:solidFill>
+                  <a:schemeClr val="accent1">
+                    <a:lumMod val="50000"/>
+                  </a:schemeClr>
+                </a:solidFill>
+                <a:latin typeface="Calibri" panose="020F0502020204030204" pitchFamily="34" charset="0"/>
+                <a:ea typeface="Calibri" panose="020F0502020204030204" pitchFamily="34" charset="0"/>
+                <a:cs typeface="Times New Roman" panose="02020603050405020304" pitchFamily="18" charset="0"/>
+              </a:rPr>
+              <a:t>lg</a:t>
+            </a:r>
+            <a:endParaRPr lang="en-IN" sz="3200" strike="sngStrike" dirty="0">
+              <a:solidFill>
+                <a:schemeClr val="accent1">
+                  <a:lumMod val="50000"/>
+                </a:schemeClr>
+              </a:solidFill>
+              <a:effectLst/>
+              <a:latin typeface="Calibri" panose="020F0502020204030204" pitchFamily="34" charset="0"/>
+              <a:ea typeface="Calibri" panose="020F0502020204030204" pitchFamily="34" charset="0"/>
+              <a:cs typeface="Times New Roman" panose="02020603050405020304" pitchFamily="18" charset="0"/>
+            </a:endParaRPr>
+          </a:p>
+          <a:p>
+            <a:endParaRPr lang="en-IN" sz="3200" dirty="0">
+              <a:solidFill>
+                <a:srgbClr val="FF0000"/>
+              </a:solidFill>
+              <a:effectLst/>
+              <a:latin typeface="Calibri" panose="020F0502020204030204" pitchFamily="34" charset="0"/>
+              <a:ea typeface="Calibri" panose="020F0502020204030204" pitchFamily="34" charset="0"/>
+              <a:cs typeface="Times New Roman" panose="02020603050405020304" pitchFamily="18" charset="0"/>
+            </a:endParaRPr>
+          </a:p>
+        </p:txBody>
+      </p:sp>
     </p:spTree>
     <p:extLst>
       <p:ext uri="{BB962C8B-B14F-4D97-AF65-F5344CB8AC3E}">
-        <p14:creationId xmlns:p14="http://schemas.microsoft.com/office/powerpoint/2010/main" val="1289717875"/>
+        <p14:creationId xmlns:p14="http://schemas.microsoft.com/office/powerpoint/2010/main" val="2169298599"/>
       </p:ext>
     </p:extLst>
   </p:cSld>
@@ -15209,8 +15411,19 @@
                 <a:latin typeface="Calibri" panose="020F0502020204030204" pitchFamily="34" charset="0"/>
                 <a:cs typeface="Calibri" panose="020F0502020204030204" pitchFamily="34" charset="0"/>
               </a:rPr>
-              <a:t>Tokenization </a:t>
-            </a:r>
+              <a:t>Importing </a:t>
+            </a:r>
+            <a:r>
+              <a:rPr lang="en-US" dirty="0" err="1">
+                <a:latin typeface="Calibri" panose="020F0502020204030204" pitchFamily="34" charset="0"/>
+                <a:cs typeface="Calibri" panose="020F0502020204030204" pitchFamily="34" charset="0"/>
+              </a:rPr>
+              <a:t>spaCy</a:t>
+            </a:r>
+            <a:endParaRPr lang="en-US" dirty="0">
+              <a:latin typeface="Calibri" panose="020F0502020204030204" pitchFamily="34" charset="0"/>
+              <a:cs typeface="Calibri" panose="020F0502020204030204" pitchFamily="34" charset="0"/>
+            </a:endParaRPr>
           </a:p>
         </p:txBody>
       </p:sp>
@@ -15235,46 +15448,10 @@
           <a:bodyPr/>
           <a:lstStyle/>
           <a:p>
-            <a:r>
-              <a:rPr lang="en-US" sz="1800" dirty="0">
-                <a:effectLst/>
-                <a:latin typeface="Calibri" panose="020F0502020204030204" pitchFamily="34" charset="0"/>
-                <a:ea typeface="Calibri" panose="020F0502020204030204" pitchFamily="34" charset="0"/>
-                <a:cs typeface="Times New Roman" panose="02020603050405020304" pitchFamily="18" charset="0"/>
-              </a:rPr>
-              <a:t>During processing, </a:t>
-            </a:r>
-            <a:r>
-              <a:rPr lang="en-US" sz="1800" dirty="0" err="1">
-                <a:effectLst/>
-                <a:latin typeface="Calibri" panose="020F0502020204030204" pitchFamily="34" charset="0"/>
-                <a:ea typeface="Calibri" panose="020F0502020204030204" pitchFamily="34" charset="0"/>
-                <a:cs typeface="Times New Roman" panose="02020603050405020304" pitchFamily="18" charset="0"/>
-              </a:rPr>
-              <a:t>spaCy</a:t>
-            </a:r>
-            <a:r>
-              <a:rPr lang="en-US" sz="1800" dirty="0">
-                <a:effectLst/>
-                <a:latin typeface="Calibri" panose="020F0502020204030204" pitchFamily="34" charset="0"/>
-                <a:ea typeface="Calibri" panose="020F0502020204030204" pitchFamily="34" charset="0"/>
-                <a:cs typeface="Times New Roman" panose="02020603050405020304" pitchFamily="18" charset="0"/>
-              </a:rPr>
-              <a:t>/text mining first tokenizes the text. i.e. segments it into words, punction and so on. This is done by applying rules specific to each language.</a:t>
-            </a:r>
-          </a:p>
-          <a:p>
-            <a:endParaRPr lang="en-US" sz="1800" dirty="0">
-              <a:latin typeface="Calibri" panose="020F0502020204030204" pitchFamily="34" charset="0"/>
-              <a:ea typeface="Calibri" panose="020F0502020204030204" pitchFamily="34" charset="0"/>
-              <a:cs typeface="Times New Roman" panose="02020603050405020304" pitchFamily="18" charset="0"/>
-            </a:endParaRPr>
-          </a:p>
-          <a:p>
             <a:pPr marL="114300" indent="0">
               <a:buNone/>
             </a:pPr>
-            <a:endParaRPr lang="en-IN" sz="1800" dirty="0">
+            <a:endParaRPr lang="en-US" sz="2800" dirty="0">
               <a:effectLst/>
               <a:latin typeface="Calibri" panose="020F0502020204030204" pitchFamily="34" charset="0"/>
               <a:ea typeface="Calibri" panose="020F0502020204030204" pitchFamily="34" charset="0"/>
@@ -15285,11 +15462,18 @@
             <a:pPr marL="114300" indent="0">
               <a:buNone/>
             </a:pPr>
-            <a:r>
-              <a:rPr lang="en-US" sz="1800" dirty="0">
-                <a:solidFill>
-                  <a:srgbClr val="054C84"/>
-                </a:solidFill>
+            <a:endParaRPr lang="en-US" sz="2800" dirty="0">
+              <a:latin typeface="Calibri" panose="020F0502020204030204" pitchFamily="34" charset="0"/>
+              <a:ea typeface="Calibri" panose="020F0502020204030204" pitchFamily="34" charset="0"/>
+              <a:cs typeface="Times New Roman" panose="02020603050405020304" pitchFamily="18" charset="0"/>
+            </a:endParaRPr>
+          </a:p>
+          <a:p>
+            <a:pPr marL="114300" indent="0">
+              <a:buNone/>
+            </a:pPr>
+            <a:r>
+              <a:rPr lang="en-US" sz="2800" dirty="0">
                 <a:effectLst/>
                 <a:latin typeface="Calibri" panose="020F0502020204030204" pitchFamily="34" charset="0"/>
                 <a:ea typeface="Calibri" panose="020F0502020204030204" pitchFamily="34" charset="0"/>
@@ -15297,10 +15481,7 @@
               </a:rPr>
               <a:t>import spacy</a:t>
             </a:r>
-            <a:endParaRPr lang="en-IN" sz="1800" dirty="0">
-              <a:solidFill>
-                <a:srgbClr val="054C84"/>
-              </a:solidFill>
+            <a:endParaRPr lang="en-IN" sz="2800" dirty="0">
               <a:effectLst/>
               <a:latin typeface="Calibri" panose="020F0502020204030204" pitchFamily="34" charset="0"/>
               <a:ea typeface="Calibri" panose="020F0502020204030204" pitchFamily="34" charset="0"/>
@@ -15312,10 +15493,7 @@
               <a:buNone/>
             </a:pPr>
             <a:r>
-              <a:rPr lang="en-US" sz="1800" dirty="0" err="1">
-                <a:solidFill>
-                  <a:srgbClr val="054C84"/>
-                </a:solidFill>
+              <a:rPr lang="en-US" sz="2800" dirty="0" err="1">
                 <a:effectLst/>
                 <a:latin typeface="Calibri" panose="020F0502020204030204" pitchFamily="34" charset="0"/>
                 <a:ea typeface="Calibri" panose="020F0502020204030204" pitchFamily="34" charset="0"/>
@@ -15324,10 +15502,7 @@
               <a:t>text_engine</a:t>
             </a:r>
             <a:r>
-              <a:rPr lang="en-US" sz="1800" dirty="0">
-                <a:solidFill>
-                  <a:srgbClr val="054C84"/>
-                </a:solidFill>
+              <a:rPr lang="en-US" sz="2800" dirty="0">
                 <a:effectLst/>
                 <a:latin typeface="Calibri" panose="020F0502020204030204" pitchFamily="34" charset="0"/>
                 <a:ea typeface="Calibri" panose="020F0502020204030204" pitchFamily="34" charset="0"/>
@@ -15336,10 +15511,7 @@
               <a:t> = </a:t>
             </a:r>
             <a:r>
-              <a:rPr lang="en-US" sz="1800" dirty="0" err="1">
-                <a:solidFill>
-                  <a:srgbClr val="054C84"/>
-                </a:solidFill>
+              <a:rPr lang="en-US" sz="2800" dirty="0" err="1">
                 <a:effectLst/>
                 <a:latin typeface="Calibri" panose="020F0502020204030204" pitchFamily="34" charset="0"/>
                 <a:ea typeface="Calibri" panose="020F0502020204030204" pitchFamily="34" charset="0"/>
@@ -15348,10 +15520,7 @@
               <a:t>spacy.load</a:t>
             </a:r>
             <a:r>
-              <a:rPr lang="en-US" sz="1800" dirty="0">
-                <a:solidFill>
-                  <a:srgbClr val="054C84"/>
-                </a:solidFill>
+              <a:rPr lang="en-US" sz="2800" dirty="0">
                 <a:effectLst/>
                 <a:latin typeface="Calibri" panose="020F0502020204030204" pitchFamily="34" charset="0"/>
                 <a:ea typeface="Calibri" panose="020F0502020204030204" pitchFamily="34" charset="0"/>
@@ -15360,10 +15529,7 @@
               <a:t>("</a:t>
             </a:r>
             <a:r>
-              <a:rPr lang="en-US" sz="1800" dirty="0" err="1">
-                <a:solidFill>
-                  <a:srgbClr val="054C84"/>
-                </a:solidFill>
+              <a:rPr lang="en-US" sz="2800" dirty="0" err="1">
                 <a:effectLst/>
                 <a:latin typeface="Calibri" panose="020F0502020204030204" pitchFamily="34" charset="0"/>
                 <a:ea typeface="Calibri" panose="020F0502020204030204" pitchFamily="34" charset="0"/>
@@ -15372,10 +15538,7 @@
               <a:t>en_core_web_sm</a:t>
             </a:r>
             <a:r>
-              <a:rPr lang="en-US" sz="1800" dirty="0">
-                <a:solidFill>
-                  <a:srgbClr val="054C84"/>
-                </a:solidFill>
+              <a:rPr lang="en-US" sz="2800" dirty="0">
                 <a:effectLst/>
                 <a:latin typeface="Calibri" panose="020F0502020204030204" pitchFamily="34" charset="0"/>
                 <a:ea typeface="Calibri" panose="020F0502020204030204" pitchFamily="34" charset="0"/>
@@ -15383,10 +15546,7 @@
               </a:rPr>
               <a:t>")</a:t>
             </a:r>
-            <a:endParaRPr lang="en-IN" sz="1800" dirty="0">
-              <a:solidFill>
-                <a:srgbClr val="054C84"/>
-              </a:solidFill>
+            <a:endParaRPr lang="en-IN" sz="2800" dirty="0">
               <a:effectLst/>
               <a:latin typeface="Calibri" panose="020F0502020204030204" pitchFamily="34" charset="0"/>
               <a:ea typeface="Calibri" panose="020F0502020204030204" pitchFamily="34" charset="0"/>
@@ -15397,164 +15557,7 @@
             <a:pPr marL="114300" indent="0">
               <a:buNone/>
             </a:pPr>
-            <a:r>
-              <a:rPr lang="en-US" sz="1800" dirty="0">
-                <a:solidFill>
-                  <a:srgbClr val="054C84"/>
-                </a:solidFill>
-                <a:effectLst/>
-                <a:latin typeface="Calibri" panose="020F0502020204030204" pitchFamily="34" charset="0"/>
-                <a:ea typeface="Calibri" panose="020F0502020204030204" pitchFamily="34" charset="0"/>
-                <a:cs typeface="Times New Roman" panose="02020603050405020304" pitchFamily="18" charset="0"/>
-              </a:rPr>
-              <a:t> </a:t>
-            </a:r>
-            <a:endParaRPr lang="en-IN" sz="1800" dirty="0">
-              <a:solidFill>
-                <a:srgbClr val="054C84"/>
-              </a:solidFill>
-              <a:effectLst/>
-              <a:latin typeface="Calibri" panose="020F0502020204030204" pitchFamily="34" charset="0"/>
-              <a:ea typeface="Calibri" panose="020F0502020204030204" pitchFamily="34" charset="0"/>
-              <a:cs typeface="Times New Roman" panose="02020603050405020304" pitchFamily="18" charset="0"/>
-            </a:endParaRPr>
-          </a:p>
-          <a:p>
-            <a:pPr marL="114300" indent="0">
-              <a:buNone/>
-            </a:pPr>
-            <a:r>
-              <a:rPr lang="en-US" sz="1800" dirty="0">
-                <a:solidFill>
-                  <a:srgbClr val="054C84"/>
-                </a:solidFill>
-                <a:effectLst/>
-                <a:latin typeface="Calibri" panose="020F0502020204030204" pitchFamily="34" charset="0"/>
-                <a:ea typeface="Calibri" panose="020F0502020204030204" pitchFamily="34" charset="0"/>
-                <a:cs typeface="Times New Roman" panose="02020603050405020304" pitchFamily="18" charset="0"/>
-              </a:rPr>
-              <a:t>doc = </a:t>
-            </a:r>
-            <a:r>
-              <a:rPr lang="en-US" sz="1800" dirty="0" err="1">
-                <a:solidFill>
-                  <a:srgbClr val="054C84"/>
-                </a:solidFill>
-                <a:effectLst/>
-                <a:latin typeface="Calibri" panose="020F0502020204030204" pitchFamily="34" charset="0"/>
-                <a:ea typeface="Calibri" panose="020F0502020204030204" pitchFamily="34" charset="0"/>
-                <a:cs typeface="Times New Roman" panose="02020603050405020304" pitchFamily="18" charset="0"/>
-              </a:rPr>
-              <a:t>text_engine</a:t>
-            </a:r>
-            <a:r>
-              <a:rPr lang="en-US" sz="1800" dirty="0">
-                <a:solidFill>
-                  <a:srgbClr val="054C84"/>
-                </a:solidFill>
-                <a:effectLst/>
-                <a:latin typeface="Calibri" panose="020F0502020204030204" pitchFamily="34" charset="0"/>
-                <a:ea typeface="Calibri" panose="020F0502020204030204" pitchFamily="34" charset="0"/>
-                <a:cs typeface="Times New Roman" panose="02020603050405020304" pitchFamily="18" charset="0"/>
-              </a:rPr>
-              <a:t>("Apple is looking to buying U.K. startup for $1 billion.")</a:t>
-            </a:r>
-            <a:endParaRPr lang="en-IN" sz="1800" dirty="0">
-              <a:solidFill>
-                <a:srgbClr val="054C84"/>
-              </a:solidFill>
-              <a:effectLst/>
-              <a:latin typeface="Calibri" panose="020F0502020204030204" pitchFamily="34" charset="0"/>
-              <a:ea typeface="Calibri" panose="020F0502020204030204" pitchFamily="34" charset="0"/>
-              <a:cs typeface="Times New Roman" panose="02020603050405020304" pitchFamily="18" charset="0"/>
-            </a:endParaRPr>
-          </a:p>
-          <a:p>
-            <a:pPr marL="114300" indent="0">
-              <a:buNone/>
-            </a:pPr>
-            <a:r>
-              <a:rPr lang="en-US" sz="1800" dirty="0">
-                <a:solidFill>
-                  <a:srgbClr val="054C84"/>
-                </a:solidFill>
-                <a:effectLst/>
-                <a:latin typeface="Calibri" panose="020F0502020204030204" pitchFamily="34" charset="0"/>
-                <a:ea typeface="Calibri" panose="020F0502020204030204" pitchFamily="34" charset="0"/>
-                <a:cs typeface="Times New Roman" panose="02020603050405020304" pitchFamily="18" charset="0"/>
-              </a:rPr>
-              <a:t>for token in doc:</a:t>
-            </a:r>
-            <a:endParaRPr lang="en-IN" sz="1800" dirty="0">
-              <a:solidFill>
-                <a:srgbClr val="054C84"/>
-              </a:solidFill>
-              <a:effectLst/>
-              <a:latin typeface="Calibri" panose="020F0502020204030204" pitchFamily="34" charset="0"/>
-              <a:ea typeface="Calibri" panose="020F0502020204030204" pitchFamily="34" charset="0"/>
-              <a:cs typeface="Times New Roman" panose="02020603050405020304" pitchFamily="18" charset="0"/>
-            </a:endParaRPr>
-          </a:p>
-          <a:p>
-            <a:pPr marL="114300" indent="0">
-              <a:buNone/>
-            </a:pPr>
-            <a:r>
-              <a:rPr lang="en-US" sz="1800" dirty="0">
-                <a:solidFill>
-                  <a:srgbClr val="054C84"/>
-                </a:solidFill>
-                <a:effectLst/>
-                <a:latin typeface="Calibri" panose="020F0502020204030204" pitchFamily="34" charset="0"/>
-                <a:ea typeface="Calibri" panose="020F0502020204030204" pitchFamily="34" charset="0"/>
-                <a:cs typeface="Times New Roman" panose="02020603050405020304" pitchFamily="18" charset="0"/>
-              </a:rPr>
-              <a:t>	print(</a:t>
-            </a:r>
-            <a:r>
-              <a:rPr lang="en-US" sz="1800" dirty="0" err="1">
-                <a:solidFill>
-                  <a:srgbClr val="054C84"/>
-                </a:solidFill>
-                <a:effectLst/>
-                <a:latin typeface="Calibri" panose="020F0502020204030204" pitchFamily="34" charset="0"/>
-                <a:ea typeface="Calibri" panose="020F0502020204030204" pitchFamily="34" charset="0"/>
-                <a:cs typeface="Times New Roman" panose="02020603050405020304" pitchFamily="18" charset="0"/>
-              </a:rPr>
-              <a:t>token.text</a:t>
-            </a:r>
-            <a:r>
-              <a:rPr lang="en-US" sz="1800" dirty="0">
-                <a:solidFill>
-                  <a:srgbClr val="054C84"/>
-                </a:solidFill>
-                <a:effectLst/>
-                <a:latin typeface="Calibri" panose="020F0502020204030204" pitchFamily="34" charset="0"/>
-                <a:ea typeface="Calibri" panose="020F0502020204030204" pitchFamily="34" charset="0"/>
-                <a:cs typeface="Times New Roman" panose="02020603050405020304" pitchFamily="18" charset="0"/>
-              </a:rPr>
-              <a:t>)</a:t>
-            </a:r>
-            <a:endParaRPr lang="en-IN" sz="1800" dirty="0">
-              <a:solidFill>
-                <a:srgbClr val="054C84"/>
-              </a:solidFill>
-              <a:effectLst/>
-              <a:latin typeface="Calibri" panose="020F0502020204030204" pitchFamily="34" charset="0"/>
-              <a:ea typeface="Calibri" panose="020F0502020204030204" pitchFamily="34" charset="0"/>
-              <a:cs typeface="Times New Roman" panose="02020603050405020304" pitchFamily="18" charset="0"/>
-            </a:endParaRPr>
-          </a:p>
-          <a:p>
-            <a:pPr marL="114300" indent="0">
-              <a:buNone/>
-            </a:pPr>
-            <a:endParaRPr lang="en-IN" sz="1800" dirty="0">
-              <a:effectLst/>
-              <a:latin typeface="Calibri" panose="020F0502020204030204" pitchFamily="34" charset="0"/>
-              <a:ea typeface="Calibri" panose="020F0502020204030204" pitchFamily="34" charset="0"/>
-              <a:cs typeface="Times New Roman" panose="02020603050405020304" pitchFamily="18" charset="0"/>
-            </a:endParaRPr>
+            <a:endParaRPr lang="en-US" sz="2800" dirty="0"/>
           </a:p>
         </p:txBody>
       </p:sp>
@@ -15581,7 +15584,7 @@
           <a:p>
             <a:fld id="{0C62BD34-D5E2-4C87-AA2A-F8D5808875C3}" type="datetime1">
               <a:rPr lang="en-US" smtClean="0"/>
-              <a:t>9/29/23</a:t>
+              <a:t>9/29/2023</a:t>
             </a:fld>
             <a:endParaRPr lang="en-US"/>
           </a:p>
@@ -15656,7 +15659,7 @@
     </p:spTree>
     <p:extLst>
       <p:ext uri="{BB962C8B-B14F-4D97-AF65-F5344CB8AC3E}">
-        <p14:creationId xmlns:p14="http://schemas.microsoft.com/office/powerpoint/2010/main" val="1575167486"/>
+        <p14:creationId xmlns:p14="http://schemas.microsoft.com/office/powerpoint/2010/main" val="1289717875"/>
       </p:ext>
     </p:extLst>
   </p:cSld>
@@ -15716,6 +15719,350 @@
       </p:sp>
       <p:sp>
         <p:nvSpPr>
+          <p:cNvPr id="3" name="Text Placeholder 2">
+            <a:extLst>
+              <a:ext uri="{FF2B5EF4-FFF2-40B4-BE49-F238E27FC236}">
+                <a16:creationId xmlns:a16="http://schemas.microsoft.com/office/drawing/2014/main" id="{7F8F2A5C-1157-A1D4-9D9F-D8A8B9C22C1D}"/>
+              </a:ext>
+            </a:extLst>
+          </p:cNvPr>
+          <p:cNvSpPr>
+            <a:spLocks noGrp="1"/>
+          </p:cNvSpPr>
+          <p:nvPr>
+            <p:ph type="body" idx="1"/>
+          </p:nvPr>
+        </p:nvSpPr>
+        <p:spPr/>
+        <p:txBody>
+          <a:bodyPr/>
+          <a:lstStyle/>
+          <a:p>
+            <a:r>
+              <a:rPr lang="en-US" sz="1800" dirty="0">
+                <a:effectLst/>
+                <a:latin typeface="Calibri" panose="020F0502020204030204" pitchFamily="34" charset="0"/>
+                <a:ea typeface="Calibri" panose="020F0502020204030204" pitchFamily="34" charset="0"/>
+                <a:cs typeface="Times New Roman" panose="02020603050405020304" pitchFamily="18" charset="0"/>
+              </a:rPr>
+              <a:t>During processing, </a:t>
+            </a:r>
+            <a:r>
+              <a:rPr lang="en-US" sz="1800" dirty="0" err="1">
+                <a:effectLst/>
+                <a:latin typeface="Calibri" panose="020F0502020204030204" pitchFamily="34" charset="0"/>
+                <a:ea typeface="Calibri" panose="020F0502020204030204" pitchFamily="34" charset="0"/>
+                <a:cs typeface="Times New Roman" panose="02020603050405020304" pitchFamily="18" charset="0"/>
+              </a:rPr>
+              <a:t>spaCy</a:t>
+            </a:r>
+            <a:r>
+              <a:rPr lang="en-US" sz="1800" dirty="0">
+                <a:effectLst/>
+                <a:latin typeface="Calibri" panose="020F0502020204030204" pitchFamily="34" charset="0"/>
+                <a:ea typeface="Calibri" panose="020F0502020204030204" pitchFamily="34" charset="0"/>
+                <a:cs typeface="Times New Roman" panose="02020603050405020304" pitchFamily="18" charset="0"/>
+              </a:rPr>
+              <a:t>/text mining first tokenizes the text. i.e. segments it into words, punction and so on. This is done by applying rules specific to each language.</a:t>
+            </a:r>
+          </a:p>
+          <a:p>
+            <a:endParaRPr lang="en-US" sz="1800" dirty="0">
+              <a:latin typeface="Calibri" panose="020F0502020204030204" pitchFamily="34" charset="0"/>
+              <a:ea typeface="Calibri" panose="020F0502020204030204" pitchFamily="34" charset="0"/>
+              <a:cs typeface="Times New Roman" panose="02020603050405020304" pitchFamily="18" charset="0"/>
+            </a:endParaRPr>
+          </a:p>
+          <a:p>
+            <a:pPr marL="114300" indent="0">
+              <a:buNone/>
+            </a:pPr>
+            <a:endParaRPr lang="en-IN" sz="1800" dirty="0">
+              <a:effectLst/>
+              <a:latin typeface="Calibri" panose="020F0502020204030204" pitchFamily="34" charset="0"/>
+              <a:ea typeface="Calibri" panose="020F0502020204030204" pitchFamily="34" charset="0"/>
+              <a:cs typeface="Times New Roman" panose="02020603050405020304" pitchFamily="18" charset="0"/>
+            </a:endParaRPr>
+          </a:p>
+          <a:p>
+            <a:pPr marL="114300" indent="0">
+              <a:buNone/>
+            </a:pPr>
+            <a:r>
+              <a:rPr lang="en-US" sz="1800" dirty="0">
+                <a:solidFill>
+                  <a:srgbClr val="054C84"/>
+                </a:solidFill>
+                <a:effectLst/>
+                <a:latin typeface="Calibri" panose="020F0502020204030204" pitchFamily="34" charset="0"/>
+                <a:ea typeface="Calibri" panose="020F0502020204030204" pitchFamily="34" charset="0"/>
+                <a:cs typeface="Times New Roman" panose="02020603050405020304" pitchFamily="18" charset="0"/>
+              </a:rPr>
+              <a:t>import spacy</a:t>
+            </a:r>
+            <a:endParaRPr lang="en-IN" sz="1800" dirty="0">
+              <a:solidFill>
+                <a:srgbClr val="054C84"/>
+              </a:solidFill>
+              <a:effectLst/>
+              <a:latin typeface="Calibri" panose="020F0502020204030204" pitchFamily="34" charset="0"/>
+              <a:ea typeface="Calibri" panose="020F0502020204030204" pitchFamily="34" charset="0"/>
+              <a:cs typeface="Times New Roman" panose="02020603050405020304" pitchFamily="18" charset="0"/>
+            </a:endParaRPr>
+          </a:p>
+          <a:p>
+            <a:pPr marL="114300" indent="0">
+              <a:buNone/>
+            </a:pPr>
+            <a:r>
+              <a:rPr lang="en-US" sz="1800" dirty="0" err="1">
+                <a:solidFill>
+                  <a:srgbClr val="054C84"/>
+                </a:solidFill>
+                <a:effectLst/>
+                <a:latin typeface="Calibri" panose="020F0502020204030204" pitchFamily="34" charset="0"/>
+                <a:ea typeface="Calibri" panose="020F0502020204030204" pitchFamily="34" charset="0"/>
+                <a:cs typeface="Times New Roman" panose="02020603050405020304" pitchFamily="18" charset="0"/>
+              </a:rPr>
+              <a:t>text_engine</a:t>
+            </a:r>
+            <a:r>
+              <a:rPr lang="en-US" sz="1800" dirty="0">
+                <a:solidFill>
+                  <a:srgbClr val="054C84"/>
+                </a:solidFill>
+                <a:effectLst/>
+                <a:latin typeface="Calibri" panose="020F0502020204030204" pitchFamily="34" charset="0"/>
+                <a:ea typeface="Calibri" panose="020F0502020204030204" pitchFamily="34" charset="0"/>
+                <a:cs typeface="Times New Roman" panose="02020603050405020304" pitchFamily="18" charset="0"/>
+              </a:rPr>
+              <a:t> = </a:t>
+            </a:r>
+            <a:r>
+              <a:rPr lang="en-US" sz="1800" dirty="0" err="1">
+                <a:solidFill>
+                  <a:srgbClr val="054C84"/>
+                </a:solidFill>
+                <a:effectLst/>
+                <a:latin typeface="Calibri" panose="020F0502020204030204" pitchFamily="34" charset="0"/>
+                <a:ea typeface="Calibri" panose="020F0502020204030204" pitchFamily="34" charset="0"/>
+                <a:cs typeface="Times New Roman" panose="02020603050405020304" pitchFamily="18" charset="0"/>
+              </a:rPr>
+              <a:t>spacy.load</a:t>
+            </a:r>
+            <a:r>
+              <a:rPr lang="en-US" sz="1800" dirty="0">
+                <a:solidFill>
+                  <a:srgbClr val="054C84"/>
+                </a:solidFill>
+                <a:effectLst/>
+                <a:latin typeface="Calibri" panose="020F0502020204030204" pitchFamily="34" charset="0"/>
+                <a:ea typeface="Calibri" panose="020F0502020204030204" pitchFamily="34" charset="0"/>
+                <a:cs typeface="Times New Roman" panose="02020603050405020304" pitchFamily="18" charset="0"/>
+              </a:rPr>
+              <a:t>("</a:t>
+            </a:r>
+            <a:r>
+              <a:rPr lang="en-US" sz="1800" dirty="0" err="1">
+                <a:solidFill>
+                  <a:srgbClr val="054C84"/>
+                </a:solidFill>
+                <a:effectLst/>
+                <a:latin typeface="Calibri" panose="020F0502020204030204" pitchFamily="34" charset="0"/>
+                <a:ea typeface="Calibri" panose="020F0502020204030204" pitchFamily="34" charset="0"/>
+                <a:cs typeface="Times New Roman" panose="02020603050405020304" pitchFamily="18" charset="0"/>
+              </a:rPr>
+              <a:t>en_core_web_sm</a:t>
+            </a:r>
+            <a:r>
+              <a:rPr lang="en-US" sz="1800" dirty="0">
+                <a:solidFill>
+                  <a:srgbClr val="054C84"/>
+                </a:solidFill>
+                <a:effectLst/>
+                <a:latin typeface="Calibri" panose="020F0502020204030204" pitchFamily="34" charset="0"/>
+                <a:ea typeface="Calibri" panose="020F0502020204030204" pitchFamily="34" charset="0"/>
+                <a:cs typeface="Times New Roman" panose="02020603050405020304" pitchFamily="18" charset="0"/>
+              </a:rPr>
+              <a:t>")</a:t>
+            </a:r>
+            <a:endParaRPr lang="en-IN" sz="1800" dirty="0">
+              <a:solidFill>
+                <a:srgbClr val="054C84"/>
+              </a:solidFill>
+              <a:effectLst/>
+              <a:latin typeface="Calibri" panose="020F0502020204030204" pitchFamily="34" charset="0"/>
+              <a:ea typeface="Calibri" panose="020F0502020204030204" pitchFamily="34" charset="0"/>
+              <a:cs typeface="Times New Roman" panose="02020603050405020304" pitchFamily="18" charset="0"/>
+            </a:endParaRPr>
+          </a:p>
+          <a:p>
+            <a:pPr marL="114300" indent="0">
+              <a:buNone/>
+            </a:pPr>
+            <a:r>
+              <a:rPr lang="en-US" sz="1800" dirty="0">
+                <a:solidFill>
+                  <a:srgbClr val="054C84"/>
+                </a:solidFill>
+                <a:effectLst/>
+                <a:latin typeface="Calibri" panose="020F0502020204030204" pitchFamily="34" charset="0"/>
+                <a:ea typeface="Calibri" panose="020F0502020204030204" pitchFamily="34" charset="0"/>
+                <a:cs typeface="Times New Roman" panose="02020603050405020304" pitchFamily="18" charset="0"/>
+              </a:rPr>
+              <a:t> </a:t>
+            </a:r>
+            <a:endParaRPr lang="en-IN" sz="1800" dirty="0">
+              <a:solidFill>
+                <a:srgbClr val="054C84"/>
+              </a:solidFill>
+              <a:effectLst/>
+              <a:latin typeface="Calibri" panose="020F0502020204030204" pitchFamily="34" charset="0"/>
+              <a:ea typeface="Calibri" panose="020F0502020204030204" pitchFamily="34" charset="0"/>
+              <a:cs typeface="Times New Roman" panose="02020603050405020304" pitchFamily="18" charset="0"/>
+            </a:endParaRPr>
+          </a:p>
+          <a:p>
+            <a:pPr marL="114300" indent="0">
+              <a:buNone/>
+            </a:pPr>
+            <a:r>
+              <a:rPr lang="en-US" sz="1800" dirty="0">
+                <a:solidFill>
+                  <a:srgbClr val="054C84"/>
+                </a:solidFill>
+                <a:effectLst/>
+                <a:latin typeface="Calibri" panose="020F0502020204030204" pitchFamily="34" charset="0"/>
+                <a:ea typeface="Calibri" panose="020F0502020204030204" pitchFamily="34" charset="0"/>
+                <a:cs typeface="Times New Roman" panose="02020603050405020304" pitchFamily="18" charset="0"/>
+              </a:rPr>
+              <a:t>doc = </a:t>
+            </a:r>
+            <a:r>
+              <a:rPr lang="en-US" sz="1800" dirty="0" err="1">
+                <a:solidFill>
+                  <a:srgbClr val="054C84"/>
+                </a:solidFill>
+                <a:effectLst/>
+                <a:latin typeface="Calibri" panose="020F0502020204030204" pitchFamily="34" charset="0"/>
+                <a:ea typeface="Calibri" panose="020F0502020204030204" pitchFamily="34" charset="0"/>
+                <a:cs typeface="Times New Roman" panose="02020603050405020304" pitchFamily="18" charset="0"/>
+              </a:rPr>
+              <a:t>text_engine</a:t>
+            </a:r>
+            <a:r>
+              <a:rPr lang="en-US" sz="1800" dirty="0">
+                <a:solidFill>
+                  <a:srgbClr val="054C84"/>
+                </a:solidFill>
+                <a:effectLst/>
+                <a:latin typeface="Calibri" panose="020F0502020204030204" pitchFamily="34" charset="0"/>
+                <a:ea typeface="Calibri" panose="020F0502020204030204" pitchFamily="34" charset="0"/>
+                <a:cs typeface="Times New Roman" panose="02020603050405020304" pitchFamily="18" charset="0"/>
+              </a:rPr>
+              <a:t>("Apple is looking to buying U.K. startup for $1 billion.")</a:t>
+            </a:r>
+            <a:endParaRPr lang="en-IN" sz="1800" dirty="0">
+              <a:solidFill>
+                <a:srgbClr val="054C84"/>
+              </a:solidFill>
+              <a:effectLst/>
+              <a:latin typeface="Calibri" panose="020F0502020204030204" pitchFamily="34" charset="0"/>
+              <a:ea typeface="Calibri" panose="020F0502020204030204" pitchFamily="34" charset="0"/>
+              <a:cs typeface="Times New Roman" panose="02020603050405020304" pitchFamily="18" charset="0"/>
+            </a:endParaRPr>
+          </a:p>
+          <a:p>
+            <a:pPr marL="114300" indent="0">
+              <a:buNone/>
+            </a:pPr>
+            <a:r>
+              <a:rPr lang="en-US" sz="1800" dirty="0">
+                <a:solidFill>
+                  <a:srgbClr val="054C84"/>
+                </a:solidFill>
+                <a:effectLst/>
+                <a:latin typeface="Calibri" panose="020F0502020204030204" pitchFamily="34" charset="0"/>
+                <a:ea typeface="Calibri" panose="020F0502020204030204" pitchFamily="34" charset="0"/>
+                <a:cs typeface="Times New Roman" panose="02020603050405020304" pitchFamily="18" charset="0"/>
+              </a:rPr>
+              <a:t>for token in doc:</a:t>
+            </a:r>
+            <a:endParaRPr lang="en-IN" sz="1800" dirty="0">
+              <a:solidFill>
+                <a:srgbClr val="054C84"/>
+              </a:solidFill>
+              <a:effectLst/>
+              <a:latin typeface="Calibri" panose="020F0502020204030204" pitchFamily="34" charset="0"/>
+              <a:ea typeface="Calibri" panose="020F0502020204030204" pitchFamily="34" charset="0"/>
+              <a:cs typeface="Times New Roman" panose="02020603050405020304" pitchFamily="18" charset="0"/>
+            </a:endParaRPr>
+          </a:p>
+          <a:p>
+            <a:pPr marL="114300" indent="0">
+              <a:buNone/>
+            </a:pPr>
+            <a:r>
+              <a:rPr lang="en-US" sz="1800" dirty="0">
+                <a:solidFill>
+                  <a:srgbClr val="054C84"/>
+                </a:solidFill>
+                <a:effectLst/>
+                <a:latin typeface="Calibri" panose="020F0502020204030204" pitchFamily="34" charset="0"/>
+                <a:ea typeface="Calibri" panose="020F0502020204030204" pitchFamily="34" charset="0"/>
+                <a:cs typeface="Times New Roman" panose="02020603050405020304" pitchFamily="18" charset="0"/>
+              </a:rPr>
+              <a:t>	print(</a:t>
+            </a:r>
+            <a:r>
+              <a:rPr lang="en-US" sz="1800" dirty="0" err="1">
+                <a:solidFill>
+                  <a:srgbClr val="054C84"/>
+                </a:solidFill>
+                <a:effectLst/>
+                <a:latin typeface="Calibri" panose="020F0502020204030204" pitchFamily="34" charset="0"/>
+                <a:ea typeface="Calibri" panose="020F0502020204030204" pitchFamily="34" charset="0"/>
+                <a:cs typeface="Times New Roman" panose="02020603050405020304" pitchFamily="18" charset="0"/>
+              </a:rPr>
+              <a:t>token.text</a:t>
+            </a:r>
+            <a:r>
+              <a:rPr lang="en-US" sz="1800" dirty="0">
+                <a:solidFill>
+                  <a:srgbClr val="054C84"/>
+                </a:solidFill>
+                <a:effectLst/>
+                <a:latin typeface="Calibri" panose="020F0502020204030204" pitchFamily="34" charset="0"/>
+                <a:ea typeface="Calibri" panose="020F0502020204030204" pitchFamily="34" charset="0"/>
+                <a:cs typeface="Times New Roman" panose="02020603050405020304" pitchFamily="18" charset="0"/>
+              </a:rPr>
+              <a:t>)</a:t>
+            </a:r>
+            <a:endParaRPr lang="en-IN" sz="1800" dirty="0">
+              <a:solidFill>
+                <a:srgbClr val="054C84"/>
+              </a:solidFill>
+              <a:effectLst/>
+              <a:latin typeface="Calibri" panose="020F0502020204030204" pitchFamily="34" charset="0"/>
+              <a:ea typeface="Calibri" panose="020F0502020204030204" pitchFamily="34" charset="0"/>
+              <a:cs typeface="Times New Roman" panose="02020603050405020304" pitchFamily="18" charset="0"/>
+            </a:endParaRPr>
+          </a:p>
+          <a:p>
+            <a:pPr marL="114300" indent="0">
+              <a:buNone/>
+            </a:pPr>
+            <a:endParaRPr lang="en-IN" sz="1800" dirty="0">
+              <a:effectLst/>
+              <a:latin typeface="Calibri" panose="020F0502020204030204" pitchFamily="34" charset="0"/>
+              <a:ea typeface="Calibri" panose="020F0502020204030204" pitchFamily="34" charset="0"/>
+              <a:cs typeface="Times New Roman" panose="02020603050405020304" pitchFamily="18" charset="0"/>
+            </a:endParaRPr>
+          </a:p>
+        </p:txBody>
+      </p:sp>
+      <p:sp>
+        <p:nvSpPr>
           <p:cNvPr id="4" name="Date Placeholder 3">
             <a:extLst>
               <a:ext uri="{FF2B5EF4-FFF2-40B4-BE49-F238E27FC236}">
@@ -15737,7 +16084,7 @@
           <a:p>
             <a:fld id="{0C62BD34-D5E2-4C87-AA2A-F8D5808875C3}" type="datetime1">
               <a:rPr lang="en-US" smtClean="0"/>
-              <a:t>9/29/23</a:t>
+              <a:t>9/29/2023</a:t>
             </a:fld>
             <a:endParaRPr lang="en-US"/>
           </a:p>
@@ -15809,40 +16156,10 @@
           </a:p>
         </p:txBody>
       </p:sp>
-      <p:pic>
-        <p:nvPicPr>
-          <p:cNvPr id="8" name="Picture 7">
-            <a:extLst>
-              <a:ext uri="{FF2B5EF4-FFF2-40B4-BE49-F238E27FC236}">
-                <a16:creationId xmlns:a16="http://schemas.microsoft.com/office/drawing/2014/main" id="{135BD0F5-0976-951B-7DE9-10A987D67769}"/>
-              </a:ext>
-            </a:extLst>
-          </p:cNvPr>
-          <p:cNvPicPr>
-            <a:picLocks noChangeAspect="1"/>
-          </p:cNvPicPr>
-          <p:nvPr/>
-        </p:nvPicPr>
-        <p:blipFill>
-          <a:blip r:embed="rId2"/>
-          <a:stretch>
-            <a:fillRect/>
-          </a:stretch>
-        </p:blipFill>
-        <p:spPr>
-          <a:xfrm>
-            <a:off x="540869" y="1412188"/>
-            <a:ext cx="8412631" cy="5095182"/>
-          </a:xfrm>
-          <a:prstGeom prst="rect">
-            <a:avLst/>
-          </a:prstGeom>
-        </p:spPr>
-      </p:pic>
     </p:spTree>
     <p:extLst>
       <p:ext uri="{BB962C8B-B14F-4D97-AF65-F5344CB8AC3E}">
-        <p14:creationId xmlns:p14="http://schemas.microsoft.com/office/powerpoint/2010/main" val="44448115"/>
+        <p14:creationId xmlns:p14="http://schemas.microsoft.com/office/powerpoint/2010/main" val="1575167486"/>
       </p:ext>
     </p:extLst>
   </p:cSld>
@@ -15891,446 +16208,12 @@
           <a:lstStyle/>
           <a:p>
             <a:r>
-              <a:rPr lang="en-US" sz="4200" dirty="0">
+              <a:rPr lang="en-US" dirty="0">
                 <a:latin typeface="Calibri" panose="020F0502020204030204" pitchFamily="34" charset="0"/>
                 <a:cs typeface="Calibri" panose="020F0502020204030204" pitchFamily="34" charset="0"/>
               </a:rPr>
-              <a:t>spacy : Linguistic Features</a:t>
-            </a:r>
-          </a:p>
-        </p:txBody>
-      </p:sp>
-      <p:sp>
-        <p:nvSpPr>
-          <p:cNvPr id="3" name="Text Placeholder 2">
-            <a:extLst>
-              <a:ext uri="{FF2B5EF4-FFF2-40B4-BE49-F238E27FC236}">
-                <a16:creationId xmlns:a16="http://schemas.microsoft.com/office/drawing/2014/main" id="{7F8F2A5C-1157-A1D4-9D9F-D8A8B9C22C1D}"/>
-              </a:ext>
-            </a:extLst>
-          </p:cNvPr>
-          <p:cNvSpPr>
-            <a:spLocks noGrp="1"/>
-          </p:cNvSpPr>
-          <p:nvPr>
-            <p:ph type="body" idx="1"/>
-          </p:nvPr>
-        </p:nvSpPr>
-        <p:spPr/>
-        <p:txBody>
-          <a:bodyPr/>
-          <a:lstStyle/>
-          <a:p>
-            <a:pPr marL="114300" indent="0">
-              <a:buNone/>
-            </a:pPr>
-            <a:r>
-              <a:rPr lang="en-US" sz="1800" dirty="0">
-                <a:solidFill>
-                  <a:srgbClr val="054C84"/>
-                </a:solidFill>
-                <a:latin typeface="Calibri" panose="020F0502020204030204" pitchFamily="34" charset="0"/>
-                <a:cs typeface="Times New Roman" panose="02020603050405020304" pitchFamily="18" charset="0"/>
-              </a:rPr>
-              <a:t>import spacy</a:t>
-            </a:r>
-            <a:endParaRPr lang="en-IN" sz="1800" dirty="0">
-              <a:solidFill>
-                <a:srgbClr val="054C84"/>
-              </a:solidFill>
-              <a:latin typeface="Calibri" panose="020F0502020204030204" pitchFamily="34" charset="0"/>
-              <a:cs typeface="Times New Roman" panose="02020603050405020304" pitchFamily="18" charset="0"/>
-            </a:endParaRPr>
-          </a:p>
-          <a:p>
-            <a:pPr marL="114300" indent="0">
-              <a:buNone/>
-            </a:pPr>
-            <a:r>
-              <a:rPr lang="en-US" sz="1800" dirty="0" err="1">
-                <a:solidFill>
-                  <a:srgbClr val="054C84"/>
-                </a:solidFill>
-                <a:latin typeface="Calibri" panose="020F0502020204030204" pitchFamily="34" charset="0"/>
-                <a:cs typeface="Times New Roman" panose="02020603050405020304" pitchFamily="18" charset="0"/>
-              </a:rPr>
-              <a:t>text_engine</a:t>
-            </a:r>
-            <a:r>
-              <a:rPr lang="en-US" sz="1800" dirty="0">
-                <a:solidFill>
-                  <a:srgbClr val="054C84"/>
-                </a:solidFill>
-                <a:latin typeface="Calibri" panose="020F0502020204030204" pitchFamily="34" charset="0"/>
-                <a:cs typeface="Times New Roman" panose="02020603050405020304" pitchFamily="18" charset="0"/>
-              </a:rPr>
-              <a:t> = </a:t>
-            </a:r>
-            <a:r>
-              <a:rPr lang="en-US" sz="1800" dirty="0" err="1">
-                <a:solidFill>
-                  <a:srgbClr val="054C84"/>
-                </a:solidFill>
-                <a:latin typeface="Calibri" panose="020F0502020204030204" pitchFamily="34" charset="0"/>
-                <a:cs typeface="Times New Roman" panose="02020603050405020304" pitchFamily="18" charset="0"/>
-              </a:rPr>
-              <a:t>spacy.load</a:t>
-            </a:r>
-            <a:r>
-              <a:rPr lang="en-US" sz="1800" dirty="0">
-                <a:solidFill>
-                  <a:srgbClr val="054C84"/>
-                </a:solidFill>
-                <a:latin typeface="Calibri" panose="020F0502020204030204" pitchFamily="34" charset="0"/>
-                <a:cs typeface="Times New Roman" panose="02020603050405020304" pitchFamily="18" charset="0"/>
-              </a:rPr>
-              <a:t>("</a:t>
-            </a:r>
-            <a:r>
-              <a:rPr lang="en-US" sz="1800" dirty="0" err="1">
-                <a:solidFill>
-                  <a:srgbClr val="054C84"/>
-                </a:solidFill>
-                <a:latin typeface="Calibri" panose="020F0502020204030204" pitchFamily="34" charset="0"/>
-                <a:cs typeface="Times New Roman" panose="02020603050405020304" pitchFamily="18" charset="0"/>
-              </a:rPr>
-              <a:t>en_core_web_sm</a:t>
-            </a:r>
-            <a:r>
-              <a:rPr lang="en-US" sz="1800" dirty="0">
-                <a:solidFill>
-                  <a:srgbClr val="054C84"/>
-                </a:solidFill>
-                <a:latin typeface="Calibri" panose="020F0502020204030204" pitchFamily="34" charset="0"/>
-                <a:cs typeface="Times New Roman" panose="02020603050405020304" pitchFamily="18" charset="0"/>
-              </a:rPr>
-              <a:t>")</a:t>
-            </a:r>
-            <a:endParaRPr lang="en-IN" sz="1800" dirty="0">
-              <a:solidFill>
-                <a:srgbClr val="054C84"/>
-              </a:solidFill>
-              <a:latin typeface="Calibri" panose="020F0502020204030204" pitchFamily="34" charset="0"/>
-              <a:cs typeface="Times New Roman" panose="02020603050405020304" pitchFamily="18" charset="0"/>
-            </a:endParaRPr>
-          </a:p>
-          <a:p>
-            <a:pPr marL="114300" indent="0">
-              <a:buNone/>
-            </a:pPr>
-            <a:endParaRPr lang="en-IN" sz="1800" dirty="0">
-              <a:solidFill>
-                <a:srgbClr val="054C84"/>
-              </a:solidFill>
-              <a:latin typeface="Calibri" panose="020F0502020204030204" pitchFamily="34" charset="0"/>
-              <a:cs typeface="Times New Roman" panose="02020603050405020304" pitchFamily="18" charset="0"/>
-            </a:endParaRPr>
-          </a:p>
-          <a:p>
-            <a:pPr marL="114300" indent="0">
-              <a:buNone/>
-            </a:pPr>
-            <a:r>
-              <a:rPr lang="en-US" sz="1800" dirty="0">
-                <a:solidFill>
-                  <a:srgbClr val="054C84"/>
-                </a:solidFill>
-                <a:latin typeface="Calibri" panose="020F0502020204030204" pitchFamily="34" charset="0"/>
-                <a:cs typeface="Times New Roman" panose="02020603050405020304" pitchFamily="18" charset="0"/>
-              </a:rPr>
-              <a:t>doc = </a:t>
-            </a:r>
-            <a:r>
-              <a:rPr lang="en-US" sz="1800" dirty="0" err="1">
-                <a:solidFill>
-                  <a:srgbClr val="054C84"/>
-                </a:solidFill>
-                <a:latin typeface="Calibri" panose="020F0502020204030204" pitchFamily="34" charset="0"/>
-                <a:cs typeface="Times New Roman" panose="02020603050405020304" pitchFamily="18" charset="0"/>
-              </a:rPr>
-              <a:t>text_engine</a:t>
-            </a:r>
-            <a:r>
-              <a:rPr lang="en-US" sz="1800" dirty="0">
-                <a:solidFill>
-                  <a:srgbClr val="054C84"/>
-                </a:solidFill>
-                <a:latin typeface="Calibri" panose="020F0502020204030204" pitchFamily="34" charset="0"/>
-                <a:cs typeface="Times New Roman" panose="02020603050405020304" pitchFamily="18" charset="0"/>
-              </a:rPr>
-              <a:t>("Apple is looking to buying U.K. startup for $1 billion.")</a:t>
-            </a:r>
-          </a:p>
-          <a:p>
-            <a:pPr marL="114300" indent="0">
-              <a:buNone/>
-            </a:pPr>
-            <a:endParaRPr lang="en-IN" sz="1800" dirty="0">
-              <a:solidFill>
-                <a:srgbClr val="054C84"/>
-              </a:solidFill>
-              <a:latin typeface="Calibri" panose="020F0502020204030204" pitchFamily="34" charset="0"/>
-              <a:cs typeface="Times New Roman" panose="02020603050405020304" pitchFamily="18" charset="0"/>
-            </a:endParaRPr>
-          </a:p>
-          <a:p>
-            <a:pPr marL="114300" indent="0">
-              <a:buNone/>
-            </a:pPr>
-            <a:r>
-              <a:rPr lang="en-US" sz="1800" dirty="0">
-                <a:solidFill>
-                  <a:srgbClr val="054C84"/>
-                </a:solidFill>
-                <a:latin typeface="Calibri" panose="020F0502020204030204" pitchFamily="34" charset="0"/>
-                <a:cs typeface="Times New Roman" panose="02020603050405020304" pitchFamily="18" charset="0"/>
-              </a:rPr>
-              <a:t>for token in doc:</a:t>
-            </a:r>
-            <a:endParaRPr lang="en-IN" sz="1800" dirty="0">
-              <a:solidFill>
-                <a:srgbClr val="054C84"/>
-              </a:solidFill>
-              <a:latin typeface="Calibri" panose="020F0502020204030204" pitchFamily="34" charset="0"/>
-              <a:cs typeface="Times New Roman" panose="02020603050405020304" pitchFamily="18" charset="0"/>
-            </a:endParaRPr>
-          </a:p>
-          <a:p>
-            <a:pPr marL="114300" indent="0">
-              <a:buNone/>
-            </a:pPr>
-            <a:r>
-              <a:rPr lang="en-US" sz="1800" dirty="0">
-                <a:solidFill>
-                  <a:srgbClr val="054C84"/>
-                </a:solidFill>
-                <a:latin typeface="Calibri" panose="020F0502020204030204" pitchFamily="34" charset="0"/>
-                <a:cs typeface="Times New Roman" panose="02020603050405020304" pitchFamily="18" charset="0"/>
-              </a:rPr>
-              <a:t>	print(</a:t>
-            </a:r>
-            <a:r>
-              <a:rPr lang="en-US" sz="1800" dirty="0" err="1">
-                <a:solidFill>
-                  <a:srgbClr val="054C84"/>
-                </a:solidFill>
-                <a:latin typeface="Calibri" panose="020F0502020204030204" pitchFamily="34" charset="0"/>
-                <a:cs typeface="Times New Roman" panose="02020603050405020304" pitchFamily="18" charset="0"/>
-              </a:rPr>
-              <a:t>token.text</a:t>
-            </a:r>
-            <a:r>
-              <a:rPr lang="en-US" sz="1800" dirty="0">
-                <a:solidFill>
-                  <a:srgbClr val="054C84"/>
-                </a:solidFill>
-                <a:latin typeface="Calibri" panose="020F0502020204030204" pitchFamily="34" charset="0"/>
-                <a:cs typeface="Times New Roman" panose="02020603050405020304" pitchFamily="18" charset="0"/>
-              </a:rPr>
-              <a:t>, </a:t>
-            </a:r>
-            <a:r>
-              <a:rPr lang="en-US" sz="1800" dirty="0" err="1">
-                <a:solidFill>
-                  <a:srgbClr val="054C84"/>
-                </a:solidFill>
-                <a:latin typeface="Calibri" panose="020F0502020204030204" pitchFamily="34" charset="0"/>
-                <a:cs typeface="Times New Roman" panose="02020603050405020304" pitchFamily="18" charset="0"/>
-              </a:rPr>
-              <a:t>token.pos</a:t>
-            </a:r>
-            <a:r>
-              <a:rPr lang="en-US" sz="1800" dirty="0">
-                <a:solidFill>
-                  <a:srgbClr val="054C84"/>
-                </a:solidFill>
-                <a:latin typeface="Calibri" panose="020F0502020204030204" pitchFamily="34" charset="0"/>
-                <a:cs typeface="Times New Roman" panose="02020603050405020304" pitchFamily="18" charset="0"/>
-              </a:rPr>
-              <a:t>_,</a:t>
-            </a:r>
-          </a:p>
-          <a:p>
-            <a:pPr marL="114300" indent="0">
-              <a:buNone/>
-            </a:pPr>
-            <a:r>
-              <a:rPr lang="en-US" sz="1800" dirty="0">
-                <a:solidFill>
-                  <a:srgbClr val="054C84"/>
-                </a:solidFill>
-                <a:latin typeface="Calibri" panose="020F0502020204030204" pitchFamily="34" charset="0"/>
-                <a:cs typeface="Times New Roman" panose="02020603050405020304" pitchFamily="18" charset="0"/>
-              </a:rPr>
-              <a:t>	          </a:t>
-            </a:r>
-            <a:r>
-              <a:rPr lang="en-US" sz="1800" dirty="0" err="1">
-                <a:solidFill>
-                  <a:srgbClr val="054C84"/>
-                </a:solidFill>
-                <a:latin typeface="Calibri" panose="020F0502020204030204" pitchFamily="34" charset="0"/>
-                <a:cs typeface="Times New Roman" panose="02020603050405020304" pitchFamily="18" charset="0"/>
-              </a:rPr>
-              <a:t>token.dep</a:t>
-            </a:r>
-            <a:r>
-              <a:rPr lang="en-US" sz="1800" dirty="0">
-                <a:solidFill>
-                  <a:srgbClr val="054C84"/>
-                </a:solidFill>
-                <a:latin typeface="Calibri" panose="020F0502020204030204" pitchFamily="34" charset="0"/>
-                <a:cs typeface="Times New Roman" panose="02020603050405020304" pitchFamily="18" charset="0"/>
-              </a:rPr>
-              <a:t>_, </a:t>
-            </a:r>
-            <a:r>
-              <a:rPr lang="en-US" sz="1800" dirty="0" err="1">
-                <a:solidFill>
-                  <a:srgbClr val="054C84"/>
-                </a:solidFill>
-                <a:latin typeface="Calibri" panose="020F0502020204030204" pitchFamily="34" charset="0"/>
-                <a:cs typeface="Times New Roman" panose="02020603050405020304" pitchFamily="18" charset="0"/>
-              </a:rPr>
-              <a:t>token.tag</a:t>
-            </a:r>
-            <a:r>
-              <a:rPr lang="en-US" sz="1800" dirty="0">
-                <a:solidFill>
-                  <a:srgbClr val="054C84"/>
-                </a:solidFill>
-                <a:latin typeface="Calibri" panose="020F0502020204030204" pitchFamily="34" charset="0"/>
-                <a:cs typeface="Times New Roman" panose="02020603050405020304" pitchFamily="18" charset="0"/>
-              </a:rPr>
-              <a:t>_,</a:t>
-            </a:r>
-          </a:p>
-          <a:p>
-            <a:pPr marL="114300" indent="0">
-              <a:buNone/>
-            </a:pPr>
-            <a:r>
-              <a:rPr lang="en-US" sz="1800" dirty="0">
-                <a:solidFill>
-                  <a:srgbClr val="054C84"/>
-                </a:solidFill>
-                <a:latin typeface="Calibri" panose="020F0502020204030204" pitchFamily="34" charset="0"/>
-                <a:cs typeface="Times New Roman" panose="02020603050405020304" pitchFamily="18" charset="0"/>
-              </a:rPr>
-              <a:t>                          </a:t>
-            </a:r>
-            <a:r>
-              <a:rPr lang="en-US" sz="1800" dirty="0" err="1">
-                <a:solidFill>
-                  <a:srgbClr val="054C84"/>
-                </a:solidFill>
-                <a:latin typeface="Calibri" panose="020F0502020204030204" pitchFamily="34" charset="0"/>
-                <a:cs typeface="Times New Roman" panose="02020603050405020304" pitchFamily="18" charset="0"/>
-              </a:rPr>
-              <a:t>token.is_alpha</a:t>
-            </a:r>
-            <a:r>
-              <a:rPr lang="en-US" sz="1800" dirty="0">
-                <a:solidFill>
-                  <a:srgbClr val="054C84"/>
-                </a:solidFill>
-                <a:latin typeface="Calibri" panose="020F0502020204030204" pitchFamily="34" charset="0"/>
-                <a:cs typeface="Times New Roman" panose="02020603050405020304" pitchFamily="18" charset="0"/>
-              </a:rPr>
-              <a:t>,  </a:t>
-            </a:r>
-            <a:r>
-              <a:rPr lang="en-US" sz="1800" dirty="0" err="1">
-                <a:solidFill>
-                  <a:srgbClr val="054C84"/>
-                </a:solidFill>
-                <a:latin typeface="Calibri" panose="020F0502020204030204" pitchFamily="34" charset="0"/>
-                <a:cs typeface="Times New Roman" panose="02020603050405020304" pitchFamily="18" charset="0"/>
-              </a:rPr>
-              <a:t>token.is_stop</a:t>
-            </a:r>
-            <a:r>
-              <a:rPr lang="en-US" sz="1800" dirty="0">
-                <a:solidFill>
-                  <a:srgbClr val="054C84"/>
-                </a:solidFill>
-                <a:latin typeface="Calibri" panose="020F0502020204030204" pitchFamily="34" charset="0"/>
-                <a:cs typeface="Times New Roman" panose="02020603050405020304" pitchFamily="18" charset="0"/>
-              </a:rPr>
-              <a:t> ,</a:t>
-            </a:r>
-          </a:p>
-          <a:p>
-            <a:pPr marL="114300" indent="0">
-              <a:buNone/>
-            </a:pPr>
-            <a:r>
-              <a:rPr lang="en-US" sz="1800" dirty="0">
-                <a:solidFill>
-                  <a:srgbClr val="054C84"/>
-                </a:solidFill>
-                <a:latin typeface="Calibri" panose="020F0502020204030204" pitchFamily="34" charset="0"/>
-                <a:cs typeface="Times New Roman" panose="02020603050405020304" pitchFamily="18" charset="0"/>
-              </a:rPr>
-              <a:t>                          </a:t>
-            </a:r>
-            <a:r>
-              <a:rPr lang="en-US" sz="1800" dirty="0" err="1">
-                <a:solidFill>
-                  <a:srgbClr val="054C84"/>
-                </a:solidFill>
-                <a:latin typeface="Calibri" panose="020F0502020204030204" pitchFamily="34" charset="0"/>
-                <a:cs typeface="Times New Roman" panose="02020603050405020304" pitchFamily="18" charset="0"/>
-              </a:rPr>
-              <a:t>token.shape</a:t>
-            </a:r>
-            <a:r>
-              <a:rPr lang="en-US" sz="1800" dirty="0">
-                <a:solidFill>
-                  <a:srgbClr val="054C84"/>
-                </a:solidFill>
-                <a:latin typeface="Calibri" panose="020F0502020204030204" pitchFamily="34" charset="0"/>
-                <a:cs typeface="Times New Roman" panose="02020603050405020304" pitchFamily="18" charset="0"/>
-              </a:rPr>
-              <a:t>, </a:t>
-            </a:r>
-            <a:r>
-              <a:rPr lang="en-US" sz="1800" dirty="0" err="1">
-                <a:solidFill>
-                  <a:srgbClr val="054C84"/>
-                </a:solidFill>
-                <a:latin typeface="Calibri" panose="020F0502020204030204" pitchFamily="34" charset="0"/>
-                <a:cs typeface="Times New Roman" panose="02020603050405020304" pitchFamily="18" charset="0"/>
-              </a:rPr>
-              <a:t>token.lemma</a:t>
-            </a:r>
-            <a:r>
-              <a:rPr lang="en-US" sz="1800" dirty="0">
-                <a:solidFill>
-                  <a:srgbClr val="054C84"/>
-                </a:solidFill>
-                <a:latin typeface="Calibri" panose="020F0502020204030204" pitchFamily="34" charset="0"/>
-                <a:cs typeface="Times New Roman" panose="02020603050405020304" pitchFamily="18" charset="0"/>
-              </a:rPr>
-              <a:t>_)</a:t>
-            </a:r>
-            <a:endParaRPr lang="en-IN" sz="1800" dirty="0">
-              <a:solidFill>
-                <a:srgbClr val="054C84"/>
-              </a:solidFill>
-              <a:latin typeface="Calibri" panose="020F0502020204030204" pitchFamily="34" charset="0"/>
-              <a:cs typeface="Times New Roman" panose="02020603050405020304" pitchFamily="18" charset="0"/>
-            </a:endParaRPr>
-          </a:p>
-          <a:p>
-            <a:pPr marL="114300" indent="0">
-              <a:buNone/>
-            </a:pPr>
-            <a:endParaRPr lang="en-US" sz="1800" dirty="0">
-              <a:latin typeface="Calibri" panose="020F0502020204030204" pitchFamily="34" charset="0"/>
-              <a:ea typeface="Calibri" panose="020F0502020204030204" pitchFamily="34" charset="0"/>
-              <a:cs typeface="Times New Roman" panose="02020603050405020304" pitchFamily="18" charset="0"/>
-            </a:endParaRPr>
+              <a:t>Tokenization </a:t>
+            </a:r>
           </a:p>
         </p:txBody>
       </p:sp>
@@ -16357,7 +16240,7 @@
           <a:p>
             <a:fld id="{0C62BD34-D5E2-4C87-AA2A-F8D5808875C3}" type="datetime1">
               <a:rPr lang="en-US" smtClean="0"/>
-              <a:t>9/29/23</a:t>
+              <a:t>9/29/2023</a:t>
             </a:fld>
             <a:endParaRPr lang="en-US"/>
           </a:p>
@@ -16429,10 +16312,40 @@
           </a:p>
         </p:txBody>
       </p:sp>
+      <p:pic>
+        <p:nvPicPr>
+          <p:cNvPr id="8" name="Picture 7">
+            <a:extLst>
+              <a:ext uri="{FF2B5EF4-FFF2-40B4-BE49-F238E27FC236}">
+                <a16:creationId xmlns:a16="http://schemas.microsoft.com/office/drawing/2014/main" id="{135BD0F5-0976-951B-7DE9-10A987D67769}"/>
+              </a:ext>
+            </a:extLst>
+          </p:cNvPr>
+          <p:cNvPicPr>
+            <a:picLocks noChangeAspect="1"/>
+          </p:cNvPicPr>
+          <p:nvPr/>
+        </p:nvPicPr>
+        <p:blipFill>
+          <a:blip r:embed="rId2"/>
+          <a:stretch>
+            <a:fillRect/>
+          </a:stretch>
+        </p:blipFill>
+        <p:spPr>
+          <a:xfrm>
+            <a:off x="540869" y="1412188"/>
+            <a:ext cx="8412631" cy="5095182"/>
+          </a:xfrm>
+          <a:prstGeom prst="rect">
+            <a:avLst/>
+          </a:prstGeom>
+        </p:spPr>
+      </p:pic>
     </p:spTree>
     <p:extLst>
       <p:ext uri="{BB962C8B-B14F-4D97-AF65-F5344CB8AC3E}">
-        <p14:creationId xmlns:p14="http://schemas.microsoft.com/office/powerpoint/2010/main" val="3341720833"/>
+        <p14:creationId xmlns:p14="http://schemas.microsoft.com/office/powerpoint/2010/main" val="44448115"/>
       </p:ext>
     </p:extLst>
   </p:cSld>
@@ -16594,7 +16507,7 @@
               <a:buNone/>
             </a:pPr>
             <a:r>
-              <a:rPr lang="en-US" sz="1600" dirty="0">
+              <a:rPr lang="en-US" sz="1800" dirty="0">
                 <a:solidFill>
                   <a:srgbClr val="054C84"/>
                 </a:solidFill>
@@ -16603,7 +16516,7 @@
               </a:rPr>
               <a:t>import spacy</a:t>
             </a:r>
-            <a:endParaRPr lang="en-IN" sz="1600" dirty="0">
+            <a:endParaRPr lang="en-IN" sz="1800" dirty="0">
               <a:solidFill>
                 <a:srgbClr val="054C84"/>
               </a:solidFill>
@@ -16616,7 +16529,7 @@
               <a:buNone/>
             </a:pPr>
             <a:r>
-              <a:rPr lang="en-US" sz="1600" dirty="0" err="1">
+              <a:rPr lang="en-US" sz="1800" dirty="0" err="1">
                 <a:solidFill>
                   <a:srgbClr val="054C84"/>
                 </a:solidFill>
@@ -16626,7 +16539,7 @@
               <a:t>text_engine</a:t>
             </a:r>
             <a:r>
-              <a:rPr lang="en-US" sz="1600" dirty="0">
+              <a:rPr lang="en-US" sz="1800" dirty="0">
                 <a:solidFill>
                   <a:srgbClr val="054C84"/>
                 </a:solidFill>
@@ -16636,7 +16549,7 @@
               <a:t> = </a:t>
             </a:r>
             <a:r>
-              <a:rPr lang="en-US" sz="1600" dirty="0" err="1">
+              <a:rPr lang="en-US" sz="1800" dirty="0" err="1">
                 <a:solidFill>
                   <a:srgbClr val="054C84"/>
                 </a:solidFill>
@@ -16646,7 +16559,7 @@
               <a:t>spacy.load</a:t>
             </a:r>
             <a:r>
-              <a:rPr lang="en-US" sz="1600" dirty="0">
+              <a:rPr lang="en-US" sz="1800" dirty="0">
                 <a:solidFill>
                   <a:srgbClr val="054C84"/>
                 </a:solidFill>
@@ -16656,7 +16569,7 @@
               <a:t>("</a:t>
             </a:r>
             <a:r>
-              <a:rPr lang="en-US" sz="1600" dirty="0" err="1">
+              <a:rPr lang="en-US" sz="1800" dirty="0" err="1">
                 <a:solidFill>
                   <a:srgbClr val="054C84"/>
                 </a:solidFill>
@@ -16666,7 +16579,7 @@
               <a:t>en_core_web_sm</a:t>
             </a:r>
             <a:r>
-              <a:rPr lang="en-US" sz="1600" dirty="0">
+              <a:rPr lang="en-US" sz="1800" dirty="0">
                 <a:solidFill>
                   <a:srgbClr val="054C84"/>
                 </a:solidFill>
@@ -16675,7 +16588,7 @@
               </a:rPr>
               <a:t>")</a:t>
             </a:r>
-            <a:endParaRPr lang="en-IN" sz="1600" dirty="0">
+            <a:endParaRPr lang="en-IN" sz="1800" dirty="0">
               <a:solidFill>
                 <a:srgbClr val="054C84"/>
               </a:solidFill>
@@ -16687,7 +16600,7 @@
             <a:pPr marL="114300" indent="0">
               <a:buNone/>
             </a:pPr>
-            <a:endParaRPr lang="en-IN" sz="1600" dirty="0">
+            <a:endParaRPr lang="en-IN" sz="1800" dirty="0">
               <a:solidFill>
                 <a:srgbClr val="054C84"/>
               </a:solidFill>
@@ -16700,7 +16613,7 @@
               <a:buNone/>
             </a:pPr>
             <a:r>
-              <a:rPr lang="en-US" sz="1600" dirty="0">
+              <a:rPr lang="en-US" sz="1800" dirty="0">
                 <a:solidFill>
                   <a:srgbClr val="054C84"/>
                 </a:solidFill>
@@ -16710,7 +16623,7 @@
               <a:t>doc = </a:t>
             </a:r>
             <a:r>
-              <a:rPr lang="en-US" sz="1600" dirty="0" err="1">
+              <a:rPr lang="en-US" sz="1800" dirty="0" err="1">
                 <a:solidFill>
                   <a:srgbClr val="054C84"/>
                 </a:solidFill>
@@ -16720,7 +16633,7 @@
               <a:t>text_engine</a:t>
             </a:r>
             <a:r>
-              <a:rPr lang="en-US" sz="1600" dirty="0">
+              <a:rPr lang="en-US" sz="1800" dirty="0">
                 <a:solidFill>
                   <a:srgbClr val="054C84"/>
                 </a:solidFill>
@@ -16734,7 +16647,7 @@
             <a:pPr marL="114300" indent="0">
               <a:buNone/>
             </a:pPr>
-            <a:endParaRPr lang="en-IN" sz="1600" dirty="0">
+            <a:endParaRPr lang="en-IN" sz="1800" dirty="0">
               <a:solidFill>
                 <a:srgbClr val="054C84"/>
               </a:solidFill>
@@ -16747,7 +16660,7 @@
               <a:buNone/>
             </a:pPr>
             <a:r>
-              <a:rPr lang="en-US" sz="1600" dirty="0">
+              <a:rPr lang="en-US" sz="1800" dirty="0">
                 <a:solidFill>
                   <a:srgbClr val="054C84"/>
                 </a:solidFill>
@@ -16756,7 +16669,7 @@
               </a:rPr>
               <a:t>for token in doc:</a:t>
             </a:r>
-            <a:endParaRPr lang="en-IN" sz="1600" dirty="0">
+            <a:endParaRPr lang="en-IN" sz="1800" dirty="0">
               <a:solidFill>
                 <a:srgbClr val="054C84"/>
               </a:solidFill>
@@ -16769,17 +16682,17 @@
               <a:buNone/>
             </a:pPr>
             <a:r>
-              <a:rPr lang="en-US" sz="1600" dirty="0">
+              <a:rPr lang="en-US" sz="1800" dirty="0">
                 <a:solidFill>
                   <a:srgbClr val="054C84"/>
                 </a:solidFill>
                 <a:latin typeface="Calibri" panose="020F0502020204030204" pitchFamily="34" charset="0"/>
                 <a:cs typeface="Times New Roman" panose="02020603050405020304" pitchFamily="18" charset="0"/>
               </a:rPr>
-              <a:t>	 print(</a:t>
-            </a:r>
-            <a:r>
-              <a:rPr lang="en-US" sz="1600" dirty="0" err="1">
+              <a:t>	print(</a:t>
+            </a:r>
+            <a:r>
+              <a:rPr lang="en-US" sz="1800" dirty="0" err="1">
                 <a:solidFill>
                   <a:srgbClr val="054C84"/>
                 </a:solidFill>
@@ -16789,154 +16702,144 @@
               <a:t>token.text</a:t>
             </a:r>
             <a:r>
-              <a:rPr lang="en-US" sz="1600" dirty="0">
+              <a:rPr lang="en-US" sz="1800" dirty="0">
                 <a:solidFill>
                   <a:srgbClr val="054C84"/>
                 </a:solidFill>
                 <a:latin typeface="Calibri" panose="020F0502020204030204" pitchFamily="34" charset="0"/>
                 <a:cs typeface="Times New Roman" panose="02020603050405020304" pitchFamily="18" charset="0"/>
               </a:rPr>
-              <a:t>)</a:t>
-            </a:r>
-          </a:p>
-          <a:p>
-            <a:pPr marL="114300" indent="0">
-              <a:buNone/>
-            </a:pPr>
-            <a:r>
-              <a:rPr lang="en-US" sz="1600" dirty="0">
+              <a:t>, </a:t>
+            </a:r>
+            <a:r>
+              <a:rPr lang="en-US" sz="1800" dirty="0" err="1">
                 <a:solidFill>
                   <a:srgbClr val="054C84"/>
                 </a:solidFill>
                 <a:latin typeface="Calibri" panose="020F0502020204030204" pitchFamily="34" charset="0"/>
                 <a:cs typeface="Times New Roman" panose="02020603050405020304" pitchFamily="18" charset="0"/>
               </a:rPr>
-              <a:t>	 print(</a:t>
-            </a:r>
-            <a:r>
-              <a:rPr lang="en-US" sz="1600" dirty="0" err="1">
+              <a:t>token.pos</a:t>
+            </a:r>
+            <a:r>
+              <a:rPr lang="en-US" sz="1800" dirty="0">
                 <a:solidFill>
                   <a:srgbClr val="054C84"/>
                 </a:solidFill>
                 <a:latin typeface="Calibri" panose="020F0502020204030204" pitchFamily="34" charset="0"/>
                 <a:cs typeface="Times New Roman" panose="02020603050405020304" pitchFamily="18" charset="0"/>
               </a:rPr>
-              <a:t>token.pos</a:t>
-            </a:r>
-            <a:r>
-              <a:rPr lang="en-US" sz="1600" dirty="0">
+              <a:t>_,</a:t>
+            </a:r>
+          </a:p>
+          <a:p>
+            <a:pPr marL="114300" indent="0">
+              <a:buNone/>
+            </a:pPr>
+            <a:r>
+              <a:rPr lang="en-US" sz="1800" dirty="0">
                 <a:solidFill>
                   <a:srgbClr val="054C84"/>
                 </a:solidFill>
                 <a:latin typeface="Calibri" panose="020F0502020204030204" pitchFamily="34" charset="0"/>
                 <a:cs typeface="Times New Roman" panose="02020603050405020304" pitchFamily="18" charset="0"/>
               </a:rPr>
-              <a:t>_)</a:t>
-            </a:r>
-          </a:p>
-          <a:p>
-            <a:pPr marL="114300" indent="0">
-              <a:buNone/>
-            </a:pPr>
-            <a:r>
-              <a:rPr lang="en-US" sz="1600" dirty="0">
+              <a:t>	          </a:t>
+            </a:r>
+            <a:r>
+              <a:rPr lang="en-US" sz="1800" dirty="0" err="1">
                 <a:solidFill>
                   <a:srgbClr val="054C84"/>
                 </a:solidFill>
                 <a:latin typeface="Calibri" panose="020F0502020204030204" pitchFamily="34" charset="0"/>
                 <a:cs typeface="Times New Roman" panose="02020603050405020304" pitchFamily="18" charset="0"/>
               </a:rPr>
-              <a:t>	 print(</a:t>
-            </a:r>
-            <a:r>
-              <a:rPr lang="en-US" sz="1600" dirty="0" err="1">
+              <a:t>token.dep</a:t>
+            </a:r>
+            <a:r>
+              <a:rPr lang="en-US" sz="1800" dirty="0">
                 <a:solidFill>
                   <a:srgbClr val="054C84"/>
                 </a:solidFill>
                 <a:latin typeface="Calibri" panose="020F0502020204030204" pitchFamily="34" charset="0"/>
                 <a:cs typeface="Times New Roman" panose="02020603050405020304" pitchFamily="18" charset="0"/>
               </a:rPr>
-              <a:t>token.dep</a:t>
-            </a:r>
-            <a:r>
-              <a:rPr lang="en-US" sz="1600" dirty="0">
+              <a:t>_, </a:t>
+            </a:r>
+            <a:r>
+              <a:rPr lang="en-US" sz="1800" dirty="0" err="1">
                 <a:solidFill>
                   <a:srgbClr val="054C84"/>
                 </a:solidFill>
                 <a:latin typeface="Calibri" panose="020F0502020204030204" pitchFamily="34" charset="0"/>
                 <a:cs typeface="Times New Roman" panose="02020603050405020304" pitchFamily="18" charset="0"/>
               </a:rPr>
-              <a:t>_)</a:t>
-            </a:r>
-          </a:p>
-          <a:p>
-            <a:pPr marL="114300" indent="0">
-              <a:buNone/>
-            </a:pPr>
-            <a:r>
-              <a:rPr lang="en-US" sz="1600" dirty="0">
+              <a:t>token.tag</a:t>
+            </a:r>
+            <a:r>
+              <a:rPr lang="en-US" sz="1800" dirty="0">
                 <a:solidFill>
                   <a:srgbClr val="054C84"/>
                 </a:solidFill>
                 <a:latin typeface="Calibri" panose="020F0502020204030204" pitchFamily="34" charset="0"/>
                 <a:cs typeface="Times New Roman" panose="02020603050405020304" pitchFamily="18" charset="0"/>
               </a:rPr>
-              <a:t>	 print(</a:t>
-            </a:r>
-            <a:r>
-              <a:rPr lang="en-US" sz="1600" dirty="0" err="1">
+              <a:t>_,</a:t>
+            </a:r>
+          </a:p>
+          <a:p>
+            <a:pPr marL="114300" indent="0">
+              <a:buNone/>
+            </a:pPr>
+            <a:r>
+              <a:rPr lang="en-US" sz="1800" dirty="0">
                 <a:solidFill>
                   <a:srgbClr val="054C84"/>
                 </a:solidFill>
                 <a:latin typeface="Calibri" panose="020F0502020204030204" pitchFamily="34" charset="0"/>
                 <a:cs typeface="Times New Roman" panose="02020603050405020304" pitchFamily="18" charset="0"/>
               </a:rPr>
-              <a:t>token.tag</a:t>
-            </a:r>
-            <a:r>
-              <a:rPr lang="en-US" sz="1600" dirty="0">
+              <a:t>                          </a:t>
+            </a:r>
+            <a:r>
+              <a:rPr lang="en-US" sz="1800" dirty="0" err="1">
                 <a:solidFill>
                   <a:srgbClr val="054C84"/>
                 </a:solidFill>
                 <a:latin typeface="Calibri" panose="020F0502020204030204" pitchFamily="34" charset="0"/>
                 <a:cs typeface="Times New Roman" panose="02020603050405020304" pitchFamily="18" charset="0"/>
               </a:rPr>
-              <a:t>_)</a:t>
-            </a:r>
-          </a:p>
-          <a:p>
-            <a:pPr marL="114300" indent="0">
-              <a:buNone/>
-            </a:pPr>
-            <a:r>
-              <a:rPr lang="en-US" sz="1600" dirty="0">
+              <a:t>token.is_alpha</a:t>
+            </a:r>
+            <a:r>
+              <a:rPr lang="en-US" sz="1800" dirty="0">
                 <a:solidFill>
                   <a:srgbClr val="054C84"/>
                 </a:solidFill>
                 <a:latin typeface="Calibri" panose="020F0502020204030204" pitchFamily="34" charset="0"/>
                 <a:cs typeface="Times New Roman" panose="02020603050405020304" pitchFamily="18" charset="0"/>
               </a:rPr>
-              <a:t>                  print(</a:t>
-            </a:r>
-            <a:r>
-              <a:rPr lang="en-US" sz="1600" dirty="0" err="1">
+              <a:t>,  </a:t>
+            </a:r>
+            <a:r>
+              <a:rPr lang="en-US" sz="1800" dirty="0" err="1">
                 <a:solidFill>
                   <a:srgbClr val="054C84"/>
                 </a:solidFill>
                 <a:latin typeface="Calibri" panose="020F0502020204030204" pitchFamily="34" charset="0"/>
                 <a:cs typeface="Times New Roman" panose="02020603050405020304" pitchFamily="18" charset="0"/>
               </a:rPr>
-              <a:t>token.is_alpha</a:t>
-            </a:r>
-            <a:r>
-              <a:rPr lang="en-US" sz="1600" dirty="0">
+              <a:t>token.is_stop</a:t>
+            </a:r>
+            <a:r>
+              <a:rPr lang="en-US" sz="1800" dirty="0">
                 <a:solidFill>
                   <a:srgbClr val="054C84"/>
                 </a:solidFill>
                 <a:latin typeface="Calibri" panose="020F0502020204030204" pitchFamily="34" charset="0"/>
                 <a:cs typeface="Times New Roman" panose="02020603050405020304" pitchFamily="18" charset="0"/>
               </a:rPr>
-              <a:t>)</a:t>
+              <a:t> ,</a:t>
             </a:r>
           </a:p>
           <a:p>
@@ -16944,71 +16847,56 @@
               <a:buNone/>
             </a:pPr>
             <a:r>
-              <a:rPr lang="en-US" sz="1600" dirty="0">
+              <a:rPr lang="en-US" sz="1800" dirty="0">
                 <a:solidFill>
                   <a:srgbClr val="054C84"/>
                 </a:solidFill>
                 <a:latin typeface="Calibri" panose="020F0502020204030204" pitchFamily="34" charset="0"/>
                 <a:cs typeface="Times New Roman" panose="02020603050405020304" pitchFamily="18" charset="0"/>
               </a:rPr>
-              <a:t>	 print(</a:t>
-            </a:r>
-            <a:r>
-              <a:rPr lang="en-US" sz="1600" dirty="0" err="1">
+              <a:t>                          </a:t>
+            </a:r>
+            <a:r>
+              <a:rPr lang="en-US" sz="1800" dirty="0" err="1">
                 <a:solidFill>
                   <a:srgbClr val="054C84"/>
                 </a:solidFill>
                 <a:latin typeface="Calibri" panose="020F0502020204030204" pitchFamily="34" charset="0"/>
                 <a:cs typeface="Times New Roman" panose="02020603050405020304" pitchFamily="18" charset="0"/>
               </a:rPr>
-              <a:t>token.is_stop</a:t>
-            </a:r>
-            <a:r>
-              <a:rPr lang="en-US" sz="1600" dirty="0">
+              <a:t>token.shape</a:t>
+            </a:r>
+            <a:r>
+              <a:rPr lang="en-US" sz="1800" dirty="0">
                 <a:solidFill>
                   <a:srgbClr val="054C84"/>
                 </a:solidFill>
                 <a:latin typeface="Calibri" panose="020F0502020204030204" pitchFamily="34" charset="0"/>
                 <a:cs typeface="Times New Roman" panose="02020603050405020304" pitchFamily="18" charset="0"/>
               </a:rPr>
-              <a:t>)</a:t>
-            </a:r>
-          </a:p>
-          <a:p>
-            <a:pPr marL="114300" indent="0">
-              <a:buNone/>
-            </a:pPr>
-            <a:r>
-              <a:rPr lang="en-US" sz="1600" dirty="0">
+              <a:t>, </a:t>
+            </a:r>
+            <a:r>
+              <a:rPr lang="en-US" sz="1800" dirty="0" err="1">
                 <a:solidFill>
                   <a:srgbClr val="054C84"/>
                 </a:solidFill>
                 <a:latin typeface="Calibri" panose="020F0502020204030204" pitchFamily="34" charset="0"/>
                 <a:cs typeface="Times New Roman" panose="02020603050405020304" pitchFamily="18" charset="0"/>
               </a:rPr>
-              <a:t>	 print(</a:t>
-            </a:r>
-            <a:r>
-              <a:rPr lang="en-US" sz="1600" dirty="0" err="1">
+              <a:t>token.lemma</a:t>
+            </a:r>
+            <a:r>
+              <a:rPr lang="en-US" sz="1800" dirty="0">
                 <a:solidFill>
                   <a:srgbClr val="054C84"/>
                 </a:solidFill>
                 <a:latin typeface="Calibri" panose="020F0502020204030204" pitchFamily="34" charset="0"/>
                 <a:cs typeface="Times New Roman" panose="02020603050405020304" pitchFamily="18" charset="0"/>
               </a:rPr>
-              <a:t>token.lemma</a:t>
-            </a:r>
-            <a:r>
-              <a:rPr lang="en-US" sz="1600" dirty="0">
-                <a:solidFill>
-                  <a:srgbClr val="054C84"/>
-                </a:solidFill>
-                <a:latin typeface="Calibri" panose="020F0502020204030204" pitchFamily="34" charset="0"/>
-                <a:cs typeface="Times New Roman" panose="02020603050405020304" pitchFamily="18" charset="0"/>
-              </a:rPr>
               <a:t>_)</a:t>
             </a:r>
-            <a:endParaRPr lang="en-IN" sz="1600" dirty="0">
+            <a:endParaRPr lang="en-IN" sz="1800" dirty="0">
               <a:solidFill>
                 <a:srgbClr val="054C84"/>
               </a:solidFill>
@@ -17020,7 +16908,7 @@
             <a:pPr marL="114300" indent="0">
               <a:buNone/>
             </a:pPr>
-            <a:endParaRPr lang="en-US" sz="1600" dirty="0">
+            <a:endParaRPr lang="en-US" sz="1800" dirty="0">
               <a:latin typeface="Calibri" panose="020F0502020204030204" pitchFamily="34" charset="0"/>
               <a:ea typeface="Calibri" panose="020F0502020204030204" pitchFamily="34" charset="0"/>
               <a:cs typeface="Times New Roman" panose="02020603050405020304" pitchFamily="18" charset="0"/>
@@ -17051,7 +16939,7 @@
           <a:p>
             <a:fld id="{0C62BD34-D5E2-4C87-AA2A-F8D5808875C3}" type="datetime1">
               <a:rPr lang="en-US" smtClean="0"/>
-              <a:t>9/29/23</a:t>
+              <a:t>9/29/2023</a:t>
             </a:fld>
             <a:endParaRPr lang="en-US"/>
           </a:p>
@@ -17123,363 +17011,10 @@
           </a:p>
         </p:txBody>
       </p:sp>
-      <p:sp>
-        <p:nvSpPr>
-          <p:cNvPr id="7" name="TextBox 6">
-            <a:extLst>
-              <a:ext uri="{FF2B5EF4-FFF2-40B4-BE49-F238E27FC236}">
-                <a16:creationId xmlns:a16="http://schemas.microsoft.com/office/drawing/2014/main" id="{F8549C30-C729-F320-63AA-8013E55CE67A}"/>
-              </a:ext>
-            </a:extLst>
-          </p:cNvPr>
-          <p:cNvSpPr txBox="1"/>
-          <p:nvPr/>
-        </p:nvSpPr>
-        <p:spPr>
-          <a:xfrm>
-            <a:off x="3493828" y="3306171"/>
-            <a:ext cx="5936775" cy="2585323"/>
-          </a:xfrm>
-          <a:prstGeom prst="rect">
-            <a:avLst/>
-          </a:prstGeom>
-          <a:solidFill>
-            <a:schemeClr val="bg2"/>
-          </a:solidFill>
-        </p:spPr>
-        <p:txBody>
-          <a:bodyPr wrap="square">
-            <a:spAutoFit/>
-          </a:bodyPr>
-          <a:lstStyle/>
-          <a:p>
-            <a:pPr lvl="1"/>
-            <a:endParaRPr lang="en-US" sz="1800" b="1" dirty="0">
-              <a:solidFill>
-                <a:schemeClr val="bg1"/>
-              </a:solidFill>
-              <a:latin typeface="Calibri" panose="020F0502020204030204" pitchFamily="34" charset="0"/>
-              <a:ea typeface="Calibri" panose="020F0502020204030204" pitchFamily="34" charset="0"/>
-              <a:cs typeface="Times New Roman" panose="02020603050405020304" pitchFamily="18" charset="0"/>
-            </a:endParaRPr>
-          </a:p>
-          <a:p>
-            <a:pPr lvl="1"/>
-            <a:r>
-              <a:rPr lang="en-US" sz="1800" b="1" dirty="0">
-                <a:solidFill>
-                  <a:schemeClr val="bg1"/>
-                </a:solidFill>
-                <a:latin typeface="Calibri" panose="020F0502020204030204" pitchFamily="34" charset="0"/>
-                <a:ea typeface="Calibri" panose="020F0502020204030204" pitchFamily="34" charset="0"/>
-                <a:cs typeface="Times New Roman" panose="02020603050405020304" pitchFamily="18" charset="0"/>
-              </a:rPr>
-              <a:t>pos</a:t>
-            </a:r>
-            <a:r>
-              <a:rPr lang="en-US" sz="1800" dirty="0">
-                <a:solidFill>
-                  <a:schemeClr val="bg1"/>
-                </a:solidFill>
-                <a:effectLst/>
-                <a:latin typeface="Calibri" panose="020F0502020204030204" pitchFamily="34" charset="0"/>
-                <a:ea typeface="Calibri" panose="020F0502020204030204" pitchFamily="34" charset="0"/>
-                <a:cs typeface="Times New Roman" panose="02020603050405020304" pitchFamily="18" charset="0"/>
-              </a:rPr>
-              <a:t>: The simple Part of speech tag based on language</a:t>
-            </a:r>
-            <a:endParaRPr lang="en-IN" sz="1800" dirty="0">
-              <a:solidFill>
-                <a:schemeClr val="bg1"/>
-              </a:solidFill>
-              <a:effectLst/>
-              <a:latin typeface="Calibri" panose="020F0502020204030204" pitchFamily="34" charset="0"/>
-              <a:ea typeface="Calibri" panose="020F0502020204030204" pitchFamily="34" charset="0"/>
-              <a:cs typeface="Times New Roman" panose="02020603050405020304" pitchFamily="18" charset="0"/>
-            </a:endParaRPr>
-          </a:p>
-          <a:p>
-            <a:pPr lvl="1"/>
-            <a:r>
-              <a:rPr lang="en-US" sz="1800" b="1" dirty="0">
-                <a:solidFill>
-                  <a:schemeClr val="bg1"/>
-                </a:solidFill>
-                <a:effectLst/>
-                <a:latin typeface="Calibri" panose="020F0502020204030204" pitchFamily="34" charset="0"/>
-                <a:ea typeface="Calibri" panose="020F0502020204030204" pitchFamily="34" charset="0"/>
-                <a:cs typeface="Times New Roman" panose="02020603050405020304" pitchFamily="18" charset="0"/>
-              </a:rPr>
-              <a:t>dep</a:t>
-            </a:r>
-            <a:r>
-              <a:rPr lang="en-US" sz="1800" dirty="0">
-                <a:solidFill>
-                  <a:schemeClr val="bg1"/>
-                </a:solidFill>
-                <a:effectLst/>
-                <a:latin typeface="Calibri" panose="020F0502020204030204" pitchFamily="34" charset="0"/>
-                <a:ea typeface="Calibri" panose="020F0502020204030204" pitchFamily="34" charset="0"/>
-                <a:cs typeface="Times New Roman" panose="02020603050405020304" pitchFamily="18" charset="0"/>
-              </a:rPr>
-              <a:t>: Syntactic dependency </a:t>
-            </a:r>
-            <a:r>
-              <a:rPr lang="en-US" sz="1800" dirty="0" err="1">
-                <a:solidFill>
-                  <a:schemeClr val="bg1"/>
-                </a:solidFill>
-                <a:effectLst/>
-                <a:latin typeface="Calibri" panose="020F0502020204030204" pitchFamily="34" charset="0"/>
-                <a:ea typeface="Calibri" panose="020F0502020204030204" pitchFamily="34" charset="0"/>
-                <a:cs typeface="Times New Roman" panose="02020603050405020304" pitchFamily="18" charset="0"/>
-              </a:rPr>
-              <a:t>i.e</a:t>
-            </a:r>
-            <a:r>
-              <a:rPr lang="en-US" sz="1800" dirty="0">
-                <a:solidFill>
-                  <a:schemeClr val="bg1"/>
-                </a:solidFill>
-                <a:effectLst/>
-                <a:latin typeface="Calibri" panose="020F0502020204030204" pitchFamily="34" charset="0"/>
-                <a:ea typeface="Calibri" panose="020F0502020204030204" pitchFamily="34" charset="0"/>
-                <a:cs typeface="Times New Roman" panose="02020603050405020304" pitchFamily="18" charset="0"/>
-              </a:rPr>
-              <a:t> relation between tokens</a:t>
-            </a:r>
-            <a:endParaRPr lang="en-IN" sz="1800" dirty="0">
-              <a:solidFill>
-                <a:schemeClr val="bg1"/>
-              </a:solidFill>
-              <a:effectLst/>
-              <a:latin typeface="Calibri" panose="020F0502020204030204" pitchFamily="34" charset="0"/>
-              <a:ea typeface="Calibri" panose="020F0502020204030204" pitchFamily="34" charset="0"/>
-              <a:cs typeface="Times New Roman" panose="02020603050405020304" pitchFamily="18" charset="0"/>
-            </a:endParaRPr>
-          </a:p>
-          <a:p>
-            <a:pPr lvl="1"/>
-            <a:r>
-              <a:rPr lang="en-US" sz="1800" b="1" dirty="0">
-                <a:solidFill>
-                  <a:schemeClr val="bg1"/>
-                </a:solidFill>
-                <a:effectLst/>
-                <a:latin typeface="Calibri" panose="020F0502020204030204" pitchFamily="34" charset="0"/>
-                <a:ea typeface="Calibri" panose="020F0502020204030204" pitchFamily="34" charset="0"/>
-                <a:cs typeface="Times New Roman" panose="02020603050405020304" pitchFamily="18" charset="0"/>
-              </a:rPr>
-              <a:t>tag</a:t>
-            </a:r>
-            <a:r>
-              <a:rPr lang="en-US" sz="1800" dirty="0">
-                <a:solidFill>
-                  <a:schemeClr val="bg1"/>
-                </a:solidFill>
-                <a:effectLst/>
-                <a:latin typeface="Calibri" panose="020F0502020204030204" pitchFamily="34" charset="0"/>
-                <a:ea typeface="Calibri" panose="020F0502020204030204" pitchFamily="34" charset="0"/>
-                <a:cs typeface="Times New Roman" panose="02020603050405020304" pitchFamily="18" charset="0"/>
-              </a:rPr>
-              <a:t>: The detailed part-of-speech tag</a:t>
-            </a:r>
-            <a:endParaRPr lang="en-IN" sz="1800" dirty="0">
-              <a:solidFill>
-                <a:schemeClr val="bg1"/>
-              </a:solidFill>
-              <a:effectLst/>
-              <a:latin typeface="Calibri" panose="020F0502020204030204" pitchFamily="34" charset="0"/>
-              <a:ea typeface="Calibri" panose="020F0502020204030204" pitchFamily="34" charset="0"/>
-              <a:cs typeface="Times New Roman" panose="02020603050405020304" pitchFamily="18" charset="0"/>
-            </a:endParaRPr>
-          </a:p>
-          <a:p>
-            <a:pPr lvl="1"/>
-            <a:r>
-              <a:rPr lang="en-US" sz="1800" b="1" dirty="0">
-                <a:solidFill>
-                  <a:schemeClr val="bg1"/>
-                </a:solidFill>
-                <a:effectLst/>
-                <a:latin typeface="Calibri" panose="020F0502020204030204" pitchFamily="34" charset="0"/>
-                <a:ea typeface="Calibri" panose="020F0502020204030204" pitchFamily="34" charset="0"/>
-                <a:cs typeface="Times New Roman" panose="02020603050405020304" pitchFamily="18" charset="0"/>
-              </a:rPr>
-              <a:t>shape</a:t>
-            </a:r>
-            <a:r>
-              <a:rPr lang="en-US" sz="1800" dirty="0">
-                <a:solidFill>
-                  <a:schemeClr val="bg1"/>
-                </a:solidFill>
-                <a:effectLst/>
-                <a:latin typeface="Calibri" panose="020F0502020204030204" pitchFamily="34" charset="0"/>
-                <a:ea typeface="Calibri" panose="020F0502020204030204" pitchFamily="34" charset="0"/>
-                <a:cs typeface="Times New Roman" panose="02020603050405020304" pitchFamily="18" charset="0"/>
-              </a:rPr>
-              <a:t>: The word shape – capitalization, punctuation, digits.</a:t>
-            </a:r>
-            <a:endParaRPr lang="en-IN" sz="1800" dirty="0">
-              <a:solidFill>
-                <a:schemeClr val="bg1"/>
-              </a:solidFill>
-              <a:effectLst/>
-              <a:latin typeface="Calibri" panose="020F0502020204030204" pitchFamily="34" charset="0"/>
-              <a:ea typeface="Calibri" panose="020F0502020204030204" pitchFamily="34" charset="0"/>
-              <a:cs typeface="Times New Roman" panose="02020603050405020304" pitchFamily="18" charset="0"/>
-            </a:endParaRPr>
-          </a:p>
-          <a:p>
-            <a:pPr lvl="1"/>
-            <a:r>
-              <a:rPr lang="en-US" sz="1800" b="1" dirty="0">
-                <a:solidFill>
-                  <a:schemeClr val="bg1"/>
-                </a:solidFill>
-                <a:latin typeface="Calibri" panose="020F0502020204030204" pitchFamily="34" charset="0"/>
-                <a:ea typeface="Calibri" panose="020F0502020204030204" pitchFamily="34" charset="0"/>
-                <a:cs typeface="Times New Roman" panose="02020603050405020304" pitchFamily="18" charset="0"/>
-              </a:rPr>
-              <a:t>i</a:t>
-            </a:r>
-            <a:r>
-              <a:rPr lang="en-US" sz="1800" b="1" dirty="0">
-                <a:solidFill>
-                  <a:schemeClr val="bg1"/>
-                </a:solidFill>
-                <a:effectLst/>
-                <a:latin typeface="Calibri" panose="020F0502020204030204" pitchFamily="34" charset="0"/>
-                <a:ea typeface="Calibri" panose="020F0502020204030204" pitchFamily="34" charset="0"/>
-                <a:cs typeface="Times New Roman" panose="02020603050405020304" pitchFamily="18" charset="0"/>
-              </a:rPr>
-              <a:t>s alpha </a:t>
-            </a:r>
-            <a:r>
-              <a:rPr lang="en-US" sz="1800" dirty="0">
-                <a:solidFill>
-                  <a:schemeClr val="bg1"/>
-                </a:solidFill>
-                <a:effectLst/>
-                <a:latin typeface="Calibri" panose="020F0502020204030204" pitchFamily="34" charset="0"/>
-                <a:ea typeface="Calibri" panose="020F0502020204030204" pitchFamily="34" charset="0"/>
-                <a:cs typeface="Times New Roman" panose="02020603050405020304" pitchFamily="18" charset="0"/>
-              </a:rPr>
-              <a:t>: is the token an alpha character?</a:t>
-            </a:r>
-            <a:endParaRPr lang="en-IN" sz="1800" dirty="0">
-              <a:solidFill>
-                <a:schemeClr val="bg1"/>
-              </a:solidFill>
-              <a:effectLst/>
-              <a:latin typeface="Calibri" panose="020F0502020204030204" pitchFamily="34" charset="0"/>
-              <a:ea typeface="Calibri" panose="020F0502020204030204" pitchFamily="34" charset="0"/>
-              <a:cs typeface="Times New Roman" panose="02020603050405020304" pitchFamily="18" charset="0"/>
-            </a:endParaRPr>
-          </a:p>
-          <a:p>
-            <a:pPr lvl="1"/>
-            <a:r>
-              <a:rPr lang="en-US" sz="1800" b="1" dirty="0">
-                <a:solidFill>
-                  <a:schemeClr val="bg1"/>
-                </a:solidFill>
-                <a:latin typeface="Calibri" panose="020F0502020204030204" pitchFamily="34" charset="0"/>
-                <a:ea typeface="Calibri" panose="020F0502020204030204" pitchFamily="34" charset="0"/>
-                <a:cs typeface="Times New Roman" panose="02020603050405020304" pitchFamily="18" charset="0"/>
-              </a:rPr>
-              <a:t>i</a:t>
-            </a:r>
-            <a:r>
-              <a:rPr lang="en-US" sz="1800" b="1" dirty="0">
-                <a:solidFill>
-                  <a:schemeClr val="bg1"/>
-                </a:solidFill>
-                <a:effectLst/>
-                <a:latin typeface="Calibri" panose="020F0502020204030204" pitchFamily="34" charset="0"/>
-                <a:ea typeface="Calibri" panose="020F0502020204030204" pitchFamily="34" charset="0"/>
-                <a:cs typeface="Times New Roman" panose="02020603050405020304" pitchFamily="18" charset="0"/>
-              </a:rPr>
-              <a:t>s stop</a:t>
-            </a:r>
-            <a:r>
-              <a:rPr lang="en-US" sz="1800" dirty="0">
-                <a:solidFill>
-                  <a:schemeClr val="bg1"/>
-                </a:solidFill>
-                <a:effectLst/>
-                <a:latin typeface="Calibri" panose="020F0502020204030204" pitchFamily="34" charset="0"/>
-                <a:ea typeface="Calibri" panose="020F0502020204030204" pitchFamily="34" charset="0"/>
-                <a:cs typeface="Times New Roman" panose="02020603050405020304" pitchFamily="18" charset="0"/>
-              </a:rPr>
-              <a:t>: is the token part of a stop words list.</a:t>
-            </a:r>
-            <a:endParaRPr lang="en-IN" sz="1800" dirty="0">
-              <a:solidFill>
-                <a:schemeClr val="bg1"/>
-              </a:solidFill>
-              <a:effectLst/>
-              <a:latin typeface="Calibri" panose="020F0502020204030204" pitchFamily="34" charset="0"/>
-              <a:ea typeface="Calibri" panose="020F0502020204030204" pitchFamily="34" charset="0"/>
-              <a:cs typeface="Times New Roman" panose="02020603050405020304" pitchFamily="18" charset="0"/>
-            </a:endParaRPr>
-          </a:p>
-          <a:p>
-            <a:pPr lvl="1"/>
-            <a:r>
-              <a:rPr lang="en-US" sz="1800" b="1" dirty="0">
-                <a:solidFill>
-                  <a:schemeClr val="bg1"/>
-                </a:solidFill>
-                <a:latin typeface="Calibri" panose="020F0502020204030204" pitchFamily="34" charset="0"/>
-                <a:ea typeface="Calibri" panose="020F0502020204030204" pitchFamily="34" charset="0"/>
-                <a:cs typeface="Times New Roman" panose="02020603050405020304" pitchFamily="18" charset="0"/>
-              </a:rPr>
-              <a:t>l</a:t>
-            </a:r>
-            <a:r>
-              <a:rPr lang="en-US" sz="1800" b="1" dirty="0">
-                <a:solidFill>
-                  <a:schemeClr val="bg1"/>
-                </a:solidFill>
-                <a:effectLst/>
-                <a:latin typeface="Calibri" panose="020F0502020204030204" pitchFamily="34" charset="0"/>
-                <a:ea typeface="Calibri" panose="020F0502020204030204" pitchFamily="34" charset="0"/>
-                <a:cs typeface="Times New Roman" panose="02020603050405020304" pitchFamily="18" charset="0"/>
-              </a:rPr>
-              <a:t>emma</a:t>
-            </a:r>
-            <a:r>
-              <a:rPr lang="en-US" sz="1800" dirty="0">
-                <a:solidFill>
-                  <a:schemeClr val="bg1"/>
-                </a:solidFill>
-                <a:effectLst/>
-                <a:latin typeface="Calibri" panose="020F0502020204030204" pitchFamily="34" charset="0"/>
-                <a:ea typeface="Calibri" panose="020F0502020204030204" pitchFamily="34" charset="0"/>
-                <a:cs typeface="Times New Roman" panose="02020603050405020304" pitchFamily="18" charset="0"/>
-              </a:rPr>
-              <a:t>: the base form of the word.</a:t>
-            </a:r>
-          </a:p>
-          <a:p>
-            <a:pPr lvl="1"/>
-            <a:endParaRPr lang="en-US" sz="1800" dirty="0">
-              <a:solidFill>
-                <a:schemeClr val="bg1"/>
-              </a:solidFill>
-              <a:effectLst/>
-              <a:latin typeface="Calibri" panose="020F0502020204030204" pitchFamily="34" charset="0"/>
-              <a:ea typeface="Calibri" panose="020F0502020204030204" pitchFamily="34" charset="0"/>
-              <a:cs typeface="Times New Roman" panose="02020603050405020304" pitchFamily="18" charset="0"/>
-            </a:endParaRPr>
-          </a:p>
-        </p:txBody>
-      </p:sp>
     </p:spTree>
     <p:extLst>
       <p:ext uri="{BB962C8B-B14F-4D97-AF65-F5344CB8AC3E}">
-        <p14:creationId xmlns:p14="http://schemas.microsoft.com/office/powerpoint/2010/main" val="58289629"/>
+        <p14:creationId xmlns:p14="http://schemas.microsoft.com/office/powerpoint/2010/main" val="3341720833"/>
       </p:ext>
     </p:extLst>
   </p:cSld>
@@ -17539,6 +17074,465 @@
       </p:sp>
       <p:sp>
         <p:nvSpPr>
+          <p:cNvPr id="3" name="Text Placeholder 2">
+            <a:extLst>
+              <a:ext uri="{FF2B5EF4-FFF2-40B4-BE49-F238E27FC236}">
+                <a16:creationId xmlns:a16="http://schemas.microsoft.com/office/drawing/2014/main" id="{7F8F2A5C-1157-A1D4-9D9F-D8A8B9C22C1D}"/>
+              </a:ext>
+            </a:extLst>
+          </p:cNvPr>
+          <p:cNvSpPr>
+            <a:spLocks noGrp="1"/>
+          </p:cNvSpPr>
+          <p:nvPr>
+            <p:ph type="body" idx="1"/>
+          </p:nvPr>
+        </p:nvSpPr>
+        <p:spPr/>
+        <p:txBody>
+          <a:bodyPr/>
+          <a:lstStyle/>
+          <a:p>
+            <a:pPr marL="114300" indent="0">
+              <a:buNone/>
+            </a:pPr>
+            <a:r>
+              <a:rPr lang="en-US" sz="1600" dirty="0">
+                <a:solidFill>
+                  <a:srgbClr val="054C84"/>
+                </a:solidFill>
+                <a:latin typeface="Calibri" panose="020F0502020204030204" pitchFamily="34" charset="0"/>
+                <a:cs typeface="Times New Roman" panose="02020603050405020304" pitchFamily="18" charset="0"/>
+              </a:rPr>
+              <a:t>import spacy</a:t>
+            </a:r>
+            <a:endParaRPr lang="en-IN" sz="1600" dirty="0">
+              <a:solidFill>
+                <a:srgbClr val="054C84"/>
+              </a:solidFill>
+              <a:latin typeface="Calibri" panose="020F0502020204030204" pitchFamily="34" charset="0"/>
+              <a:cs typeface="Times New Roman" panose="02020603050405020304" pitchFamily="18" charset="0"/>
+            </a:endParaRPr>
+          </a:p>
+          <a:p>
+            <a:pPr marL="114300" indent="0">
+              <a:buNone/>
+            </a:pPr>
+            <a:r>
+              <a:rPr lang="en-US" sz="1600" dirty="0" err="1">
+                <a:solidFill>
+                  <a:srgbClr val="054C84"/>
+                </a:solidFill>
+                <a:latin typeface="Calibri" panose="020F0502020204030204" pitchFamily="34" charset="0"/>
+                <a:cs typeface="Times New Roman" panose="02020603050405020304" pitchFamily="18" charset="0"/>
+              </a:rPr>
+              <a:t>text_engine</a:t>
+            </a:r>
+            <a:r>
+              <a:rPr lang="en-US" sz="1600" dirty="0">
+                <a:solidFill>
+                  <a:srgbClr val="054C84"/>
+                </a:solidFill>
+                <a:latin typeface="Calibri" panose="020F0502020204030204" pitchFamily="34" charset="0"/>
+                <a:cs typeface="Times New Roman" panose="02020603050405020304" pitchFamily="18" charset="0"/>
+              </a:rPr>
+              <a:t> = </a:t>
+            </a:r>
+            <a:r>
+              <a:rPr lang="en-US" sz="1600" dirty="0" err="1">
+                <a:solidFill>
+                  <a:srgbClr val="054C84"/>
+                </a:solidFill>
+                <a:latin typeface="Calibri" panose="020F0502020204030204" pitchFamily="34" charset="0"/>
+                <a:cs typeface="Times New Roman" panose="02020603050405020304" pitchFamily="18" charset="0"/>
+              </a:rPr>
+              <a:t>spacy.load</a:t>
+            </a:r>
+            <a:r>
+              <a:rPr lang="en-US" sz="1600" dirty="0">
+                <a:solidFill>
+                  <a:srgbClr val="054C84"/>
+                </a:solidFill>
+                <a:latin typeface="Calibri" panose="020F0502020204030204" pitchFamily="34" charset="0"/>
+                <a:cs typeface="Times New Roman" panose="02020603050405020304" pitchFamily="18" charset="0"/>
+              </a:rPr>
+              <a:t>("</a:t>
+            </a:r>
+            <a:r>
+              <a:rPr lang="en-US" sz="1600" dirty="0" err="1">
+                <a:solidFill>
+                  <a:srgbClr val="054C84"/>
+                </a:solidFill>
+                <a:latin typeface="Calibri" panose="020F0502020204030204" pitchFamily="34" charset="0"/>
+                <a:cs typeface="Times New Roman" panose="02020603050405020304" pitchFamily="18" charset="0"/>
+              </a:rPr>
+              <a:t>en_core_web_sm</a:t>
+            </a:r>
+            <a:r>
+              <a:rPr lang="en-US" sz="1600" dirty="0">
+                <a:solidFill>
+                  <a:srgbClr val="054C84"/>
+                </a:solidFill>
+                <a:latin typeface="Calibri" panose="020F0502020204030204" pitchFamily="34" charset="0"/>
+                <a:cs typeface="Times New Roman" panose="02020603050405020304" pitchFamily="18" charset="0"/>
+              </a:rPr>
+              <a:t>")</a:t>
+            </a:r>
+            <a:endParaRPr lang="en-IN" sz="1600" dirty="0">
+              <a:solidFill>
+                <a:srgbClr val="054C84"/>
+              </a:solidFill>
+              <a:latin typeface="Calibri" panose="020F0502020204030204" pitchFamily="34" charset="0"/>
+              <a:cs typeface="Times New Roman" panose="02020603050405020304" pitchFamily="18" charset="0"/>
+            </a:endParaRPr>
+          </a:p>
+          <a:p>
+            <a:pPr marL="114300" indent="0">
+              <a:buNone/>
+            </a:pPr>
+            <a:endParaRPr lang="en-IN" sz="1600" dirty="0">
+              <a:solidFill>
+                <a:srgbClr val="054C84"/>
+              </a:solidFill>
+              <a:latin typeface="Calibri" panose="020F0502020204030204" pitchFamily="34" charset="0"/>
+              <a:cs typeface="Times New Roman" panose="02020603050405020304" pitchFamily="18" charset="0"/>
+            </a:endParaRPr>
+          </a:p>
+          <a:p>
+            <a:pPr marL="114300" indent="0">
+              <a:buNone/>
+            </a:pPr>
+            <a:r>
+              <a:rPr lang="en-US" sz="1600" dirty="0">
+                <a:solidFill>
+                  <a:srgbClr val="054C84"/>
+                </a:solidFill>
+                <a:latin typeface="Calibri" panose="020F0502020204030204" pitchFamily="34" charset="0"/>
+                <a:cs typeface="Times New Roman" panose="02020603050405020304" pitchFamily="18" charset="0"/>
+              </a:rPr>
+              <a:t>doc = </a:t>
+            </a:r>
+            <a:r>
+              <a:rPr lang="en-US" sz="1600" dirty="0" err="1">
+                <a:solidFill>
+                  <a:srgbClr val="054C84"/>
+                </a:solidFill>
+                <a:latin typeface="Calibri" panose="020F0502020204030204" pitchFamily="34" charset="0"/>
+                <a:cs typeface="Times New Roman" panose="02020603050405020304" pitchFamily="18" charset="0"/>
+              </a:rPr>
+              <a:t>text_engine</a:t>
+            </a:r>
+            <a:r>
+              <a:rPr lang="en-US" sz="1600" dirty="0">
+                <a:solidFill>
+                  <a:srgbClr val="054C84"/>
+                </a:solidFill>
+                <a:latin typeface="Calibri" panose="020F0502020204030204" pitchFamily="34" charset="0"/>
+                <a:cs typeface="Times New Roman" panose="02020603050405020304" pitchFamily="18" charset="0"/>
+              </a:rPr>
+              <a:t>("Apple is looking to buying U.K. startup for $1 billion.")</a:t>
+            </a:r>
+          </a:p>
+          <a:p>
+            <a:pPr marL="114300" indent="0">
+              <a:buNone/>
+            </a:pPr>
+            <a:endParaRPr lang="en-IN" sz="1600" dirty="0">
+              <a:solidFill>
+                <a:srgbClr val="054C84"/>
+              </a:solidFill>
+              <a:latin typeface="Calibri" panose="020F0502020204030204" pitchFamily="34" charset="0"/>
+              <a:cs typeface="Times New Roman" panose="02020603050405020304" pitchFamily="18" charset="0"/>
+            </a:endParaRPr>
+          </a:p>
+          <a:p>
+            <a:pPr marL="114300" indent="0">
+              <a:buNone/>
+            </a:pPr>
+            <a:r>
+              <a:rPr lang="en-US" sz="1600" dirty="0">
+                <a:solidFill>
+                  <a:srgbClr val="054C84"/>
+                </a:solidFill>
+                <a:latin typeface="Calibri" panose="020F0502020204030204" pitchFamily="34" charset="0"/>
+                <a:cs typeface="Times New Roman" panose="02020603050405020304" pitchFamily="18" charset="0"/>
+              </a:rPr>
+              <a:t>for token in doc:</a:t>
+            </a:r>
+            <a:endParaRPr lang="en-IN" sz="1600" dirty="0">
+              <a:solidFill>
+                <a:srgbClr val="054C84"/>
+              </a:solidFill>
+              <a:latin typeface="Calibri" panose="020F0502020204030204" pitchFamily="34" charset="0"/>
+              <a:cs typeface="Times New Roman" panose="02020603050405020304" pitchFamily="18" charset="0"/>
+            </a:endParaRPr>
+          </a:p>
+          <a:p>
+            <a:pPr marL="114300" indent="0">
+              <a:buNone/>
+            </a:pPr>
+            <a:r>
+              <a:rPr lang="en-US" sz="1600" dirty="0">
+                <a:solidFill>
+                  <a:srgbClr val="054C84"/>
+                </a:solidFill>
+                <a:latin typeface="Calibri" panose="020F0502020204030204" pitchFamily="34" charset="0"/>
+                <a:cs typeface="Times New Roman" panose="02020603050405020304" pitchFamily="18" charset="0"/>
+              </a:rPr>
+              <a:t>	 print(</a:t>
+            </a:r>
+            <a:r>
+              <a:rPr lang="en-US" sz="1600" dirty="0" err="1">
+                <a:solidFill>
+                  <a:srgbClr val="054C84"/>
+                </a:solidFill>
+                <a:latin typeface="Calibri" panose="020F0502020204030204" pitchFamily="34" charset="0"/>
+                <a:cs typeface="Times New Roman" panose="02020603050405020304" pitchFamily="18" charset="0"/>
+              </a:rPr>
+              <a:t>token.text</a:t>
+            </a:r>
+            <a:r>
+              <a:rPr lang="en-US" sz="1600" dirty="0">
+                <a:solidFill>
+                  <a:srgbClr val="054C84"/>
+                </a:solidFill>
+                <a:latin typeface="Calibri" panose="020F0502020204030204" pitchFamily="34" charset="0"/>
+                <a:cs typeface="Times New Roman" panose="02020603050405020304" pitchFamily="18" charset="0"/>
+              </a:rPr>
+              <a:t>)</a:t>
+            </a:r>
+          </a:p>
+          <a:p>
+            <a:pPr marL="114300" indent="0">
+              <a:buNone/>
+            </a:pPr>
+            <a:r>
+              <a:rPr lang="en-US" sz="1600" dirty="0">
+                <a:solidFill>
+                  <a:srgbClr val="054C84"/>
+                </a:solidFill>
+                <a:latin typeface="Calibri" panose="020F0502020204030204" pitchFamily="34" charset="0"/>
+                <a:cs typeface="Times New Roman" panose="02020603050405020304" pitchFamily="18" charset="0"/>
+              </a:rPr>
+              <a:t>	 print(</a:t>
+            </a:r>
+            <a:r>
+              <a:rPr lang="en-US" sz="1600" dirty="0" err="1">
+                <a:solidFill>
+                  <a:srgbClr val="054C84"/>
+                </a:solidFill>
+                <a:latin typeface="Calibri" panose="020F0502020204030204" pitchFamily="34" charset="0"/>
+                <a:cs typeface="Times New Roman" panose="02020603050405020304" pitchFamily="18" charset="0"/>
+              </a:rPr>
+              <a:t>token.pos</a:t>
+            </a:r>
+            <a:r>
+              <a:rPr lang="en-US" sz="1600" dirty="0">
+                <a:solidFill>
+                  <a:srgbClr val="054C84"/>
+                </a:solidFill>
+                <a:latin typeface="Calibri" panose="020F0502020204030204" pitchFamily="34" charset="0"/>
+                <a:cs typeface="Times New Roman" panose="02020603050405020304" pitchFamily="18" charset="0"/>
+              </a:rPr>
+              <a:t>_)</a:t>
+            </a:r>
+          </a:p>
+          <a:p>
+            <a:pPr marL="114300" indent="0">
+              <a:buNone/>
+            </a:pPr>
+            <a:r>
+              <a:rPr lang="en-US" sz="1600" dirty="0">
+                <a:solidFill>
+                  <a:srgbClr val="054C84"/>
+                </a:solidFill>
+                <a:latin typeface="Calibri" panose="020F0502020204030204" pitchFamily="34" charset="0"/>
+                <a:cs typeface="Times New Roman" panose="02020603050405020304" pitchFamily="18" charset="0"/>
+              </a:rPr>
+              <a:t>	 print(</a:t>
+            </a:r>
+            <a:r>
+              <a:rPr lang="en-US" sz="1600" dirty="0" err="1">
+                <a:solidFill>
+                  <a:srgbClr val="054C84"/>
+                </a:solidFill>
+                <a:latin typeface="Calibri" panose="020F0502020204030204" pitchFamily="34" charset="0"/>
+                <a:cs typeface="Times New Roman" panose="02020603050405020304" pitchFamily="18" charset="0"/>
+              </a:rPr>
+              <a:t>token.dep</a:t>
+            </a:r>
+            <a:r>
+              <a:rPr lang="en-US" sz="1600" dirty="0">
+                <a:solidFill>
+                  <a:srgbClr val="054C84"/>
+                </a:solidFill>
+                <a:latin typeface="Calibri" panose="020F0502020204030204" pitchFamily="34" charset="0"/>
+                <a:cs typeface="Times New Roman" panose="02020603050405020304" pitchFamily="18" charset="0"/>
+              </a:rPr>
+              <a:t>_)</a:t>
+            </a:r>
+          </a:p>
+          <a:p>
+            <a:pPr marL="114300" indent="0">
+              <a:buNone/>
+            </a:pPr>
+            <a:r>
+              <a:rPr lang="en-US" sz="1600" dirty="0">
+                <a:solidFill>
+                  <a:srgbClr val="054C84"/>
+                </a:solidFill>
+                <a:latin typeface="Calibri" panose="020F0502020204030204" pitchFamily="34" charset="0"/>
+                <a:cs typeface="Times New Roman" panose="02020603050405020304" pitchFamily="18" charset="0"/>
+              </a:rPr>
+              <a:t>	 print(</a:t>
+            </a:r>
+            <a:r>
+              <a:rPr lang="en-US" sz="1600" dirty="0" err="1">
+                <a:solidFill>
+                  <a:srgbClr val="054C84"/>
+                </a:solidFill>
+                <a:latin typeface="Calibri" panose="020F0502020204030204" pitchFamily="34" charset="0"/>
+                <a:cs typeface="Times New Roman" panose="02020603050405020304" pitchFamily="18" charset="0"/>
+              </a:rPr>
+              <a:t>token.tag</a:t>
+            </a:r>
+            <a:r>
+              <a:rPr lang="en-US" sz="1600" dirty="0">
+                <a:solidFill>
+                  <a:srgbClr val="054C84"/>
+                </a:solidFill>
+                <a:latin typeface="Calibri" panose="020F0502020204030204" pitchFamily="34" charset="0"/>
+                <a:cs typeface="Times New Roman" panose="02020603050405020304" pitchFamily="18" charset="0"/>
+              </a:rPr>
+              <a:t>_)</a:t>
+            </a:r>
+          </a:p>
+          <a:p>
+            <a:pPr marL="114300" indent="0">
+              <a:buNone/>
+            </a:pPr>
+            <a:r>
+              <a:rPr lang="en-US" sz="1600" dirty="0">
+                <a:solidFill>
+                  <a:srgbClr val="054C84"/>
+                </a:solidFill>
+                <a:latin typeface="Calibri" panose="020F0502020204030204" pitchFamily="34" charset="0"/>
+                <a:cs typeface="Times New Roman" panose="02020603050405020304" pitchFamily="18" charset="0"/>
+              </a:rPr>
+              <a:t>                  print(</a:t>
+            </a:r>
+            <a:r>
+              <a:rPr lang="en-US" sz="1600" dirty="0" err="1">
+                <a:solidFill>
+                  <a:srgbClr val="054C84"/>
+                </a:solidFill>
+                <a:latin typeface="Calibri" panose="020F0502020204030204" pitchFamily="34" charset="0"/>
+                <a:cs typeface="Times New Roman" panose="02020603050405020304" pitchFamily="18" charset="0"/>
+              </a:rPr>
+              <a:t>token.is_alpha</a:t>
+            </a:r>
+            <a:r>
+              <a:rPr lang="en-US" sz="1600" dirty="0">
+                <a:solidFill>
+                  <a:srgbClr val="054C84"/>
+                </a:solidFill>
+                <a:latin typeface="Calibri" panose="020F0502020204030204" pitchFamily="34" charset="0"/>
+                <a:cs typeface="Times New Roman" panose="02020603050405020304" pitchFamily="18" charset="0"/>
+              </a:rPr>
+              <a:t>)</a:t>
+            </a:r>
+          </a:p>
+          <a:p>
+            <a:pPr marL="114300" indent="0">
+              <a:buNone/>
+            </a:pPr>
+            <a:r>
+              <a:rPr lang="en-US" sz="1600" dirty="0">
+                <a:solidFill>
+                  <a:srgbClr val="054C84"/>
+                </a:solidFill>
+                <a:latin typeface="Calibri" panose="020F0502020204030204" pitchFamily="34" charset="0"/>
+                <a:cs typeface="Times New Roman" panose="02020603050405020304" pitchFamily="18" charset="0"/>
+              </a:rPr>
+              <a:t>	 print(</a:t>
+            </a:r>
+            <a:r>
+              <a:rPr lang="en-US" sz="1600" dirty="0" err="1">
+                <a:solidFill>
+                  <a:srgbClr val="054C84"/>
+                </a:solidFill>
+                <a:latin typeface="Calibri" panose="020F0502020204030204" pitchFamily="34" charset="0"/>
+                <a:cs typeface="Times New Roman" panose="02020603050405020304" pitchFamily="18" charset="0"/>
+              </a:rPr>
+              <a:t>token.is_stop</a:t>
+            </a:r>
+            <a:r>
+              <a:rPr lang="en-US" sz="1600" dirty="0">
+                <a:solidFill>
+                  <a:srgbClr val="054C84"/>
+                </a:solidFill>
+                <a:latin typeface="Calibri" panose="020F0502020204030204" pitchFamily="34" charset="0"/>
+                <a:cs typeface="Times New Roman" panose="02020603050405020304" pitchFamily="18" charset="0"/>
+              </a:rPr>
+              <a:t>)</a:t>
+            </a:r>
+          </a:p>
+          <a:p>
+            <a:pPr marL="114300" indent="0">
+              <a:buNone/>
+            </a:pPr>
+            <a:r>
+              <a:rPr lang="en-US" sz="1600" dirty="0">
+                <a:solidFill>
+                  <a:srgbClr val="054C84"/>
+                </a:solidFill>
+                <a:latin typeface="Calibri" panose="020F0502020204030204" pitchFamily="34" charset="0"/>
+                <a:cs typeface="Times New Roman" panose="02020603050405020304" pitchFamily="18" charset="0"/>
+              </a:rPr>
+              <a:t>	 print(</a:t>
+            </a:r>
+            <a:r>
+              <a:rPr lang="en-US" sz="1600" dirty="0" err="1">
+                <a:solidFill>
+                  <a:srgbClr val="054C84"/>
+                </a:solidFill>
+                <a:latin typeface="Calibri" panose="020F0502020204030204" pitchFamily="34" charset="0"/>
+                <a:cs typeface="Times New Roman" panose="02020603050405020304" pitchFamily="18" charset="0"/>
+              </a:rPr>
+              <a:t>token.lemma</a:t>
+            </a:r>
+            <a:r>
+              <a:rPr lang="en-US" sz="1600" dirty="0">
+                <a:solidFill>
+                  <a:srgbClr val="054C84"/>
+                </a:solidFill>
+                <a:latin typeface="Calibri" panose="020F0502020204030204" pitchFamily="34" charset="0"/>
+                <a:cs typeface="Times New Roman" panose="02020603050405020304" pitchFamily="18" charset="0"/>
+              </a:rPr>
+              <a:t>_)</a:t>
+            </a:r>
+            <a:endParaRPr lang="en-IN" sz="1600" dirty="0">
+              <a:solidFill>
+                <a:srgbClr val="054C84"/>
+              </a:solidFill>
+              <a:latin typeface="Calibri" panose="020F0502020204030204" pitchFamily="34" charset="0"/>
+              <a:cs typeface="Times New Roman" panose="02020603050405020304" pitchFamily="18" charset="0"/>
+            </a:endParaRPr>
+          </a:p>
+          <a:p>
+            <a:pPr marL="114300" indent="0">
+              <a:buNone/>
+            </a:pPr>
+            <a:endParaRPr lang="en-US" sz="1600" dirty="0">
+              <a:latin typeface="Calibri" panose="020F0502020204030204" pitchFamily="34" charset="0"/>
+              <a:ea typeface="Calibri" panose="020F0502020204030204" pitchFamily="34" charset="0"/>
+              <a:cs typeface="Times New Roman" panose="02020603050405020304" pitchFamily="18" charset="0"/>
+            </a:endParaRPr>
+          </a:p>
+        </p:txBody>
+      </p:sp>
+      <p:sp>
+        <p:nvSpPr>
           <p:cNvPr id="4" name="Date Placeholder 3">
             <a:extLst>
               <a:ext uri="{FF2B5EF4-FFF2-40B4-BE49-F238E27FC236}">
@@ -17560,7 +17554,7 @@
           <a:p>
             <a:fld id="{0C62BD34-D5E2-4C87-AA2A-F8D5808875C3}" type="datetime1">
               <a:rPr lang="en-US" smtClean="0"/>
-              <a:t>9/29/23</a:t>
+              <a:t>9/29/2023</a:t>
             </a:fld>
             <a:endParaRPr lang="en-US"/>
           </a:p>
@@ -17632,40 +17626,363 @@
           </a:p>
         </p:txBody>
       </p:sp>
-      <p:pic>
-        <p:nvPicPr>
-          <p:cNvPr id="10" name="Picture 9">
+      <p:sp>
+        <p:nvSpPr>
+          <p:cNvPr id="7" name="TextBox 6">
             <a:extLst>
               <a:ext uri="{FF2B5EF4-FFF2-40B4-BE49-F238E27FC236}">
-                <a16:creationId xmlns:a16="http://schemas.microsoft.com/office/drawing/2014/main" id="{275D11A1-FEDA-87D0-A470-A5ACCDC8921E}"/>
+                <a16:creationId xmlns:a16="http://schemas.microsoft.com/office/drawing/2014/main" id="{F8549C30-C729-F320-63AA-8013E55CE67A}"/>
               </a:ext>
             </a:extLst>
           </p:cNvPr>
-          <p:cNvPicPr>
-            <a:picLocks noChangeAspect="1"/>
-          </p:cNvPicPr>
+          <p:cNvSpPr txBox="1"/>
           <p:nvPr/>
-        </p:nvPicPr>
-        <p:blipFill>
-          <a:blip r:embed="rId2"/>
-          <a:stretch>
-            <a:fillRect/>
-          </a:stretch>
-        </p:blipFill>
+        </p:nvSpPr>
         <p:spPr>
           <a:xfrm>
-            <a:off x="457200" y="1360529"/>
-            <a:ext cx="8229600" cy="5530057"/>
+            <a:off x="3493828" y="3306171"/>
+            <a:ext cx="5936775" cy="2585323"/>
           </a:xfrm>
           <a:prstGeom prst="rect">
             <a:avLst/>
           </a:prstGeom>
+          <a:solidFill>
+            <a:schemeClr val="bg2"/>
+          </a:solidFill>
         </p:spPr>
-      </p:pic>
+        <p:txBody>
+          <a:bodyPr wrap="square">
+            <a:spAutoFit/>
+          </a:bodyPr>
+          <a:lstStyle/>
+          <a:p>
+            <a:pPr lvl="1"/>
+            <a:endParaRPr lang="en-US" sz="1800" b="1" dirty="0">
+              <a:solidFill>
+                <a:schemeClr val="bg1"/>
+              </a:solidFill>
+              <a:latin typeface="Calibri" panose="020F0502020204030204" pitchFamily="34" charset="0"/>
+              <a:ea typeface="Calibri" panose="020F0502020204030204" pitchFamily="34" charset="0"/>
+              <a:cs typeface="Times New Roman" panose="02020603050405020304" pitchFamily="18" charset="0"/>
+            </a:endParaRPr>
+          </a:p>
+          <a:p>
+            <a:pPr lvl="1"/>
+            <a:r>
+              <a:rPr lang="en-US" sz="1800" b="1" dirty="0">
+                <a:solidFill>
+                  <a:schemeClr val="bg1"/>
+                </a:solidFill>
+                <a:latin typeface="Calibri" panose="020F0502020204030204" pitchFamily="34" charset="0"/>
+                <a:ea typeface="Calibri" panose="020F0502020204030204" pitchFamily="34" charset="0"/>
+                <a:cs typeface="Times New Roman" panose="02020603050405020304" pitchFamily="18" charset="0"/>
+              </a:rPr>
+              <a:t>pos</a:t>
+            </a:r>
+            <a:r>
+              <a:rPr lang="en-US" sz="1800" dirty="0">
+                <a:solidFill>
+                  <a:schemeClr val="bg1"/>
+                </a:solidFill>
+                <a:effectLst/>
+                <a:latin typeface="Calibri" panose="020F0502020204030204" pitchFamily="34" charset="0"/>
+                <a:ea typeface="Calibri" panose="020F0502020204030204" pitchFamily="34" charset="0"/>
+                <a:cs typeface="Times New Roman" panose="02020603050405020304" pitchFamily="18" charset="0"/>
+              </a:rPr>
+              <a:t>: The simple Part of speech tag based on language</a:t>
+            </a:r>
+            <a:endParaRPr lang="en-IN" sz="1800" dirty="0">
+              <a:solidFill>
+                <a:schemeClr val="bg1"/>
+              </a:solidFill>
+              <a:effectLst/>
+              <a:latin typeface="Calibri" panose="020F0502020204030204" pitchFamily="34" charset="0"/>
+              <a:ea typeface="Calibri" panose="020F0502020204030204" pitchFamily="34" charset="0"/>
+              <a:cs typeface="Times New Roman" panose="02020603050405020304" pitchFamily="18" charset="0"/>
+            </a:endParaRPr>
+          </a:p>
+          <a:p>
+            <a:pPr lvl="1"/>
+            <a:r>
+              <a:rPr lang="en-US" sz="1800" b="1" dirty="0">
+                <a:solidFill>
+                  <a:schemeClr val="bg1"/>
+                </a:solidFill>
+                <a:effectLst/>
+                <a:latin typeface="Calibri" panose="020F0502020204030204" pitchFamily="34" charset="0"/>
+                <a:ea typeface="Calibri" panose="020F0502020204030204" pitchFamily="34" charset="0"/>
+                <a:cs typeface="Times New Roman" panose="02020603050405020304" pitchFamily="18" charset="0"/>
+              </a:rPr>
+              <a:t>dep</a:t>
+            </a:r>
+            <a:r>
+              <a:rPr lang="en-US" sz="1800" dirty="0">
+                <a:solidFill>
+                  <a:schemeClr val="bg1"/>
+                </a:solidFill>
+                <a:effectLst/>
+                <a:latin typeface="Calibri" panose="020F0502020204030204" pitchFamily="34" charset="0"/>
+                <a:ea typeface="Calibri" panose="020F0502020204030204" pitchFamily="34" charset="0"/>
+                <a:cs typeface="Times New Roman" panose="02020603050405020304" pitchFamily="18" charset="0"/>
+              </a:rPr>
+              <a:t>: Syntactic dependency </a:t>
+            </a:r>
+            <a:r>
+              <a:rPr lang="en-US" sz="1800" dirty="0" err="1">
+                <a:solidFill>
+                  <a:schemeClr val="bg1"/>
+                </a:solidFill>
+                <a:effectLst/>
+                <a:latin typeface="Calibri" panose="020F0502020204030204" pitchFamily="34" charset="0"/>
+                <a:ea typeface="Calibri" panose="020F0502020204030204" pitchFamily="34" charset="0"/>
+                <a:cs typeface="Times New Roman" panose="02020603050405020304" pitchFamily="18" charset="0"/>
+              </a:rPr>
+              <a:t>i.e</a:t>
+            </a:r>
+            <a:r>
+              <a:rPr lang="en-US" sz="1800" dirty="0">
+                <a:solidFill>
+                  <a:schemeClr val="bg1"/>
+                </a:solidFill>
+                <a:effectLst/>
+                <a:latin typeface="Calibri" panose="020F0502020204030204" pitchFamily="34" charset="0"/>
+                <a:ea typeface="Calibri" panose="020F0502020204030204" pitchFamily="34" charset="0"/>
+                <a:cs typeface="Times New Roman" panose="02020603050405020304" pitchFamily="18" charset="0"/>
+              </a:rPr>
+              <a:t> relation between tokens</a:t>
+            </a:r>
+            <a:endParaRPr lang="en-IN" sz="1800" dirty="0">
+              <a:solidFill>
+                <a:schemeClr val="bg1"/>
+              </a:solidFill>
+              <a:effectLst/>
+              <a:latin typeface="Calibri" panose="020F0502020204030204" pitchFamily="34" charset="0"/>
+              <a:ea typeface="Calibri" panose="020F0502020204030204" pitchFamily="34" charset="0"/>
+              <a:cs typeface="Times New Roman" panose="02020603050405020304" pitchFamily="18" charset="0"/>
+            </a:endParaRPr>
+          </a:p>
+          <a:p>
+            <a:pPr lvl="1"/>
+            <a:r>
+              <a:rPr lang="en-US" sz="1800" b="1" dirty="0">
+                <a:solidFill>
+                  <a:schemeClr val="bg1"/>
+                </a:solidFill>
+                <a:effectLst/>
+                <a:latin typeface="Calibri" panose="020F0502020204030204" pitchFamily="34" charset="0"/>
+                <a:ea typeface="Calibri" panose="020F0502020204030204" pitchFamily="34" charset="0"/>
+                <a:cs typeface="Times New Roman" panose="02020603050405020304" pitchFamily="18" charset="0"/>
+              </a:rPr>
+              <a:t>tag</a:t>
+            </a:r>
+            <a:r>
+              <a:rPr lang="en-US" sz="1800" dirty="0">
+                <a:solidFill>
+                  <a:schemeClr val="bg1"/>
+                </a:solidFill>
+                <a:effectLst/>
+                <a:latin typeface="Calibri" panose="020F0502020204030204" pitchFamily="34" charset="0"/>
+                <a:ea typeface="Calibri" panose="020F0502020204030204" pitchFamily="34" charset="0"/>
+                <a:cs typeface="Times New Roman" panose="02020603050405020304" pitchFamily="18" charset="0"/>
+              </a:rPr>
+              <a:t>: The detailed part-of-speech tag</a:t>
+            </a:r>
+            <a:endParaRPr lang="en-IN" sz="1800" dirty="0">
+              <a:solidFill>
+                <a:schemeClr val="bg1"/>
+              </a:solidFill>
+              <a:effectLst/>
+              <a:latin typeface="Calibri" panose="020F0502020204030204" pitchFamily="34" charset="0"/>
+              <a:ea typeface="Calibri" panose="020F0502020204030204" pitchFamily="34" charset="0"/>
+              <a:cs typeface="Times New Roman" panose="02020603050405020304" pitchFamily="18" charset="0"/>
+            </a:endParaRPr>
+          </a:p>
+          <a:p>
+            <a:pPr lvl="1"/>
+            <a:r>
+              <a:rPr lang="en-US" sz="1800" b="1" dirty="0">
+                <a:solidFill>
+                  <a:schemeClr val="bg1"/>
+                </a:solidFill>
+                <a:effectLst/>
+                <a:latin typeface="Calibri" panose="020F0502020204030204" pitchFamily="34" charset="0"/>
+                <a:ea typeface="Calibri" panose="020F0502020204030204" pitchFamily="34" charset="0"/>
+                <a:cs typeface="Times New Roman" panose="02020603050405020304" pitchFamily="18" charset="0"/>
+              </a:rPr>
+              <a:t>shape</a:t>
+            </a:r>
+            <a:r>
+              <a:rPr lang="en-US" sz="1800" dirty="0">
+                <a:solidFill>
+                  <a:schemeClr val="bg1"/>
+                </a:solidFill>
+                <a:effectLst/>
+                <a:latin typeface="Calibri" panose="020F0502020204030204" pitchFamily="34" charset="0"/>
+                <a:ea typeface="Calibri" panose="020F0502020204030204" pitchFamily="34" charset="0"/>
+                <a:cs typeface="Times New Roman" panose="02020603050405020304" pitchFamily="18" charset="0"/>
+              </a:rPr>
+              <a:t>: The word shape – capitalization, punctuation, digits.</a:t>
+            </a:r>
+            <a:endParaRPr lang="en-IN" sz="1800" dirty="0">
+              <a:solidFill>
+                <a:schemeClr val="bg1"/>
+              </a:solidFill>
+              <a:effectLst/>
+              <a:latin typeface="Calibri" panose="020F0502020204030204" pitchFamily="34" charset="0"/>
+              <a:ea typeface="Calibri" panose="020F0502020204030204" pitchFamily="34" charset="0"/>
+              <a:cs typeface="Times New Roman" panose="02020603050405020304" pitchFamily="18" charset="0"/>
+            </a:endParaRPr>
+          </a:p>
+          <a:p>
+            <a:pPr lvl="1"/>
+            <a:r>
+              <a:rPr lang="en-US" sz="1800" b="1" dirty="0">
+                <a:solidFill>
+                  <a:schemeClr val="bg1"/>
+                </a:solidFill>
+                <a:latin typeface="Calibri" panose="020F0502020204030204" pitchFamily="34" charset="0"/>
+                <a:ea typeface="Calibri" panose="020F0502020204030204" pitchFamily="34" charset="0"/>
+                <a:cs typeface="Times New Roman" panose="02020603050405020304" pitchFamily="18" charset="0"/>
+              </a:rPr>
+              <a:t>i</a:t>
+            </a:r>
+            <a:r>
+              <a:rPr lang="en-US" sz="1800" b="1" dirty="0">
+                <a:solidFill>
+                  <a:schemeClr val="bg1"/>
+                </a:solidFill>
+                <a:effectLst/>
+                <a:latin typeface="Calibri" panose="020F0502020204030204" pitchFamily="34" charset="0"/>
+                <a:ea typeface="Calibri" panose="020F0502020204030204" pitchFamily="34" charset="0"/>
+                <a:cs typeface="Times New Roman" panose="02020603050405020304" pitchFamily="18" charset="0"/>
+              </a:rPr>
+              <a:t>s alpha </a:t>
+            </a:r>
+            <a:r>
+              <a:rPr lang="en-US" sz="1800" dirty="0">
+                <a:solidFill>
+                  <a:schemeClr val="bg1"/>
+                </a:solidFill>
+                <a:effectLst/>
+                <a:latin typeface="Calibri" panose="020F0502020204030204" pitchFamily="34" charset="0"/>
+                <a:ea typeface="Calibri" panose="020F0502020204030204" pitchFamily="34" charset="0"/>
+                <a:cs typeface="Times New Roman" panose="02020603050405020304" pitchFamily="18" charset="0"/>
+              </a:rPr>
+              <a:t>: is the token an alpha character?</a:t>
+            </a:r>
+            <a:endParaRPr lang="en-IN" sz="1800" dirty="0">
+              <a:solidFill>
+                <a:schemeClr val="bg1"/>
+              </a:solidFill>
+              <a:effectLst/>
+              <a:latin typeface="Calibri" panose="020F0502020204030204" pitchFamily="34" charset="0"/>
+              <a:ea typeface="Calibri" panose="020F0502020204030204" pitchFamily="34" charset="0"/>
+              <a:cs typeface="Times New Roman" panose="02020603050405020304" pitchFamily="18" charset="0"/>
+            </a:endParaRPr>
+          </a:p>
+          <a:p>
+            <a:pPr lvl="1"/>
+            <a:r>
+              <a:rPr lang="en-US" sz="1800" b="1" dirty="0">
+                <a:solidFill>
+                  <a:schemeClr val="bg1"/>
+                </a:solidFill>
+                <a:latin typeface="Calibri" panose="020F0502020204030204" pitchFamily="34" charset="0"/>
+                <a:ea typeface="Calibri" panose="020F0502020204030204" pitchFamily="34" charset="0"/>
+                <a:cs typeface="Times New Roman" panose="02020603050405020304" pitchFamily="18" charset="0"/>
+              </a:rPr>
+              <a:t>i</a:t>
+            </a:r>
+            <a:r>
+              <a:rPr lang="en-US" sz="1800" b="1" dirty="0">
+                <a:solidFill>
+                  <a:schemeClr val="bg1"/>
+                </a:solidFill>
+                <a:effectLst/>
+                <a:latin typeface="Calibri" panose="020F0502020204030204" pitchFamily="34" charset="0"/>
+                <a:ea typeface="Calibri" panose="020F0502020204030204" pitchFamily="34" charset="0"/>
+                <a:cs typeface="Times New Roman" panose="02020603050405020304" pitchFamily="18" charset="0"/>
+              </a:rPr>
+              <a:t>s stop</a:t>
+            </a:r>
+            <a:r>
+              <a:rPr lang="en-US" sz="1800" dirty="0">
+                <a:solidFill>
+                  <a:schemeClr val="bg1"/>
+                </a:solidFill>
+                <a:effectLst/>
+                <a:latin typeface="Calibri" panose="020F0502020204030204" pitchFamily="34" charset="0"/>
+                <a:ea typeface="Calibri" panose="020F0502020204030204" pitchFamily="34" charset="0"/>
+                <a:cs typeface="Times New Roman" panose="02020603050405020304" pitchFamily="18" charset="0"/>
+              </a:rPr>
+              <a:t>: is the token part of a stop words list.</a:t>
+            </a:r>
+            <a:endParaRPr lang="en-IN" sz="1800" dirty="0">
+              <a:solidFill>
+                <a:schemeClr val="bg1"/>
+              </a:solidFill>
+              <a:effectLst/>
+              <a:latin typeface="Calibri" panose="020F0502020204030204" pitchFamily="34" charset="0"/>
+              <a:ea typeface="Calibri" panose="020F0502020204030204" pitchFamily="34" charset="0"/>
+              <a:cs typeface="Times New Roman" panose="02020603050405020304" pitchFamily="18" charset="0"/>
+            </a:endParaRPr>
+          </a:p>
+          <a:p>
+            <a:pPr lvl="1"/>
+            <a:r>
+              <a:rPr lang="en-US" sz="1800" b="1" dirty="0">
+                <a:solidFill>
+                  <a:schemeClr val="bg1"/>
+                </a:solidFill>
+                <a:latin typeface="Calibri" panose="020F0502020204030204" pitchFamily="34" charset="0"/>
+                <a:ea typeface="Calibri" panose="020F0502020204030204" pitchFamily="34" charset="0"/>
+                <a:cs typeface="Times New Roman" panose="02020603050405020304" pitchFamily="18" charset="0"/>
+              </a:rPr>
+              <a:t>l</a:t>
+            </a:r>
+            <a:r>
+              <a:rPr lang="en-US" sz="1800" b="1" dirty="0">
+                <a:solidFill>
+                  <a:schemeClr val="bg1"/>
+                </a:solidFill>
+                <a:effectLst/>
+                <a:latin typeface="Calibri" panose="020F0502020204030204" pitchFamily="34" charset="0"/>
+                <a:ea typeface="Calibri" panose="020F0502020204030204" pitchFamily="34" charset="0"/>
+                <a:cs typeface="Times New Roman" panose="02020603050405020304" pitchFamily="18" charset="0"/>
+              </a:rPr>
+              <a:t>emma</a:t>
+            </a:r>
+            <a:r>
+              <a:rPr lang="en-US" sz="1800" dirty="0">
+                <a:solidFill>
+                  <a:schemeClr val="bg1"/>
+                </a:solidFill>
+                <a:effectLst/>
+                <a:latin typeface="Calibri" panose="020F0502020204030204" pitchFamily="34" charset="0"/>
+                <a:ea typeface="Calibri" panose="020F0502020204030204" pitchFamily="34" charset="0"/>
+                <a:cs typeface="Times New Roman" panose="02020603050405020304" pitchFamily="18" charset="0"/>
+              </a:rPr>
+              <a:t>: the base form of the word.</a:t>
+            </a:r>
+          </a:p>
+          <a:p>
+            <a:pPr lvl="1"/>
+            <a:endParaRPr lang="en-US" sz="1800" dirty="0">
+              <a:solidFill>
+                <a:schemeClr val="bg1"/>
+              </a:solidFill>
+              <a:effectLst/>
+              <a:latin typeface="Calibri" panose="020F0502020204030204" pitchFamily="34" charset="0"/>
+              <a:ea typeface="Calibri" panose="020F0502020204030204" pitchFamily="34" charset="0"/>
+              <a:cs typeface="Times New Roman" panose="02020603050405020304" pitchFamily="18" charset="0"/>
+            </a:endParaRPr>
+          </a:p>
+        </p:txBody>
+      </p:sp>
     </p:spTree>
     <p:extLst>
       <p:ext uri="{BB962C8B-B14F-4D97-AF65-F5344CB8AC3E}">
-        <p14:creationId xmlns:p14="http://schemas.microsoft.com/office/powerpoint/2010/main" val="663044754"/>
+        <p14:creationId xmlns:p14="http://schemas.microsoft.com/office/powerpoint/2010/main" val="58289629"/>
       </p:ext>
     </p:extLst>
   </p:cSld>
@@ -17746,7 +18063,7 @@
           <a:p>
             <a:fld id="{0C62BD34-D5E2-4C87-AA2A-F8D5808875C3}" type="datetime1">
               <a:rPr lang="en-US" smtClean="0"/>
-              <a:t>9/29/23</a:t>
+              <a:t>9/29/2023</a:t>
             </a:fld>
             <a:endParaRPr lang="en-US"/>
           </a:p>
@@ -17813,6 +18130,192 @@
             <a:fld id="{00000000-1234-1234-1234-123412341234}" type="slidenum">
               <a:rPr lang="en-US" smtClean="0"/>
               <a:t>22</a:t>
+            </a:fld>
+            <a:endParaRPr lang="en-US"/>
+          </a:p>
+        </p:txBody>
+      </p:sp>
+      <p:pic>
+        <p:nvPicPr>
+          <p:cNvPr id="10" name="Picture 9">
+            <a:extLst>
+              <a:ext uri="{FF2B5EF4-FFF2-40B4-BE49-F238E27FC236}">
+                <a16:creationId xmlns:a16="http://schemas.microsoft.com/office/drawing/2014/main" id="{275D11A1-FEDA-87D0-A470-A5ACCDC8921E}"/>
+              </a:ext>
+            </a:extLst>
+          </p:cNvPr>
+          <p:cNvPicPr>
+            <a:picLocks noChangeAspect="1"/>
+          </p:cNvPicPr>
+          <p:nvPr/>
+        </p:nvPicPr>
+        <p:blipFill>
+          <a:blip r:embed="rId2"/>
+          <a:stretch>
+            <a:fillRect/>
+          </a:stretch>
+        </p:blipFill>
+        <p:spPr>
+          <a:xfrm>
+            <a:off x="457200" y="1360529"/>
+            <a:ext cx="8229600" cy="5530057"/>
+          </a:xfrm>
+          <a:prstGeom prst="rect">
+            <a:avLst/>
+          </a:prstGeom>
+        </p:spPr>
+      </p:pic>
+    </p:spTree>
+    <p:extLst>
+      <p:ext uri="{BB962C8B-B14F-4D97-AF65-F5344CB8AC3E}">
+        <p14:creationId xmlns:p14="http://schemas.microsoft.com/office/powerpoint/2010/main" val="663044754"/>
+      </p:ext>
+    </p:extLst>
+  </p:cSld>
+  <p:clrMapOvr>
+    <a:masterClrMapping/>
+  </p:clrMapOvr>
+</p:sld>
+</file>
+
+<file path=ppt/slides/slide23.xml><?xml version="1.0" encoding="utf-8"?>
+<p:sld xmlns:a="http://schemas.openxmlformats.org/drawingml/2006/main" xmlns:r="http://schemas.openxmlformats.org/officeDocument/2006/relationships" xmlns:p="http://schemas.openxmlformats.org/presentationml/2006/main">
+  <p:cSld>
+    <p:spTree>
+      <p:nvGrpSpPr>
+        <p:cNvPr id="1" name=""/>
+        <p:cNvGrpSpPr/>
+        <p:nvPr/>
+      </p:nvGrpSpPr>
+      <p:grpSpPr>
+        <a:xfrm>
+          <a:off x="0" y="0"/>
+          <a:ext cx="0" cy="0"/>
+          <a:chOff x="0" y="0"/>
+          <a:chExt cx="0" cy="0"/>
+        </a:xfrm>
+      </p:grpSpPr>
+      <p:sp>
+        <p:nvSpPr>
+          <p:cNvPr id="2" name="Title 1">
+            <a:extLst>
+              <a:ext uri="{FF2B5EF4-FFF2-40B4-BE49-F238E27FC236}">
+                <a16:creationId xmlns:a16="http://schemas.microsoft.com/office/drawing/2014/main" id="{605DDB26-4E5E-5E05-2C74-CFCCCB0945D8}"/>
+              </a:ext>
+            </a:extLst>
+          </p:cNvPr>
+          <p:cNvSpPr>
+            <a:spLocks noGrp="1"/>
+          </p:cNvSpPr>
+          <p:nvPr>
+            <p:ph type="title"/>
+          </p:nvPr>
+        </p:nvSpPr>
+        <p:spPr/>
+        <p:txBody>
+          <a:bodyPr/>
+          <a:lstStyle/>
+          <a:p>
+            <a:r>
+              <a:rPr lang="en-US" sz="4200" dirty="0">
+                <a:latin typeface="Calibri" panose="020F0502020204030204" pitchFamily="34" charset="0"/>
+                <a:cs typeface="Calibri" panose="020F0502020204030204" pitchFamily="34" charset="0"/>
+              </a:rPr>
+              <a:t>spacy : Linguistic Features</a:t>
+            </a:r>
+          </a:p>
+        </p:txBody>
+      </p:sp>
+      <p:sp>
+        <p:nvSpPr>
+          <p:cNvPr id="4" name="Date Placeholder 3">
+            <a:extLst>
+              <a:ext uri="{FF2B5EF4-FFF2-40B4-BE49-F238E27FC236}">
+                <a16:creationId xmlns:a16="http://schemas.microsoft.com/office/drawing/2014/main" id="{E8B86688-70CE-38BF-9189-145ABE66378D}"/>
+              </a:ext>
+            </a:extLst>
+          </p:cNvPr>
+          <p:cNvSpPr>
+            <a:spLocks noGrp="1"/>
+          </p:cNvSpPr>
+          <p:nvPr>
+            <p:ph type="dt" idx="10"/>
+          </p:nvPr>
+        </p:nvSpPr>
+        <p:spPr/>
+        <p:txBody>
+          <a:bodyPr/>
+          <a:lstStyle/>
+          <a:p>
+            <a:fld id="{0C62BD34-D5E2-4C87-AA2A-F8D5808875C3}" type="datetime1">
+              <a:rPr lang="en-US" smtClean="0"/>
+              <a:t>9/29/2023</a:t>
+            </a:fld>
+            <a:endParaRPr lang="en-US"/>
+          </a:p>
+        </p:txBody>
+      </p:sp>
+      <p:sp>
+        <p:nvSpPr>
+          <p:cNvPr id="5" name="Footer Placeholder 4">
+            <a:extLst>
+              <a:ext uri="{FF2B5EF4-FFF2-40B4-BE49-F238E27FC236}">
+                <a16:creationId xmlns:a16="http://schemas.microsoft.com/office/drawing/2014/main" id="{B8268056-A0EC-D84E-C743-F73D017BDFFF}"/>
+              </a:ext>
+            </a:extLst>
+          </p:cNvPr>
+          <p:cNvSpPr>
+            <a:spLocks noGrp="1"/>
+          </p:cNvSpPr>
+          <p:nvPr>
+            <p:ph type="ftr" idx="11"/>
+          </p:nvPr>
+        </p:nvSpPr>
+        <p:spPr/>
+        <p:txBody>
+          <a:bodyPr/>
+          <a:lstStyle/>
+          <a:p>
+            <a:r>
+              <a:rPr lang="en-US"/>
+              <a:t>Ankit Velani, MBA-SIT,Tumkur</a:t>
+            </a:r>
+          </a:p>
+        </p:txBody>
+      </p:sp>
+      <p:sp>
+        <p:nvSpPr>
+          <p:cNvPr id="6" name="Slide Number Placeholder 5">
+            <a:extLst>
+              <a:ext uri="{FF2B5EF4-FFF2-40B4-BE49-F238E27FC236}">
+                <a16:creationId xmlns:a16="http://schemas.microsoft.com/office/drawing/2014/main" id="{601D25A8-63AE-7112-3603-CBB0E12BB3A3}"/>
+              </a:ext>
+            </a:extLst>
+          </p:cNvPr>
+          <p:cNvSpPr>
+            <a:spLocks noGrp="1"/>
+          </p:cNvSpPr>
+          <p:nvPr>
+            <p:ph type="sldNum" idx="12"/>
+          </p:nvPr>
+        </p:nvSpPr>
+        <p:spPr/>
+        <p:txBody>
+          <a:bodyPr/>
+          <a:lstStyle/>
+          <a:p>
+            <a:pPr marL="0" lvl="0" indent="0" algn="r" rtl="0">
+              <a:spcBef>
+                <a:spcPts val="0"/>
+              </a:spcBef>
+              <a:spcAft>
+                <a:spcPts val="0"/>
+              </a:spcAft>
+              <a:buNone/>
+            </a:pPr>
+            <a:fld id="{00000000-1234-1234-1234-123412341234}" type="slidenum">
+              <a:rPr lang="en-US" smtClean="0"/>
+              <a:t>23</a:t>
             </a:fld>
             <a:endParaRPr lang="en-US"/>
           </a:p>
@@ -17861,7 +18364,7 @@
 </p:sld>
 </file>
 
-<file path=ppt/slides/slide23.xml><?xml version="1.0" encoding="utf-8"?>
+<file path=ppt/slides/slide24.xml><?xml version="1.0" encoding="utf-8"?>
 <p:sld xmlns:a="http://schemas.openxmlformats.org/drawingml/2006/main" xmlns:r="http://schemas.openxmlformats.org/officeDocument/2006/relationships" xmlns:p="http://schemas.openxmlformats.org/presentationml/2006/main">
   <p:cSld>
     <p:spTree>
@@ -17975,7 +18478,7 @@
           <a:p>
             <a:fld id="{0C62BD34-D5E2-4C87-AA2A-F8D5808875C3}" type="datetime1">
               <a:rPr lang="en-US" smtClean="0"/>
-              <a:t>9/29/23</a:t>
+              <a:t>9/29/2023</a:t>
             </a:fld>
             <a:endParaRPr lang="en-US"/>
           </a:p>
@@ -18041,7 +18544,7 @@
             </a:pPr>
             <a:fld id="{00000000-1234-1234-1234-123412341234}" type="slidenum">
               <a:rPr lang="en-US" smtClean="0"/>
-              <a:t>23</a:t>
+              <a:t>24</a:t>
             </a:fld>
             <a:endParaRPr lang="en-US"/>
           </a:p>
@@ -18096,196 +18599,6 @@
     <p:extLst>
       <p:ext uri="{BB962C8B-B14F-4D97-AF65-F5344CB8AC3E}">
         <p14:creationId xmlns:p14="http://schemas.microsoft.com/office/powerpoint/2010/main" val="2094341129"/>
-      </p:ext>
-    </p:extLst>
-  </p:cSld>
-  <p:clrMapOvr>
-    <a:masterClrMapping/>
-  </p:clrMapOvr>
-</p:sld>
-</file>
-
-<file path=ppt/slides/slide24.xml><?xml version="1.0" encoding="utf-8"?>
-<p:sld xmlns:a="http://schemas.openxmlformats.org/drawingml/2006/main" xmlns:r="http://schemas.openxmlformats.org/officeDocument/2006/relationships" xmlns:p="http://schemas.openxmlformats.org/presentationml/2006/main">
-  <p:cSld>
-    <p:spTree>
-      <p:nvGrpSpPr>
-        <p:cNvPr id="1" name=""/>
-        <p:cNvGrpSpPr/>
-        <p:nvPr/>
-      </p:nvGrpSpPr>
-      <p:grpSpPr>
-        <a:xfrm>
-          <a:off x="0" y="0"/>
-          <a:ext cx="0" cy="0"/>
-          <a:chOff x="0" y="0"/>
-          <a:chExt cx="0" cy="0"/>
-        </a:xfrm>
-      </p:grpSpPr>
-      <p:sp>
-        <p:nvSpPr>
-          <p:cNvPr id="2" name="Title 1">
-            <a:extLst>
-              <a:ext uri="{FF2B5EF4-FFF2-40B4-BE49-F238E27FC236}">
-                <a16:creationId xmlns:a16="http://schemas.microsoft.com/office/drawing/2014/main" id="{605DDB26-4E5E-5E05-2C74-CFCCCB0945D8}"/>
-              </a:ext>
-            </a:extLst>
-          </p:cNvPr>
-          <p:cNvSpPr>
-            <a:spLocks noGrp="1"/>
-          </p:cNvSpPr>
-          <p:nvPr>
-            <p:ph type="title"/>
-          </p:nvPr>
-        </p:nvSpPr>
-        <p:spPr>
-          <a:xfrm>
-            <a:off x="457200" y="-284162"/>
-            <a:ext cx="8229600" cy="1143000"/>
-          </a:xfrm>
-        </p:spPr>
-        <p:txBody>
-          <a:bodyPr/>
-          <a:lstStyle/>
-          <a:p>
-            <a:r>
-              <a:rPr lang="en-US" sz="4200" dirty="0">
-                <a:latin typeface="Calibri" panose="020F0502020204030204" pitchFamily="34" charset="0"/>
-                <a:cs typeface="Calibri" panose="020F0502020204030204" pitchFamily="34" charset="0"/>
-              </a:rPr>
-              <a:t>spacy : Linguistic Features</a:t>
-            </a:r>
-          </a:p>
-        </p:txBody>
-      </p:sp>
-      <p:sp>
-        <p:nvSpPr>
-          <p:cNvPr id="4" name="Date Placeholder 3">
-            <a:extLst>
-              <a:ext uri="{FF2B5EF4-FFF2-40B4-BE49-F238E27FC236}">
-                <a16:creationId xmlns:a16="http://schemas.microsoft.com/office/drawing/2014/main" id="{E8B86688-70CE-38BF-9189-145ABE66378D}"/>
-              </a:ext>
-            </a:extLst>
-          </p:cNvPr>
-          <p:cNvSpPr>
-            <a:spLocks noGrp="1"/>
-          </p:cNvSpPr>
-          <p:nvPr>
-            <p:ph type="dt" idx="10"/>
-          </p:nvPr>
-        </p:nvSpPr>
-        <p:spPr/>
-        <p:txBody>
-          <a:bodyPr/>
-          <a:lstStyle/>
-          <a:p>
-            <a:fld id="{0C62BD34-D5E2-4C87-AA2A-F8D5808875C3}" type="datetime1">
-              <a:rPr lang="en-US" smtClean="0"/>
-              <a:t>9/29/23</a:t>
-            </a:fld>
-            <a:endParaRPr lang="en-US"/>
-          </a:p>
-        </p:txBody>
-      </p:sp>
-      <p:sp>
-        <p:nvSpPr>
-          <p:cNvPr id="5" name="Footer Placeholder 4">
-            <a:extLst>
-              <a:ext uri="{FF2B5EF4-FFF2-40B4-BE49-F238E27FC236}">
-                <a16:creationId xmlns:a16="http://schemas.microsoft.com/office/drawing/2014/main" id="{B8268056-A0EC-D84E-C743-F73D017BDFFF}"/>
-              </a:ext>
-            </a:extLst>
-          </p:cNvPr>
-          <p:cNvSpPr>
-            <a:spLocks noGrp="1"/>
-          </p:cNvSpPr>
-          <p:nvPr>
-            <p:ph type="ftr" idx="11"/>
-          </p:nvPr>
-        </p:nvSpPr>
-        <p:spPr/>
-        <p:txBody>
-          <a:bodyPr/>
-          <a:lstStyle/>
-          <a:p>
-            <a:r>
-              <a:rPr lang="en-US"/>
-              <a:t>Ankit Velani, MBA-SIT,Tumkur</a:t>
-            </a:r>
-          </a:p>
-        </p:txBody>
-      </p:sp>
-      <p:sp>
-        <p:nvSpPr>
-          <p:cNvPr id="6" name="Slide Number Placeholder 5">
-            <a:extLst>
-              <a:ext uri="{FF2B5EF4-FFF2-40B4-BE49-F238E27FC236}">
-                <a16:creationId xmlns:a16="http://schemas.microsoft.com/office/drawing/2014/main" id="{601D25A8-63AE-7112-3603-CBB0E12BB3A3}"/>
-              </a:ext>
-            </a:extLst>
-          </p:cNvPr>
-          <p:cNvSpPr>
-            <a:spLocks noGrp="1"/>
-          </p:cNvSpPr>
-          <p:nvPr>
-            <p:ph type="sldNum" idx="12"/>
-          </p:nvPr>
-        </p:nvSpPr>
-        <p:spPr/>
-        <p:txBody>
-          <a:bodyPr/>
-          <a:lstStyle/>
-          <a:p>
-            <a:pPr marL="0" lvl="0" indent="0" algn="r" rtl="0">
-              <a:spcBef>
-                <a:spcPts val="0"/>
-              </a:spcBef>
-              <a:spcAft>
-                <a:spcPts val="0"/>
-              </a:spcAft>
-              <a:buNone/>
-            </a:pPr>
-            <a:fld id="{00000000-1234-1234-1234-123412341234}" type="slidenum">
-              <a:rPr lang="en-US" smtClean="0"/>
-              <a:t>24</a:t>
-            </a:fld>
-            <a:endParaRPr lang="en-US"/>
-          </a:p>
-        </p:txBody>
-      </p:sp>
-      <p:pic>
-        <p:nvPicPr>
-          <p:cNvPr id="7" name="Picture 6">
-            <a:extLst>
-              <a:ext uri="{FF2B5EF4-FFF2-40B4-BE49-F238E27FC236}">
-                <a16:creationId xmlns:a16="http://schemas.microsoft.com/office/drawing/2014/main" id="{28E056BF-74A6-03FB-7302-BD2717EB01C9}"/>
-              </a:ext>
-            </a:extLst>
-          </p:cNvPr>
-          <p:cNvPicPr>
-            <a:picLocks noChangeAspect="1"/>
-          </p:cNvPicPr>
-          <p:nvPr/>
-        </p:nvPicPr>
-        <p:blipFill rotWithShape="1">
-          <a:blip r:embed="rId2"/>
-          <a:srcRect l="-163" t="-1556" r="163" b="1556"/>
-          <a:stretch/>
-        </p:blipFill>
-        <p:spPr>
-          <a:xfrm>
-            <a:off x="1060450" y="602168"/>
-            <a:ext cx="7023100" cy="5899728"/>
-          </a:xfrm>
-          <a:prstGeom prst="rect">
-            <a:avLst/>
-          </a:prstGeom>
-        </p:spPr>
-      </p:pic>
-    </p:spTree>
-    <p:extLst>
-      <p:ext uri="{BB962C8B-B14F-4D97-AF65-F5344CB8AC3E}">
-        <p14:creationId xmlns:p14="http://schemas.microsoft.com/office/powerpoint/2010/main" val="1232038147"/>
       </p:ext>
     </p:extLst>
   </p:cSld>
@@ -18328,7 +18641,12 @@
             <p:ph type="title"/>
           </p:nvPr>
         </p:nvSpPr>
-        <p:spPr/>
+        <p:spPr>
+          <a:xfrm>
+            <a:off x="457200" y="-284162"/>
+            <a:ext cx="8229600" cy="1143000"/>
+          </a:xfrm>
+        </p:spPr>
         <p:txBody>
           <a:bodyPr/>
           <a:lstStyle/>
@@ -18338,357 +18656,8 @@
                 <a:latin typeface="Calibri" panose="020F0502020204030204" pitchFamily="34" charset="0"/>
                 <a:cs typeface="Calibri" panose="020F0502020204030204" pitchFamily="34" charset="0"/>
               </a:rPr>
-              <a:t>Example: Named Entities</a:t>
-            </a:r>
-          </a:p>
-        </p:txBody>
-      </p:sp>
-      <p:sp>
-        <p:nvSpPr>
-          <p:cNvPr id="3" name="Text Placeholder 2">
-            <a:extLst>
-              <a:ext uri="{FF2B5EF4-FFF2-40B4-BE49-F238E27FC236}">
-                <a16:creationId xmlns:a16="http://schemas.microsoft.com/office/drawing/2014/main" id="{7F8F2A5C-1157-A1D4-9D9F-D8A8B9C22C1D}"/>
-              </a:ext>
-            </a:extLst>
-          </p:cNvPr>
-          <p:cNvSpPr>
-            <a:spLocks noGrp="1"/>
-          </p:cNvSpPr>
-          <p:nvPr>
-            <p:ph type="body" idx="1"/>
-          </p:nvPr>
-        </p:nvSpPr>
-        <p:spPr/>
-        <p:txBody>
-          <a:bodyPr/>
-          <a:lstStyle/>
-          <a:p>
-            <a:r>
-              <a:rPr lang="en-US" sz="1800" dirty="0">
-                <a:effectLst/>
-                <a:latin typeface="Calibri" panose="020F0502020204030204" pitchFamily="34" charset="0"/>
-                <a:ea typeface="Calibri" panose="020F0502020204030204" pitchFamily="34" charset="0"/>
-                <a:cs typeface="Times New Roman" panose="02020603050405020304" pitchFamily="18" charset="0"/>
-              </a:rPr>
-              <a:t>A named entity is a “read-world object that’s assigned a name – for example, a person,  a country, a product or book title.</a:t>
-            </a:r>
-            <a:r>
-              <a:rPr lang="en-IN" sz="1100" dirty="0">
-                <a:effectLst/>
-              </a:rPr>
-              <a:t> </a:t>
-            </a:r>
-          </a:p>
-          <a:p>
-            <a:pPr marL="114300" indent="0">
-              <a:buNone/>
-            </a:pPr>
-            <a:endParaRPr lang="en-US" sz="1800" dirty="0">
-              <a:solidFill>
-                <a:srgbClr val="054C84"/>
-              </a:solidFill>
-              <a:latin typeface="Calibri" panose="020F0502020204030204" pitchFamily="34" charset="0"/>
-              <a:cs typeface="Times New Roman" panose="02020603050405020304" pitchFamily="18" charset="0"/>
-            </a:endParaRPr>
-          </a:p>
-          <a:p>
-            <a:pPr marL="114300" indent="0">
-              <a:buNone/>
-            </a:pPr>
-            <a:endParaRPr lang="en-US" sz="1800" dirty="0">
-              <a:effectLst/>
-              <a:latin typeface="Calibri" panose="020F0502020204030204" pitchFamily="34" charset="0"/>
-              <a:ea typeface="Calibri" panose="020F0502020204030204" pitchFamily="34" charset="0"/>
-              <a:cs typeface="Times New Roman" panose="02020603050405020304" pitchFamily="18" charset="0"/>
-            </a:endParaRPr>
-          </a:p>
-          <a:p>
-            <a:pPr marL="114300" indent="0">
-              <a:buNone/>
-            </a:pPr>
-            <a:r>
-              <a:rPr lang="en-US" sz="1800" dirty="0">
-                <a:solidFill>
-                  <a:srgbClr val="054C84"/>
-                </a:solidFill>
-                <a:latin typeface="Calibri" panose="020F0502020204030204" pitchFamily="34" charset="0"/>
-                <a:cs typeface="Times New Roman" panose="02020603050405020304" pitchFamily="18" charset="0"/>
-              </a:rPr>
-              <a:t>import spacy</a:t>
-            </a:r>
-            <a:endParaRPr lang="en-IN" sz="1800" dirty="0">
-              <a:solidFill>
-                <a:srgbClr val="054C84"/>
-              </a:solidFill>
-              <a:latin typeface="Calibri" panose="020F0502020204030204" pitchFamily="34" charset="0"/>
-              <a:cs typeface="Times New Roman" panose="02020603050405020304" pitchFamily="18" charset="0"/>
-            </a:endParaRPr>
-          </a:p>
-          <a:p>
-            <a:pPr marL="114300" indent="0">
-              <a:buNone/>
-            </a:pPr>
-            <a:r>
-              <a:rPr lang="en-US" sz="1800" dirty="0" err="1">
-                <a:solidFill>
-                  <a:srgbClr val="054C84"/>
-                </a:solidFill>
-                <a:latin typeface="Calibri" panose="020F0502020204030204" pitchFamily="34" charset="0"/>
-                <a:cs typeface="Times New Roman" panose="02020603050405020304" pitchFamily="18" charset="0"/>
-              </a:rPr>
-              <a:t>text_engine</a:t>
-            </a:r>
-            <a:r>
-              <a:rPr lang="en-US" sz="1800" dirty="0">
-                <a:solidFill>
-                  <a:srgbClr val="054C84"/>
-                </a:solidFill>
-                <a:latin typeface="Calibri" panose="020F0502020204030204" pitchFamily="34" charset="0"/>
-                <a:cs typeface="Times New Roman" panose="02020603050405020304" pitchFamily="18" charset="0"/>
-              </a:rPr>
-              <a:t> = </a:t>
-            </a:r>
-            <a:r>
-              <a:rPr lang="en-US" sz="1800" dirty="0" err="1">
-                <a:solidFill>
-                  <a:srgbClr val="054C84"/>
-                </a:solidFill>
-                <a:latin typeface="Calibri" panose="020F0502020204030204" pitchFamily="34" charset="0"/>
-                <a:cs typeface="Times New Roman" panose="02020603050405020304" pitchFamily="18" charset="0"/>
-              </a:rPr>
-              <a:t>spacy.load</a:t>
-            </a:r>
-            <a:r>
-              <a:rPr lang="en-US" sz="1800" dirty="0">
-                <a:solidFill>
-                  <a:srgbClr val="054C84"/>
-                </a:solidFill>
-                <a:latin typeface="Calibri" panose="020F0502020204030204" pitchFamily="34" charset="0"/>
-                <a:cs typeface="Times New Roman" panose="02020603050405020304" pitchFamily="18" charset="0"/>
-              </a:rPr>
-              <a:t>("</a:t>
-            </a:r>
-            <a:r>
-              <a:rPr lang="en-US" sz="1800" dirty="0" err="1">
-                <a:solidFill>
-                  <a:srgbClr val="054C84"/>
-                </a:solidFill>
-                <a:latin typeface="Calibri" panose="020F0502020204030204" pitchFamily="34" charset="0"/>
-                <a:cs typeface="Times New Roman" panose="02020603050405020304" pitchFamily="18" charset="0"/>
-              </a:rPr>
-              <a:t>en_core_web_sm</a:t>
-            </a:r>
-            <a:r>
-              <a:rPr lang="en-US" sz="1800" dirty="0">
-                <a:solidFill>
-                  <a:srgbClr val="054C84"/>
-                </a:solidFill>
-                <a:latin typeface="Calibri" panose="020F0502020204030204" pitchFamily="34" charset="0"/>
-                <a:cs typeface="Times New Roman" panose="02020603050405020304" pitchFamily="18" charset="0"/>
-              </a:rPr>
-              <a:t>") </a:t>
-            </a:r>
-            <a:endParaRPr lang="en-IN" sz="1800" dirty="0">
-              <a:solidFill>
-                <a:srgbClr val="054C84"/>
-              </a:solidFill>
-              <a:latin typeface="Calibri" panose="020F0502020204030204" pitchFamily="34" charset="0"/>
-              <a:cs typeface="Times New Roman" panose="02020603050405020304" pitchFamily="18" charset="0"/>
-            </a:endParaRPr>
-          </a:p>
-          <a:p>
-            <a:pPr marL="114300" indent="0">
-              <a:buNone/>
-            </a:pPr>
-            <a:endParaRPr lang="en-US" sz="1800" dirty="0">
-              <a:solidFill>
-                <a:srgbClr val="054C84"/>
-              </a:solidFill>
-              <a:latin typeface="Calibri" panose="020F0502020204030204" pitchFamily="34" charset="0"/>
-              <a:cs typeface="Times New Roman" panose="02020603050405020304" pitchFamily="18" charset="0"/>
-            </a:endParaRPr>
-          </a:p>
-          <a:p>
-            <a:pPr marL="114300" indent="0">
-              <a:buNone/>
-            </a:pPr>
-            <a:r>
-              <a:rPr lang="en-US" sz="1800" dirty="0">
-                <a:solidFill>
-                  <a:srgbClr val="054C84"/>
-                </a:solidFill>
-                <a:latin typeface="Calibri" panose="020F0502020204030204" pitchFamily="34" charset="0"/>
-                <a:cs typeface="Times New Roman" panose="02020603050405020304" pitchFamily="18" charset="0"/>
-              </a:rPr>
-              <a:t>doc = </a:t>
-            </a:r>
-            <a:r>
-              <a:rPr lang="en-US" sz="1800" dirty="0" err="1">
-                <a:solidFill>
-                  <a:srgbClr val="054C84"/>
-                </a:solidFill>
-                <a:latin typeface="Calibri" panose="020F0502020204030204" pitchFamily="34" charset="0"/>
-                <a:cs typeface="Times New Roman" panose="02020603050405020304" pitchFamily="18" charset="0"/>
-              </a:rPr>
-              <a:t>text_engine</a:t>
-            </a:r>
-            <a:r>
-              <a:rPr lang="en-US" sz="1800" dirty="0">
-                <a:solidFill>
-                  <a:srgbClr val="054C84"/>
-                </a:solidFill>
-                <a:latin typeface="Calibri" panose="020F0502020204030204" pitchFamily="34" charset="0"/>
-                <a:cs typeface="Times New Roman" panose="02020603050405020304" pitchFamily="18" charset="0"/>
-              </a:rPr>
-              <a:t>("Apple is looking to buying U.K. startup for $1 billion.")</a:t>
-            </a:r>
-          </a:p>
-          <a:p>
-            <a:pPr marL="114300" indent="0">
-              <a:buNone/>
-            </a:pPr>
-            <a:endParaRPr lang="en-IN" sz="1800" dirty="0">
-              <a:solidFill>
-                <a:srgbClr val="054C84"/>
-              </a:solidFill>
-              <a:latin typeface="Calibri" panose="020F0502020204030204" pitchFamily="34" charset="0"/>
-              <a:cs typeface="Times New Roman" panose="02020603050405020304" pitchFamily="18" charset="0"/>
-            </a:endParaRPr>
-          </a:p>
-          <a:p>
-            <a:pPr marL="114300" indent="0">
-              <a:buNone/>
-            </a:pPr>
-            <a:r>
-              <a:rPr lang="en-US" sz="1800" dirty="0">
-                <a:solidFill>
-                  <a:srgbClr val="054C84"/>
-                </a:solidFill>
-                <a:latin typeface="Calibri" panose="020F0502020204030204" pitchFamily="34" charset="0"/>
-                <a:cs typeface="Times New Roman" panose="02020603050405020304" pitchFamily="18" charset="0"/>
-              </a:rPr>
-              <a:t>for </a:t>
-            </a:r>
-            <a:r>
-              <a:rPr lang="en-US" sz="1800" dirty="0" err="1">
-                <a:solidFill>
-                  <a:srgbClr val="054C84"/>
-                </a:solidFill>
-                <a:latin typeface="Calibri" panose="020F0502020204030204" pitchFamily="34" charset="0"/>
-                <a:cs typeface="Times New Roman" panose="02020603050405020304" pitchFamily="18" charset="0"/>
-              </a:rPr>
-              <a:t>ent</a:t>
-            </a:r>
-            <a:r>
-              <a:rPr lang="en-US" sz="1800" dirty="0">
-                <a:solidFill>
-                  <a:srgbClr val="054C84"/>
-                </a:solidFill>
-                <a:latin typeface="Calibri" panose="020F0502020204030204" pitchFamily="34" charset="0"/>
-                <a:cs typeface="Times New Roman" panose="02020603050405020304" pitchFamily="18" charset="0"/>
-              </a:rPr>
-              <a:t> in </a:t>
-            </a:r>
-            <a:r>
-              <a:rPr lang="en-US" sz="1800" dirty="0" err="1">
-                <a:solidFill>
-                  <a:srgbClr val="054C84"/>
-                </a:solidFill>
-                <a:latin typeface="Calibri" panose="020F0502020204030204" pitchFamily="34" charset="0"/>
-                <a:cs typeface="Times New Roman" panose="02020603050405020304" pitchFamily="18" charset="0"/>
-              </a:rPr>
-              <a:t>doc.ents</a:t>
-            </a:r>
-            <a:r>
-              <a:rPr lang="en-US" sz="1800" dirty="0">
-                <a:solidFill>
-                  <a:srgbClr val="054C84"/>
-                </a:solidFill>
-                <a:latin typeface="Calibri" panose="020F0502020204030204" pitchFamily="34" charset="0"/>
-                <a:cs typeface="Times New Roman" panose="02020603050405020304" pitchFamily="18" charset="0"/>
-              </a:rPr>
-              <a:t>:</a:t>
-            </a:r>
-            <a:endParaRPr lang="en-IN" sz="1800" dirty="0">
-              <a:solidFill>
-                <a:srgbClr val="054C84"/>
-              </a:solidFill>
-              <a:latin typeface="Calibri" panose="020F0502020204030204" pitchFamily="34" charset="0"/>
-              <a:cs typeface="Times New Roman" panose="02020603050405020304" pitchFamily="18" charset="0"/>
-            </a:endParaRPr>
-          </a:p>
-          <a:p>
-            <a:pPr marL="114300" indent="0">
-              <a:buNone/>
-            </a:pPr>
-            <a:r>
-              <a:rPr lang="en-US" sz="1800" dirty="0">
-                <a:solidFill>
-                  <a:srgbClr val="054C84"/>
-                </a:solidFill>
-                <a:latin typeface="Calibri" panose="020F0502020204030204" pitchFamily="34" charset="0"/>
-                <a:cs typeface="Times New Roman" panose="02020603050405020304" pitchFamily="18" charset="0"/>
-              </a:rPr>
-              <a:t>	print(</a:t>
-            </a:r>
-            <a:r>
-              <a:rPr lang="en-US" sz="1800" dirty="0" err="1">
-                <a:solidFill>
-                  <a:srgbClr val="054C84"/>
-                </a:solidFill>
-                <a:latin typeface="Calibri" panose="020F0502020204030204" pitchFamily="34" charset="0"/>
-                <a:cs typeface="Times New Roman" panose="02020603050405020304" pitchFamily="18" charset="0"/>
-              </a:rPr>
-              <a:t>ent.text</a:t>
-            </a:r>
-            <a:r>
-              <a:rPr lang="en-US" sz="1800" dirty="0">
-                <a:solidFill>
-                  <a:srgbClr val="054C84"/>
-                </a:solidFill>
-                <a:latin typeface="Calibri" panose="020F0502020204030204" pitchFamily="34" charset="0"/>
-                <a:cs typeface="Times New Roman" panose="02020603050405020304" pitchFamily="18" charset="0"/>
-              </a:rPr>
-              <a:t>, </a:t>
-            </a:r>
-            <a:r>
-              <a:rPr lang="en-US" sz="1800" dirty="0" err="1">
-                <a:solidFill>
-                  <a:srgbClr val="054C84"/>
-                </a:solidFill>
-                <a:latin typeface="Calibri" panose="020F0502020204030204" pitchFamily="34" charset="0"/>
-                <a:cs typeface="Times New Roman" panose="02020603050405020304" pitchFamily="18" charset="0"/>
-              </a:rPr>
-              <a:t>ent.label</a:t>
-            </a:r>
-            <a:r>
-              <a:rPr lang="en-US" sz="1800" dirty="0">
-                <a:solidFill>
-                  <a:srgbClr val="054C84"/>
-                </a:solidFill>
-                <a:latin typeface="Calibri" panose="020F0502020204030204" pitchFamily="34" charset="0"/>
-                <a:cs typeface="Times New Roman" panose="02020603050405020304" pitchFamily="18" charset="0"/>
-              </a:rPr>
-              <a:t>_)</a:t>
-            </a:r>
-            <a:endParaRPr lang="en-IN" sz="1800" dirty="0">
-              <a:solidFill>
-                <a:srgbClr val="054C84"/>
-              </a:solidFill>
-              <a:latin typeface="Calibri" panose="020F0502020204030204" pitchFamily="34" charset="0"/>
-              <a:cs typeface="Times New Roman" panose="02020603050405020304" pitchFamily="18" charset="0"/>
-            </a:endParaRPr>
-          </a:p>
-          <a:p>
-            <a:pPr marL="114300" indent="0">
-              <a:buNone/>
-            </a:pPr>
-            <a:endParaRPr lang="en-US" sz="1800" dirty="0">
-              <a:latin typeface="Calibri" panose="020F0502020204030204" pitchFamily="34" charset="0"/>
-              <a:ea typeface="Calibri" panose="020F0502020204030204" pitchFamily="34" charset="0"/>
-              <a:cs typeface="Times New Roman" panose="02020603050405020304" pitchFamily="18" charset="0"/>
-            </a:endParaRPr>
+              <a:t>spacy : Linguistic Features</a:t>
+            </a:r>
           </a:p>
         </p:txBody>
       </p:sp>
@@ -18715,7 +18684,7 @@
           <a:p>
             <a:fld id="{0C62BD34-D5E2-4C87-AA2A-F8D5808875C3}" type="datetime1">
               <a:rPr lang="en-US" smtClean="0"/>
-              <a:t>9/29/23</a:t>
+              <a:t>9/29/2023</a:t>
             </a:fld>
             <a:endParaRPr lang="en-US"/>
           </a:p>
@@ -18787,10 +18756,39 @@
           </a:p>
         </p:txBody>
       </p:sp>
+      <p:pic>
+        <p:nvPicPr>
+          <p:cNvPr id="7" name="Picture 6">
+            <a:extLst>
+              <a:ext uri="{FF2B5EF4-FFF2-40B4-BE49-F238E27FC236}">
+                <a16:creationId xmlns:a16="http://schemas.microsoft.com/office/drawing/2014/main" id="{28E056BF-74A6-03FB-7302-BD2717EB01C9}"/>
+              </a:ext>
+            </a:extLst>
+          </p:cNvPr>
+          <p:cNvPicPr>
+            <a:picLocks noChangeAspect="1"/>
+          </p:cNvPicPr>
+          <p:nvPr/>
+        </p:nvPicPr>
+        <p:blipFill rotWithShape="1">
+          <a:blip r:embed="rId2"/>
+          <a:srcRect l="-163" t="-1556" r="163" b="1556"/>
+          <a:stretch/>
+        </p:blipFill>
+        <p:spPr>
+          <a:xfrm>
+            <a:off x="1060450" y="602168"/>
+            <a:ext cx="7023100" cy="5899728"/>
+          </a:xfrm>
+          <a:prstGeom prst="rect">
+            <a:avLst/>
+          </a:prstGeom>
+        </p:spPr>
+      </p:pic>
     </p:spTree>
     <p:extLst>
       <p:ext uri="{BB962C8B-B14F-4D97-AF65-F5344CB8AC3E}">
-        <p14:creationId xmlns:p14="http://schemas.microsoft.com/office/powerpoint/2010/main" val="2405463798"/>
+        <p14:creationId xmlns:p14="http://schemas.microsoft.com/office/powerpoint/2010/main" val="1232038147"/>
       </p:ext>
     </p:extLst>
   </p:cSld>
@@ -18850,6 +18848,355 @@
       </p:sp>
       <p:sp>
         <p:nvSpPr>
+          <p:cNvPr id="3" name="Text Placeholder 2">
+            <a:extLst>
+              <a:ext uri="{FF2B5EF4-FFF2-40B4-BE49-F238E27FC236}">
+                <a16:creationId xmlns:a16="http://schemas.microsoft.com/office/drawing/2014/main" id="{7F8F2A5C-1157-A1D4-9D9F-D8A8B9C22C1D}"/>
+              </a:ext>
+            </a:extLst>
+          </p:cNvPr>
+          <p:cNvSpPr>
+            <a:spLocks noGrp="1"/>
+          </p:cNvSpPr>
+          <p:nvPr>
+            <p:ph type="body" idx="1"/>
+          </p:nvPr>
+        </p:nvSpPr>
+        <p:spPr/>
+        <p:txBody>
+          <a:bodyPr/>
+          <a:lstStyle/>
+          <a:p>
+            <a:r>
+              <a:rPr lang="en-US" sz="1800" dirty="0">
+                <a:effectLst/>
+                <a:latin typeface="Calibri" panose="020F0502020204030204" pitchFamily="34" charset="0"/>
+                <a:ea typeface="Calibri" panose="020F0502020204030204" pitchFamily="34" charset="0"/>
+                <a:cs typeface="Times New Roman" panose="02020603050405020304" pitchFamily="18" charset="0"/>
+              </a:rPr>
+              <a:t>A named entity is a “read-world object that’s assigned a name – for example, a person,  a country, a product or book title.</a:t>
+            </a:r>
+            <a:r>
+              <a:rPr lang="en-IN" sz="1100" dirty="0">
+                <a:effectLst/>
+              </a:rPr>
+              <a:t> </a:t>
+            </a:r>
+          </a:p>
+          <a:p>
+            <a:pPr marL="114300" indent="0">
+              <a:buNone/>
+            </a:pPr>
+            <a:endParaRPr lang="en-US" sz="1800" dirty="0">
+              <a:solidFill>
+                <a:srgbClr val="054C84"/>
+              </a:solidFill>
+              <a:latin typeface="Calibri" panose="020F0502020204030204" pitchFamily="34" charset="0"/>
+              <a:cs typeface="Times New Roman" panose="02020603050405020304" pitchFamily="18" charset="0"/>
+            </a:endParaRPr>
+          </a:p>
+          <a:p>
+            <a:pPr marL="114300" indent="0">
+              <a:buNone/>
+            </a:pPr>
+            <a:endParaRPr lang="en-US" sz="1800" dirty="0">
+              <a:effectLst/>
+              <a:latin typeface="Calibri" panose="020F0502020204030204" pitchFamily="34" charset="0"/>
+              <a:ea typeface="Calibri" panose="020F0502020204030204" pitchFamily="34" charset="0"/>
+              <a:cs typeface="Times New Roman" panose="02020603050405020304" pitchFamily="18" charset="0"/>
+            </a:endParaRPr>
+          </a:p>
+          <a:p>
+            <a:pPr marL="114300" indent="0">
+              <a:buNone/>
+            </a:pPr>
+            <a:r>
+              <a:rPr lang="en-US" sz="1800" dirty="0">
+                <a:solidFill>
+                  <a:srgbClr val="054C84"/>
+                </a:solidFill>
+                <a:latin typeface="Calibri" panose="020F0502020204030204" pitchFamily="34" charset="0"/>
+                <a:cs typeface="Times New Roman" panose="02020603050405020304" pitchFamily="18" charset="0"/>
+              </a:rPr>
+              <a:t>import spacy</a:t>
+            </a:r>
+            <a:endParaRPr lang="en-IN" sz="1800" dirty="0">
+              <a:solidFill>
+                <a:srgbClr val="054C84"/>
+              </a:solidFill>
+              <a:latin typeface="Calibri" panose="020F0502020204030204" pitchFamily="34" charset="0"/>
+              <a:cs typeface="Times New Roman" panose="02020603050405020304" pitchFamily="18" charset="0"/>
+            </a:endParaRPr>
+          </a:p>
+          <a:p>
+            <a:pPr marL="114300" indent="0">
+              <a:buNone/>
+            </a:pPr>
+            <a:r>
+              <a:rPr lang="en-US" sz="1800" dirty="0" err="1">
+                <a:solidFill>
+                  <a:srgbClr val="054C84"/>
+                </a:solidFill>
+                <a:latin typeface="Calibri" panose="020F0502020204030204" pitchFamily="34" charset="0"/>
+                <a:cs typeface="Times New Roman" panose="02020603050405020304" pitchFamily="18" charset="0"/>
+              </a:rPr>
+              <a:t>text_engine</a:t>
+            </a:r>
+            <a:r>
+              <a:rPr lang="en-US" sz="1800" dirty="0">
+                <a:solidFill>
+                  <a:srgbClr val="054C84"/>
+                </a:solidFill>
+                <a:latin typeface="Calibri" panose="020F0502020204030204" pitchFamily="34" charset="0"/>
+                <a:cs typeface="Times New Roman" panose="02020603050405020304" pitchFamily="18" charset="0"/>
+              </a:rPr>
+              <a:t> = </a:t>
+            </a:r>
+            <a:r>
+              <a:rPr lang="en-US" sz="1800" dirty="0" err="1">
+                <a:solidFill>
+                  <a:srgbClr val="054C84"/>
+                </a:solidFill>
+                <a:latin typeface="Calibri" panose="020F0502020204030204" pitchFamily="34" charset="0"/>
+                <a:cs typeface="Times New Roman" panose="02020603050405020304" pitchFamily="18" charset="0"/>
+              </a:rPr>
+              <a:t>spacy.load</a:t>
+            </a:r>
+            <a:r>
+              <a:rPr lang="en-US" sz="1800" dirty="0">
+                <a:solidFill>
+                  <a:srgbClr val="054C84"/>
+                </a:solidFill>
+                <a:latin typeface="Calibri" panose="020F0502020204030204" pitchFamily="34" charset="0"/>
+                <a:cs typeface="Times New Roman" panose="02020603050405020304" pitchFamily="18" charset="0"/>
+              </a:rPr>
+              <a:t>("</a:t>
+            </a:r>
+            <a:r>
+              <a:rPr lang="en-US" sz="1800" dirty="0" err="1">
+                <a:solidFill>
+                  <a:srgbClr val="054C84"/>
+                </a:solidFill>
+                <a:latin typeface="Calibri" panose="020F0502020204030204" pitchFamily="34" charset="0"/>
+                <a:cs typeface="Times New Roman" panose="02020603050405020304" pitchFamily="18" charset="0"/>
+              </a:rPr>
+              <a:t>en_core_web_sm</a:t>
+            </a:r>
+            <a:r>
+              <a:rPr lang="en-US" sz="1800" dirty="0">
+                <a:solidFill>
+                  <a:srgbClr val="054C84"/>
+                </a:solidFill>
+                <a:latin typeface="Calibri" panose="020F0502020204030204" pitchFamily="34" charset="0"/>
+                <a:cs typeface="Times New Roman" panose="02020603050405020304" pitchFamily="18" charset="0"/>
+              </a:rPr>
+              <a:t>") </a:t>
+            </a:r>
+            <a:endParaRPr lang="en-IN" sz="1800" dirty="0">
+              <a:solidFill>
+                <a:srgbClr val="054C84"/>
+              </a:solidFill>
+              <a:latin typeface="Calibri" panose="020F0502020204030204" pitchFamily="34" charset="0"/>
+              <a:cs typeface="Times New Roman" panose="02020603050405020304" pitchFamily="18" charset="0"/>
+            </a:endParaRPr>
+          </a:p>
+          <a:p>
+            <a:pPr marL="114300" indent="0">
+              <a:buNone/>
+            </a:pPr>
+            <a:endParaRPr lang="en-US" sz="1800" dirty="0">
+              <a:solidFill>
+                <a:srgbClr val="054C84"/>
+              </a:solidFill>
+              <a:latin typeface="Calibri" panose="020F0502020204030204" pitchFamily="34" charset="0"/>
+              <a:cs typeface="Times New Roman" panose="02020603050405020304" pitchFamily="18" charset="0"/>
+            </a:endParaRPr>
+          </a:p>
+          <a:p>
+            <a:pPr marL="114300" indent="0">
+              <a:buNone/>
+            </a:pPr>
+            <a:r>
+              <a:rPr lang="en-US" sz="1800" dirty="0">
+                <a:solidFill>
+                  <a:srgbClr val="054C84"/>
+                </a:solidFill>
+                <a:latin typeface="Calibri" panose="020F0502020204030204" pitchFamily="34" charset="0"/>
+                <a:cs typeface="Times New Roman" panose="02020603050405020304" pitchFamily="18" charset="0"/>
+              </a:rPr>
+              <a:t>doc = </a:t>
+            </a:r>
+            <a:r>
+              <a:rPr lang="en-US" sz="1800" dirty="0" err="1">
+                <a:solidFill>
+                  <a:srgbClr val="054C84"/>
+                </a:solidFill>
+                <a:latin typeface="Calibri" panose="020F0502020204030204" pitchFamily="34" charset="0"/>
+                <a:cs typeface="Times New Roman" panose="02020603050405020304" pitchFamily="18" charset="0"/>
+              </a:rPr>
+              <a:t>text_engine</a:t>
+            </a:r>
+            <a:r>
+              <a:rPr lang="en-US" sz="1800" dirty="0">
+                <a:solidFill>
+                  <a:srgbClr val="054C84"/>
+                </a:solidFill>
+                <a:latin typeface="Calibri" panose="020F0502020204030204" pitchFamily="34" charset="0"/>
+                <a:cs typeface="Times New Roman" panose="02020603050405020304" pitchFamily="18" charset="0"/>
+              </a:rPr>
+              <a:t>("Apple is looking to buying U.K. startup for $1 billion.")</a:t>
+            </a:r>
+          </a:p>
+          <a:p>
+            <a:pPr marL="114300" indent="0">
+              <a:buNone/>
+            </a:pPr>
+            <a:endParaRPr lang="en-IN" sz="1800" dirty="0">
+              <a:solidFill>
+                <a:srgbClr val="054C84"/>
+              </a:solidFill>
+              <a:latin typeface="Calibri" panose="020F0502020204030204" pitchFamily="34" charset="0"/>
+              <a:cs typeface="Times New Roman" panose="02020603050405020304" pitchFamily="18" charset="0"/>
+            </a:endParaRPr>
+          </a:p>
+          <a:p>
+            <a:pPr marL="114300" indent="0">
+              <a:buNone/>
+            </a:pPr>
+            <a:r>
+              <a:rPr lang="en-US" sz="1800" dirty="0">
+                <a:solidFill>
+                  <a:srgbClr val="054C84"/>
+                </a:solidFill>
+                <a:latin typeface="Calibri" panose="020F0502020204030204" pitchFamily="34" charset="0"/>
+                <a:cs typeface="Times New Roman" panose="02020603050405020304" pitchFamily="18" charset="0"/>
+              </a:rPr>
+              <a:t>for </a:t>
+            </a:r>
+            <a:r>
+              <a:rPr lang="en-US" sz="1800" dirty="0" err="1">
+                <a:solidFill>
+                  <a:srgbClr val="054C84"/>
+                </a:solidFill>
+                <a:latin typeface="Calibri" panose="020F0502020204030204" pitchFamily="34" charset="0"/>
+                <a:cs typeface="Times New Roman" panose="02020603050405020304" pitchFamily="18" charset="0"/>
+              </a:rPr>
+              <a:t>ent</a:t>
+            </a:r>
+            <a:r>
+              <a:rPr lang="en-US" sz="1800" dirty="0">
+                <a:solidFill>
+                  <a:srgbClr val="054C84"/>
+                </a:solidFill>
+                <a:latin typeface="Calibri" panose="020F0502020204030204" pitchFamily="34" charset="0"/>
+                <a:cs typeface="Times New Roman" panose="02020603050405020304" pitchFamily="18" charset="0"/>
+              </a:rPr>
+              <a:t> in </a:t>
+            </a:r>
+            <a:r>
+              <a:rPr lang="en-US" sz="1800" dirty="0" err="1">
+                <a:solidFill>
+                  <a:srgbClr val="054C84"/>
+                </a:solidFill>
+                <a:latin typeface="Calibri" panose="020F0502020204030204" pitchFamily="34" charset="0"/>
+                <a:cs typeface="Times New Roman" panose="02020603050405020304" pitchFamily="18" charset="0"/>
+              </a:rPr>
+              <a:t>doc.ents</a:t>
+            </a:r>
+            <a:r>
+              <a:rPr lang="en-US" sz="1800" dirty="0">
+                <a:solidFill>
+                  <a:srgbClr val="054C84"/>
+                </a:solidFill>
+                <a:latin typeface="Calibri" panose="020F0502020204030204" pitchFamily="34" charset="0"/>
+                <a:cs typeface="Times New Roman" panose="02020603050405020304" pitchFamily="18" charset="0"/>
+              </a:rPr>
+              <a:t>:</a:t>
+            </a:r>
+            <a:endParaRPr lang="en-IN" sz="1800" dirty="0">
+              <a:solidFill>
+                <a:srgbClr val="054C84"/>
+              </a:solidFill>
+              <a:latin typeface="Calibri" panose="020F0502020204030204" pitchFamily="34" charset="0"/>
+              <a:cs typeface="Times New Roman" panose="02020603050405020304" pitchFamily="18" charset="0"/>
+            </a:endParaRPr>
+          </a:p>
+          <a:p>
+            <a:pPr marL="114300" indent="0">
+              <a:buNone/>
+            </a:pPr>
+            <a:r>
+              <a:rPr lang="en-US" sz="1800" dirty="0">
+                <a:solidFill>
+                  <a:srgbClr val="054C84"/>
+                </a:solidFill>
+                <a:latin typeface="Calibri" panose="020F0502020204030204" pitchFamily="34" charset="0"/>
+                <a:cs typeface="Times New Roman" panose="02020603050405020304" pitchFamily="18" charset="0"/>
+              </a:rPr>
+              <a:t>	print(</a:t>
+            </a:r>
+            <a:r>
+              <a:rPr lang="en-US" sz="1800" dirty="0" err="1">
+                <a:solidFill>
+                  <a:srgbClr val="054C84"/>
+                </a:solidFill>
+                <a:latin typeface="Calibri" panose="020F0502020204030204" pitchFamily="34" charset="0"/>
+                <a:cs typeface="Times New Roman" panose="02020603050405020304" pitchFamily="18" charset="0"/>
+              </a:rPr>
+              <a:t>ent.text</a:t>
+            </a:r>
+            <a:r>
+              <a:rPr lang="en-US" sz="1800" dirty="0">
+                <a:solidFill>
+                  <a:srgbClr val="054C84"/>
+                </a:solidFill>
+                <a:latin typeface="Calibri" panose="020F0502020204030204" pitchFamily="34" charset="0"/>
+                <a:cs typeface="Times New Roman" panose="02020603050405020304" pitchFamily="18" charset="0"/>
+              </a:rPr>
+              <a:t>, </a:t>
+            </a:r>
+            <a:r>
+              <a:rPr lang="en-US" sz="1800" dirty="0" err="1">
+                <a:solidFill>
+                  <a:srgbClr val="054C84"/>
+                </a:solidFill>
+                <a:latin typeface="Calibri" panose="020F0502020204030204" pitchFamily="34" charset="0"/>
+                <a:cs typeface="Times New Roman" panose="02020603050405020304" pitchFamily="18" charset="0"/>
+              </a:rPr>
+              <a:t>ent.label</a:t>
+            </a:r>
+            <a:r>
+              <a:rPr lang="en-US" sz="1800" dirty="0">
+                <a:solidFill>
+                  <a:srgbClr val="054C84"/>
+                </a:solidFill>
+                <a:latin typeface="Calibri" panose="020F0502020204030204" pitchFamily="34" charset="0"/>
+                <a:cs typeface="Times New Roman" panose="02020603050405020304" pitchFamily="18" charset="0"/>
+              </a:rPr>
+              <a:t>_)</a:t>
+            </a:r>
+            <a:endParaRPr lang="en-IN" sz="1800" dirty="0">
+              <a:solidFill>
+                <a:srgbClr val="054C84"/>
+              </a:solidFill>
+              <a:latin typeface="Calibri" panose="020F0502020204030204" pitchFamily="34" charset="0"/>
+              <a:cs typeface="Times New Roman" panose="02020603050405020304" pitchFamily="18" charset="0"/>
+            </a:endParaRPr>
+          </a:p>
+          <a:p>
+            <a:pPr marL="114300" indent="0">
+              <a:buNone/>
+            </a:pPr>
+            <a:endParaRPr lang="en-US" sz="1800" dirty="0">
+              <a:latin typeface="Calibri" panose="020F0502020204030204" pitchFamily="34" charset="0"/>
+              <a:ea typeface="Calibri" panose="020F0502020204030204" pitchFamily="34" charset="0"/>
+              <a:cs typeface="Times New Roman" panose="02020603050405020304" pitchFamily="18" charset="0"/>
+            </a:endParaRPr>
+          </a:p>
+        </p:txBody>
+      </p:sp>
+      <p:sp>
+        <p:nvSpPr>
           <p:cNvPr id="4" name="Date Placeholder 3">
             <a:extLst>
               <a:ext uri="{FF2B5EF4-FFF2-40B4-BE49-F238E27FC236}">
@@ -18871,7 +19218,7 @@
           <a:p>
             <a:fld id="{0C62BD34-D5E2-4C87-AA2A-F8D5808875C3}" type="datetime1">
               <a:rPr lang="en-US" smtClean="0"/>
-              <a:t>9/29/23</a:t>
+              <a:t>9/29/2023</a:t>
             </a:fld>
             <a:endParaRPr lang="en-US"/>
           </a:p>
@@ -18943,40 +19290,10 @@
           </a:p>
         </p:txBody>
       </p:sp>
-      <p:pic>
-        <p:nvPicPr>
-          <p:cNvPr id="9" name="Picture 8">
-            <a:extLst>
-              <a:ext uri="{FF2B5EF4-FFF2-40B4-BE49-F238E27FC236}">
-                <a16:creationId xmlns:a16="http://schemas.microsoft.com/office/drawing/2014/main" id="{6CE4041E-A564-06EF-2CA7-3FAF76C0B612}"/>
-              </a:ext>
-            </a:extLst>
-          </p:cNvPr>
-          <p:cNvPicPr>
-            <a:picLocks noChangeAspect="1"/>
-          </p:cNvPicPr>
-          <p:nvPr/>
-        </p:nvPicPr>
-        <p:blipFill>
-          <a:blip r:embed="rId2"/>
-          <a:stretch>
-            <a:fillRect/>
-          </a:stretch>
-        </p:blipFill>
-        <p:spPr>
-          <a:xfrm>
-            <a:off x="114299" y="1168401"/>
-            <a:ext cx="9120883" cy="5326062"/>
-          </a:xfrm>
-          <a:prstGeom prst="rect">
-            <a:avLst/>
-          </a:prstGeom>
-        </p:spPr>
-      </p:pic>
     </p:spTree>
     <p:extLst>
       <p:ext uri="{BB962C8B-B14F-4D97-AF65-F5344CB8AC3E}">
-        <p14:creationId xmlns:p14="http://schemas.microsoft.com/office/powerpoint/2010/main" val="2198671090"/>
+        <p14:creationId xmlns:p14="http://schemas.microsoft.com/office/powerpoint/2010/main" val="2405463798"/>
       </p:ext>
     </p:extLst>
   </p:cSld>
@@ -19029,19 +19346,8 @@
                 <a:latin typeface="Calibri" panose="020F0502020204030204" pitchFamily="34" charset="0"/>
                 <a:cs typeface="Calibri" panose="020F0502020204030204" pitchFamily="34" charset="0"/>
               </a:rPr>
-              <a:t>Example: </a:t>
-            </a:r>
-            <a:r>
-              <a:rPr lang="en-IN" sz="4200" dirty="0">
-                <a:latin typeface="Calibri" panose="020F0502020204030204" pitchFamily="34" charset="0"/>
-                <a:cs typeface="Calibri" panose="020F0502020204030204" pitchFamily="34" charset="0"/>
-              </a:rPr>
-              <a:t>Similarity</a:t>
-            </a:r>
-            <a:endParaRPr lang="en-US" sz="4200" dirty="0">
-              <a:latin typeface="Calibri" panose="020F0502020204030204" pitchFamily="34" charset="0"/>
-              <a:cs typeface="Calibri" panose="020F0502020204030204" pitchFamily="34" charset="0"/>
-            </a:endParaRPr>
+              <a:t>Example: Named Entities</a:t>
+            </a:r>
           </a:p>
         </p:txBody>
       </p:sp>
@@ -19068,7 +19374,7 @@
           <a:p>
             <a:fld id="{0C62BD34-D5E2-4C87-AA2A-F8D5808875C3}" type="datetime1">
               <a:rPr lang="en-US" smtClean="0"/>
-              <a:t>9/29/23</a:t>
+              <a:t>9/29/2023</a:t>
             </a:fld>
             <a:endParaRPr lang="en-US"/>
           </a:p>
@@ -19135,6 +19441,203 @@
             <a:fld id="{00000000-1234-1234-1234-123412341234}" type="slidenum">
               <a:rPr lang="en-US" smtClean="0"/>
               <a:t>27</a:t>
+            </a:fld>
+            <a:endParaRPr lang="en-US"/>
+          </a:p>
+        </p:txBody>
+      </p:sp>
+      <p:pic>
+        <p:nvPicPr>
+          <p:cNvPr id="9" name="Picture 8">
+            <a:extLst>
+              <a:ext uri="{FF2B5EF4-FFF2-40B4-BE49-F238E27FC236}">
+                <a16:creationId xmlns:a16="http://schemas.microsoft.com/office/drawing/2014/main" id="{6CE4041E-A564-06EF-2CA7-3FAF76C0B612}"/>
+              </a:ext>
+            </a:extLst>
+          </p:cNvPr>
+          <p:cNvPicPr>
+            <a:picLocks noChangeAspect="1"/>
+          </p:cNvPicPr>
+          <p:nvPr/>
+        </p:nvPicPr>
+        <p:blipFill>
+          <a:blip r:embed="rId2"/>
+          <a:stretch>
+            <a:fillRect/>
+          </a:stretch>
+        </p:blipFill>
+        <p:spPr>
+          <a:xfrm>
+            <a:off x="114299" y="1168401"/>
+            <a:ext cx="9120883" cy="5326062"/>
+          </a:xfrm>
+          <a:prstGeom prst="rect">
+            <a:avLst/>
+          </a:prstGeom>
+        </p:spPr>
+      </p:pic>
+    </p:spTree>
+    <p:extLst>
+      <p:ext uri="{BB962C8B-B14F-4D97-AF65-F5344CB8AC3E}">
+        <p14:creationId xmlns:p14="http://schemas.microsoft.com/office/powerpoint/2010/main" val="2198671090"/>
+      </p:ext>
+    </p:extLst>
+  </p:cSld>
+  <p:clrMapOvr>
+    <a:masterClrMapping/>
+  </p:clrMapOvr>
+</p:sld>
+</file>
+
+<file path=ppt/slides/slide28.xml><?xml version="1.0" encoding="utf-8"?>
+<p:sld xmlns:a="http://schemas.openxmlformats.org/drawingml/2006/main" xmlns:r="http://schemas.openxmlformats.org/officeDocument/2006/relationships" xmlns:p="http://schemas.openxmlformats.org/presentationml/2006/main">
+  <p:cSld>
+    <p:spTree>
+      <p:nvGrpSpPr>
+        <p:cNvPr id="1" name=""/>
+        <p:cNvGrpSpPr/>
+        <p:nvPr/>
+      </p:nvGrpSpPr>
+      <p:grpSpPr>
+        <a:xfrm>
+          <a:off x="0" y="0"/>
+          <a:ext cx="0" cy="0"/>
+          <a:chOff x="0" y="0"/>
+          <a:chExt cx="0" cy="0"/>
+        </a:xfrm>
+      </p:grpSpPr>
+      <p:sp>
+        <p:nvSpPr>
+          <p:cNvPr id="2" name="Title 1">
+            <a:extLst>
+              <a:ext uri="{FF2B5EF4-FFF2-40B4-BE49-F238E27FC236}">
+                <a16:creationId xmlns:a16="http://schemas.microsoft.com/office/drawing/2014/main" id="{605DDB26-4E5E-5E05-2C74-CFCCCB0945D8}"/>
+              </a:ext>
+            </a:extLst>
+          </p:cNvPr>
+          <p:cNvSpPr>
+            <a:spLocks noGrp="1"/>
+          </p:cNvSpPr>
+          <p:nvPr>
+            <p:ph type="title"/>
+          </p:nvPr>
+        </p:nvSpPr>
+        <p:spPr/>
+        <p:txBody>
+          <a:bodyPr/>
+          <a:lstStyle/>
+          <a:p>
+            <a:r>
+              <a:rPr lang="en-US" sz="4200" dirty="0">
+                <a:latin typeface="Calibri" panose="020F0502020204030204" pitchFamily="34" charset="0"/>
+                <a:cs typeface="Calibri" panose="020F0502020204030204" pitchFamily="34" charset="0"/>
+              </a:rPr>
+              <a:t>Example: </a:t>
+            </a:r>
+            <a:r>
+              <a:rPr lang="en-IN" sz="4200" dirty="0">
+                <a:latin typeface="Calibri" panose="020F0502020204030204" pitchFamily="34" charset="0"/>
+                <a:cs typeface="Calibri" panose="020F0502020204030204" pitchFamily="34" charset="0"/>
+              </a:rPr>
+              <a:t>Similarity</a:t>
+            </a:r>
+            <a:endParaRPr lang="en-US" sz="4200" dirty="0">
+              <a:latin typeface="Calibri" panose="020F0502020204030204" pitchFamily="34" charset="0"/>
+              <a:cs typeface="Calibri" panose="020F0502020204030204" pitchFamily="34" charset="0"/>
+            </a:endParaRPr>
+          </a:p>
+        </p:txBody>
+      </p:sp>
+      <p:sp>
+        <p:nvSpPr>
+          <p:cNvPr id="4" name="Date Placeholder 3">
+            <a:extLst>
+              <a:ext uri="{FF2B5EF4-FFF2-40B4-BE49-F238E27FC236}">
+                <a16:creationId xmlns:a16="http://schemas.microsoft.com/office/drawing/2014/main" id="{E8B86688-70CE-38BF-9189-145ABE66378D}"/>
+              </a:ext>
+            </a:extLst>
+          </p:cNvPr>
+          <p:cNvSpPr>
+            <a:spLocks noGrp="1"/>
+          </p:cNvSpPr>
+          <p:nvPr>
+            <p:ph type="dt" idx="10"/>
+          </p:nvPr>
+        </p:nvSpPr>
+        <p:spPr/>
+        <p:txBody>
+          <a:bodyPr/>
+          <a:lstStyle/>
+          <a:p>
+            <a:fld id="{0C62BD34-D5E2-4C87-AA2A-F8D5808875C3}" type="datetime1">
+              <a:rPr lang="en-US" smtClean="0"/>
+              <a:t>9/29/2023</a:t>
+            </a:fld>
+            <a:endParaRPr lang="en-US"/>
+          </a:p>
+        </p:txBody>
+      </p:sp>
+      <p:sp>
+        <p:nvSpPr>
+          <p:cNvPr id="5" name="Footer Placeholder 4">
+            <a:extLst>
+              <a:ext uri="{FF2B5EF4-FFF2-40B4-BE49-F238E27FC236}">
+                <a16:creationId xmlns:a16="http://schemas.microsoft.com/office/drawing/2014/main" id="{B8268056-A0EC-D84E-C743-F73D017BDFFF}"/>
+              </a:ext>
+            </a:extLst>
+          </p:cNvPr>
+          <p:cNvSpPr>
+            <a:spLocks noGrp="1"/>
+          </p:cNvSpPr>
+          <p:nvPr>
+            <p:ph type="ftr" idx="11"/>
+          </p:nvPr>
+        </p:nvSpPr>
+        <p:spPr/>
+        <p:txBody>
+          <a:bodyPr/>
+          <a:lstStyle/>
+          <a:p>
+            <a:r>
+              <a:rPr lang="en-US"/>
+              <a:t>Ankit Velani, MBA-SIT,Tumkur</a:t>
+            </a:r>
+          </a:p>
+        </p:txBody>
+      </p:sp>
+      <p:sp>
+        <p:nvSpPr>
+          <p:cNvPr id="6" name="Slide Number Placeholder 5">
+            <a:extLst>
+              <a:ext uri="{FF2B5EF4-FFF2-40B4-BE49-F238E27FC236}">
+                <a16:creationId xmlns:a16="http://schemas.microsoft.com/office/drawing/2014/main" id="{601D25A8-63AE-7112-3603-CBB0E12BB3A3}"/>
+              </a:ext>
+            </a:extLst>
+          </p:cNvPr>
+          <p:cNvSpPr>
+            <a:spLocks noGrp="1"/>
+          </p:cNvSpPr>
+          <p:nvPr>
+            <p:ph type="sldNum" idx="12"/>
+          </p:nvPr>
+        </p:nvSpPr>
+        <p:spPr/>
+        <p:txBody>
+          <a:bodyPr/>
+          <a:lstStyle/>
+          <a:p>
+            <a:pPr marL="0" lvl="0" indent="0" algn="r" rtl="0">
+              <a:spcBef>
+                <a:spcPts val="0"/>
+              </a:spcBef>
+              <a:spcAft>
+                <a:spcPts val="0"/>
+              </a:spcAft>
+              <a:buNone/>
+            </a:pPr>
+            <a:fld id="{00000000-1234-1234-1234-123412341234}" type="slidenum">
+              <a:rPr lang="en-US" smtClean="0"/>
+              <a:t>28</a:t>
             </a:fld>
             <a:endParaRPr lang="en-US"/>
           </a:p>
@@ -19174,6 +19677,178 @@
     <p:extLst>
       <p:ext uri="{BB962C8B-B14F-4D97-AF65-F5344CB8AC3E}">
         <p14:creationId xmlns:p14="http://schemas.microsoft.com/office/powerpoint/2010/main" val="2649325391"/>
+      </p:ext>
+    </p:extLst>
+  </p:cSld>
+  <p:clrMapOvr>
+    <a:masterClrMapping/>
+  </p:clrMapOvr>
+</p:sld>
+</file>
+
+<file path=ppt/slides/slide29.xml><?xml version="1.0" encoding="utf-8"?>
+<p:sld xmlns:a="http://schemas.openxmlformats.org/drawingml/2006/main" xmlns:r="http://schemas.openxmlformats.org/officeDocument/2006/relationships" xmlns:p="http://schemas.openxmlformats.org/presentationml/2006/main">
+  <p:cSld>
+    <p:spTree>
+      <p:nvGrpSpPr>
+        <p:cNvPr id="1" name=""/>
+        <p:cNvGrpSpPr/>
+        <p:nvPr/>
+      </p:nvGrpSpPr>
+      <p:grpSpPr>
+        <a:xfrm>
+          <a:off x="0" y="0"/>
+          <a:ext cx="0" cy="0"/>
+          <a:chOff x="0" y="0"/>
+          <a:chExt cx="0" cy="0"/>
+        </a:xfrm>
+      </p:grpSpPr>
+      <p:sp>
+        <p:nvSpPr>
+          <p:cNvPr id="4" name="Date Placeholder 3">
+            <a:extLst>
+              <a:ext uri="{FF2B5EF4-FFF2-40B4-BE49-F238E27FC236}">
+                <a16:creationId xmlns:a16="http://schemas.microsoft.com/office/drawing/2014/main" id="{0A4E5601-0E0E-F857-069C-A94905C49246}"/>
+              </a:ext>
+            </a:extLst>
+          </p:cNvPr>
+          <p:cNvSpPr>
+            <a:spLocks noGrp="1"/>
+          </p:cNvSpPr>
+          <p:nvPr>
+            <p:ph type="dt" idx="10"/>
+          </p:nvPr>
+        </p:nvSpPr>
+        <p:spPr/>
+        <p:txBody>
+          <a:bodyPr/>
+          <a:lstStyle/>
+          <a:p>
+            <a:fld id="{0C62BD34-D5E2-4C87-AA2A-F8D5808875C3}" type="datetime1">
+              <a:rPr lang="en-US" smtClean="0"/>
+              <a:t>9/29/2023</a:t>
+            </a:fld>
+            <a:endParaRPr lang="en-US"/>
+          </a:p>
+        </p:txBody>
+      </p:sp>
+      <p:sp>
+        <p:nvSpPr>
+          <p:cNvPr id="5" name="Footer Placeholder 4">
+            <a:extLst>
+              <a:ext uri="{FF2B5EF4-FFF2-40B4-BE49-F238E27FC236}">
+                <a16:creationId xmlns:a16="http://schemas.microsoft.com/office/drawing/2014/main" id="{D84882F3-A4D6-7890-C062-4BD9F955E8F8}"/>
+              </a:ext>
+            </a:extLst>
+          </p:cNvPr>
+          <p:cNvSpPr>
+            <a:spLocks noGrp="1"/>
+          </p:cNvSpPr>
+          <p:nvPr>
+            <p:ph type="ftr" idx="11"/>
+          </p:nvPr>
+        </p:nvSpPr>
+        <p:spPr/>
+        <p:txBody>
+          <a:bodyPr/>
+          <a:lstStyle/>
+          <a:p>
+            <a:r>
+              <a:rPr lang="en-US"/>
+              <a:t>Ankit Velani, MBA-SIT,Tumkur</a:t>
+            </a:r>
+          </a:p>
+        </p:txBody>
+      </p:sp>
+      <p:sp>
+        <p:nvSpPr>
+          <p:cNvPr id="6" name="Slide Number Placeholder 5">
+            <a:extLst>
+              <a:ext uri="{FF2B5EF4-FFF2-40B4-BE49-F238E27FC236}">
+                <a16:creationId xmlns:a16="http://schemas.microsoft.com/office/drawing/2014/main" id="{9A0A9F45-CC75-C7F5-0DBB-49D2699964CD}"/>
+              </a:ext>
+            </a:extLst>
+          </p:cNvPr>
+          <p:cNvSpPr>
+            <a:spLocks noGrp="1"/>
+          </p:cNvSpPr>
+          <p:nvPr>
+            <p:ph type="sldNum" idx="12"/>
+          </p:nvPr>
+        </p:nvSpPr>
+        <p:spPr/>
+        <p:txBody>
+          <a:bodyPr/>
+          <a:lstStyle/>
+          <a:p>
+            <a:pPr marL="0" lvl="0" indent="0" algn="r" rtl="0">
+              <a:spcBef>
+                <a:spcPts val="0"/>
+              </a:spcBef>
+              <a:spcAft>
+                <a:spcPts val="0"/>
+              </a:spcAft>
+              <a:buNone/>
+            </a:pPr>
+            <a:fld id="{00000000-1234-1234-1234-123412341234}" type="slidenum">
+              <a:rPr lang="en-US" smtClean="0"/>
+              <a:t>29</a:t>
+            </a:fld>
+            <a:endParaRPr lang="en-US"/>
+          </a:p>
+        </p:txBody>
+      </p:sp>
+      <p:pic>
+        <p:nvPicPr>
+          <p:cNvPr id="1028" name="Picture 4" descr="Android Tutorial: Time to practice Java for Android development">
+            <a:extLst>
+              <a:ext uri="{FF2B5EF4-FFF2-40B4-BE49-F238E27FC236}">
+                <a16:creationId xmlns:a16="http://schemas.microsoft.com/office/drawing/2014/main" id="{7FAB24EE-2D78-B35E-9EF6-742CA6BB64C5}"/>
+              </a:ext>
+            </a:extLst>
+          </p:cNvPr>
+          <p:cNvPicPr>
+            <a:picLocks noChangeAspect="1" noChangeArrowheads="1"/>
+          </p:cNvPicPr>
+          <p:nvPr/>
+        </p:nvPicPr>
+        <p:blipFill>
+          <a:blip r:embed="rId2">
+            <a:extLst>
+              <a:ext uri="{28A0092B-C50C-407E-A947-70E740481C1C}">
+                <a14:useLocalDpi xmlns:a14="http://schemas.microsoft.com/office/drawing/2010/main" val="0"/>
+              </a:ext>
+            </a:extLst>
+          </a:blip>
+          <a:srcRect/>
+          <a:stretch>
+            <a:fillRect/>
+          </a:stretch>
+        </p:blipFill>
+        <p:spPr bwMode="auto">
+          <a:xfrm>
+            <a:off x="1533525" y="2167350"/>
+            <a:ext cx="6213288" cy="1852200"/>
+          </a:xfrm>
+          <a:prstGeom prst="rect">
+            <a:avLst/>
+          </a:prstGeom>
+          <a:noFill/>
+          <a:extLst>
+            <a:ext uri="{909E8E84-426E-40DD-AFC4-6F175D3DCCD1}">
+              <a14:hiddenFill xmlns:a14="http://schemas.microsoft.com/office/drawing/2010/main">
+                <a:solidFill>
+                  <a:srgbClr val="FFFFFF"/>
+                </a:solidFill>
+              </a14:hiddenFill>
+            </a:ext>
+          </a:extLst>
+        </p:spPr>
+      </p:pic>
+    </p:spTree>
+    <p:extLst>
+      <p:ext uri="{BB962C8B-B14F-4D97-AF65-F5344CB8AC3E}">
+        <p14:creationId xmlns:p14="http://schemas.microsoft.com/office/powerpoint/2010/main" val="777207446"/>
       </p:ext>
     </p:extLst>
   </p:cSld>
@@ -19379,7 +20054,7 @@
           <a:p>
             <a:fld id="{0C62BD34-D5E2-4C87-AA2A-F8D5808875C3}" type="datetime1">
               <a:rPr lang="en-US" smtClean="0"/>
-              <a:t>9/29/23</a:t>
+              <a:t>9/29/2023</a:t>
             </a:fld>
             <a:endParaRPr lang="en-US"/>
           </a:p>
@@ -19555,61 +20230,6 @@
       </p:sp>
       <p:sp>
         <p:nvSpPr>
-          <p:cNvPr id="3" name="Text Placeholder 2">
-            <a:extLst>
-              <a:ext uri="{FF2B5EF4-FFF2-40B4-BE49-F238E27FC236}">
-                <a16:creationId xmlns:a16="http://schemas.microsoft.com/office/drawing/2014/main" id="{D8F3A0AA-EEA9-4AC9-8042-81AF1DE9E5E3}"/>
-              </a:ext>
-            </a:extLst>
-          </p:cNvPr>
-          <p:cNvSpPr>
-            <a:spLocks noGrp="1"/>
-          </p:cNvSpPr>
-          <p:nvPr>
-            <p:ph type="body" idx="1"/>
-          </p:nvPr>
-        </p:nvSpPr>
-        <p:spPr>
-          <a:xfrm>
-            <a:off x="676275" y="1430338"/>
-            <a:ext cx="8155590" cy="3104496"/>
-          </a:xfrm>
-        </p:spPr>
-        <p:txBody>
-          <a:bodyPr/>
-          <a:lstStyle/>
-          <a:p>
-            <a:pPr marL="0" marR="0">
-              <a:lnSpc>
-                <a:spcPct val="107000"/>
-              </a:lnSpc>
-              <a:spcBef>
-                <a:spcPts val="0"/>
-              </a:spcBef>
-              <a:spcAft>
-                <a:spcPts val="800"/>
-              </a:spcAft>
-            </a:pPr>
-            <a:r>
-              <a:rPr lang="en-US" sz="2400" dirty="0">
-                <a:effectLst/>
-                <a:latin typeface="Calibri Light" panose="020F0302020204030204" pitchFamily="34" charset="0"/>
-                <a:ea typeface="Calibri" panose="020F0502020204030204" pitchFamily="34" charset="0"/>
-                <a:cs typeface="Times New Roman" panose="02020603050405020304" pitchFamily="18" charset="0"/>
-              </a:rPr>
-              <a:t>Time Series Analysis in Python considers data collected over time might have some structure; hence it analyses Time Series data to extract its valuable characteristics.</a:t>
-            </a:r>
-            <a:endParaRPr lang="en-US" sz="2400" dirty="0">
-              <a:effectLst/>
-              <a:latin typeface="Calibri" panose="020F0502020204030204" pitchFamily="34" charset="0"/>
-              <a:ea typeface="Calibri" panose="020F0502020204030204" pitchFamily="34" charset="0"/>
-              <a:cs typeface="Times New Roman" panose="02020603050405020304" pitchFamily="18" charset="0"/>
-            </a:endParaRPr>
-          </a:p>
-        </p:txBody>
-      </p:sp>
-      <p:sp>
-        <p:nvSpPr>
           <p:cNvPr id="4" name="Date Placeholder 3">
             <a:extLst>
               <a:ext uri="{FF2B5EF4-FFF2-40B4-BE49-F238E27FC236}">
@@ -19631,7 +20251,7 @@
           <a:p>
             <a:fld id="{0C62BD34-D5E2-4C87-AA2A-F8D5808875C3}" type="datetime1">
               <a:rPr lang="en-US" smtClean="0"/>
-              <a:t>9/29/23</a:t>
+              <a:t>9/29/2023</a:t>
             </a:fld>
             <a:endParaRPr lang="en-US"/>
           </a:p>
@@ -19732,7 +20352,7 @@
         </p:blipFill>
         <p:spPr bwMode="auto">
           <a:xfrm>
-            <a:off x="766460" y="3128029"/>
+            <a:off x="721367" y="2699404"/>
             <a:ext cx="7701265" cy="2056139"/>
           </a:xfrm>
           <a:prstGeom prst="rect">
@@ -19833,7 +20453,7 @@
           <a:p>
             <a:fld id="{0C62BD34-D5E2-4C87-AA2A-F8D5808875C3}" type="datetime1">
               <a:rPr lang="en-US" smtClean="0"/>
-              <a:t>9/29/23</a:t>
+              <a:t>9/29/2023</a:t>
             </a:fld>
             <a:endParaRPr lang="en-US"/>
           </a:p>
@@ -20035,7 +20655,7 @@
           <a:p>
             <a:fld id="{0C62BD34-D5E2-4C87-AA2A-F8D5808875C3}" type="datetime1">
               <a:rPr lang="en-US" smtClean="0"/>
-              <a:t>9/29/23</a:t>
+              <a:t>9/29/2023</a:t>
             </a:fld>
             <a:endParaRPr lang="en-US"/>
           </a:p>
@@ -20492,7 +21112,7 @@
           <a:p>
             <a:fld id="{0C62BD34-D5E2-4C87-AA2A-F8D5808875C3}" type="datetime1">
               <a:rPr lang="en-US" smtClean="0"/>
-              <a:t>9/29/23</a:t>
+              <a:t>9/29/2023</a:t>
             </a:fld>
             <a:endParaRPr lang="en-US"/>
           </a:p>
@@ -20977,7 +21597,7 @@
           <a:p>
             <a:fld id="{0C62BD34-D5E2-4C87-AA2A-F8D5808875C3}" type="datetime1">
               <a:rPr lang="en-US" smtClean="0"/>
-              <a:t>9/29/23</a:t>
+              <a:t>9/29/2023</a:t>
             </a:fld>
             <a:endParaRPr lang="en-US"/>
           </a:p>
